--- a/Submission5/Slide.pptx
+++ b/Submission5/Slide.pptx
@@ -6974,7 +6974,7 @@
             <a:tbl>
               <a:tblPr>
                 <a:noFill/>
-                <a:tableStyleId>{8D86B1F3-A18B-4BFF-8A07-23AC6D3AA992}</a:tableStyleId>
+                <a:tableStyleId>{2B129095-E929-4127-9E1F-2AEB683DEF8F}</a:tableStyleId>
               </a:tblPr>
               <a:tblGrid>
                 <a:gridCol w="1722950"/>
@@ -7637,7 +7637,25 @@
                 <a:cs typeface="Roboto Slab"/>
                 <a:sym typeface="Roboto Slab"/>
               </a:rPr>
-              <a:t>There is already some work being done in this area to automate the process of detecting disease among plants using machine learning, transfer learning, and deep learning approaches. Some common transfer learning models like Inception had 98.01% accuracy in detecting plant diseases. There are also other models like ResNet50 with 98.93% accuracy in some cases. Our goal is to use different transfer learning techniques and experimental AI models to detect watermelon leaf diseases. </a:t>
+              <a:t>There is already some work being done in this area to automate the process of detecting disease among plants using machine learning, transfer learning, and deep learning approaches. Some common transfer learning models like Inception had 98.01% accuracy in detecting plant diseases. There are also other models like ResNet50 with 98.93% accuracy in some cases. Our goal is to use different transfer learning techniques and </a:t>
+            </a:r>
+            <a:r>
+              <a:rPr lang="en" sz="1300">
+                <a:latin typeface="Roboto Slab"/>
+                <a:ea typeface="Roboto Slab"/>
+                <a:cs typeface="Roboto Slab"/>
+                <a:sym typeface="Roboto Slab"/>
+              </a:rPr>
+              <a:t>explainable</a:t>
+            </a:r>
+            <a:r>
+              <a:rPr lang="en" sz="1300">
+                <a:latin typeface="Roboto Slab"/>
+                <a:ea typeface="Roboto Slab"/>
+                <a:cs typeface="Roboto Slab"/>
+                <a:sym typeface="Roboto Slab"/>
+              </a:rPr>
+              <a:t> AI models to detect watermelon leaf diseases. </a:t>
             </a:r>
             <a:endParaRPr>
               <a:latin typeface="Roboto Slab"/>
@@ -8997,6 +9015,285 @@
 </file>
 
 <file path=ppt/theme/theme1.xml><?xml version="1.0" encoding="utf-8"?>
+<a:theme xmlns:a="http://schemas.openxmlformats.org/drawingml/2006/main" xmlns:r="http://schemas.openxmlformats.org/officeDocument/2006/relationships">
+  <a:themeElements>
+    <a:clrScheme name="Default">
+      <a:dk1>
+        <a:srgbClr val="000000"/>
+      </a:dk1>
+      <a:lt1>
+        <a:srgbClr val="FFFFFF"/>
+      </a:lt1>
+      <a:dk2>
+        <a:srgbClr val="158158"/>
+      </a:dk2>
+      <a:lt2>
+        <a:srgbClr val="F3F3F3"/>
+      </a:lt2>
+      <a:accent1>
+        <a:srgbClr val="058DC7"/>
+      </a:accent1>
+      <a:accent2>
+        <a:srgbClr val="50B432"/>
+      </a:accent2>
+      <a:accent3>
+        <a:srgbClr val="ED561B"/>
+      </a:accent3>
+      <a:accent4>
+        <a:srgbClr val="EDEF00"/>
+      </a:accent4>
+      <a:accent5>
+        <a:srgbClr val="24CBE5"/>
+      </a:accent5>
+      <a:accent6>
+        <a:srgbClr val="64E572"/>
+      </a:accent6>
+      <a:hlink>
+        <a:srgbClr val="2200CC"/>
+      </a:hlink>
+      <a:folHlink>
+        <a:srgbClr val="551A8B"/>
+      </a:folHlink>
+    </a:clrScheme>
+    <a:fontScheme name="Office">
+      <a:majorFont>
+        <a:latin typeface="Arial"/>
+        <a:ea typeface=""/>
+        <a:cs typeface=""/>
+        <a:font script="Jpan" typeface="ＭＳ Ｐゴシック"/>
+        <a:font script="Hang" typeface="맑은 고딕"/>
+        <a:font script="Hans" typeface="宋体"/>
+        <a:font script="Hant" typeface="新細明體"/>
+        <a:font script="Arab" typeface="Times New Roman"/>
+        <a:font script="Hebr" typeface="Times New Roman"/>
+        <a:font script="Thai" typeface="Angsana New"/>
+        <a:font script="Ethi" typeface="Nyala"/>
+        <a:font script="Beng" typeface="Vrinda"/>
+        <a:font script="Gujr" typeface="Shruti"/>
+        <a:font script="Khmr" typeface="MoolBoran"/>
+        <a:font script="Knda" typeface="Tunga"/>
+        <a:font script="Guru" typeface="Raavi"/>
+        <a:font script="Cans" typeface="Euphemia"/>
+        <a:font script="Cher" typeface="Plantagenet Cherokee"/>
+        <a:font script="Yiii" typeface="Microsoft Yi Baiti"/>
+        <a:font script="Tibt" typeface="Microsoft Himalaya"/>
+        <a:font script="Thaa" typeface="MV Boli"/>
+        <a:font script="Deva" typeface="Mangal"/>
+        <a:font script="Telu" typeface="Gautami"/>
+        <a:font script="Taml" typeface="Latha"/>
+        <a:font script="Syrc" typeface="Estrangelo Edessa"/>
+        <a:font script="Orya" typeface="Kalinga"/>
+        <a:font script="Mlym" typeface="Kartika"/>
+        <a:font script="Laoo" typeface="DokChampa"/>
+        <a:font script="Sinh" typeface="Iskoola Pota"/>
+        <a:font script="Mong" typeface="Mongolian Baiti"/>
+        <a:font script="Viet" typeface="Times New Roman"/>
+        <a:font script="Uigh" typeface="Microsoft Uighur"/>
+        <a:font script="Geor" typeface="Sylfaen"/>
+      </a:majorFont>
+      <a:minorFont>
+        <a:latin typeface="Arial"/>
+        <a:ea typeface=""/>
+        <a:cs typeface=""/>
+        <a:font script="Jpan" typeface="ＭＳ Ｐゴシック"/>
+        <a:font script="Hang" typeface="맑은 고딕"/>
+        <a:font script="Hans" typeface="宋体"/>
+        <a:font script="Hant" typeface="新細明體"/>
+        <a:font script="Arab" typeface="Arial"/>
+        <a:font script="Hebr" typeface="Arial"/>
+        <a:font script="Thai" typeface="Cordia New"/>
+        <a:font script="Ethi" typeface="Nyala"/>
+        <a:font script="Beng" typeface="Vrinda"/>
+        <a:font script="Gujr" typeface="Shruti"/>
+        <a:font script="Khmr" typeface="DaunPenh"/>
+        <a:font script="Knda" typeface="Tunga"/>
+        <a:font script="Guru" typeface="Raavi"/>
+        <a:font script="Cans" typeface="Euphemia"/>
+        <a:font script="Cher" typeface="Plantagenet Cherokee"/>
+        <a:font script="Yiii" typeface="Microsoft Yi Baiti"/>
+        <a:font script="Tibt" typeface="Microsoft Himalaya"/>
+        <a:font script="Thaa" typeface="MV Boli"/>
+        <a:font script="Deva" typeface="Mangal"/>
+        <a:font script="Telu" typeface="Gautami"/>
+        <a:font script="Taml" typeface="Latha"/>
+        <a:font script="Syrc" typeface="Estrangelo Edessa"/>
+        <a:font script="Orya" typeface="Kalinga"/>
+        <a:font script="Mlym" typeface="Kartika"/>
+        <a:font script="Laoo" typeface="DokChampa"/>
+        <a:font script="Sinh" typeface="Iskoola Pota"/>
+        <a:font script="Mong" typeface="Mongolian Baiti"/>
+        <a:font script="Viet" typeface="Arial"/>
+        <a:font script="Uigh" typeface="Microsoft Uighur"/>
+        <a:font script="Geor" typeface="Sylfaen"/>
+      </a:minorFont>
+    </a:fontScheme>
+    <a:fmtScheme name="Office">
+      <a:fillStyleLst>
+        <a:solidFill>
+          <a:schemeClr val="phClr"/>
+        </a:solidFill>
+        <a:gradFill rotWithShape="1">
+          <a:gsLst>
+            <a:gs pos="0">
+              <a:schemeClr val="phClr">
+                <a:tint val="50000"/>
+                <a:satMod val="300000"/>
+              </a:schemeClr>
+            </a:gs>
+            <a:gs pos="35000">
+              <a:schemeClr val="phClr">
+                <a:tint val="37000"/>
+                <a:satMod val="300000"/>
+              </a:schemeClr>
+            </a:gs>
+            <a:gs pos="100000">
+              <a:schemeClr val="phClr">
+                <a:tint val="15000"/>
+                <a:satMod val="350000"/>
+              </a:schemeClr>
+            </a:gs>
+          </a:gsLst>
+          <a:lin ang="16200000" scaled="1"/>
+        </a:gradFill>
+        <a:gradFill rotWithShape="1">
+          <a:gsLst>
+            <a:gs pos="0">
+              <a:schemeClr val="phClr">
+                <a:tint val="100000"/>
+                <a:shade val="100000"/>
+                <a:satMod val="130000"/>
+              </a:schemeClr>
+            </a:gs>
+            <a:gs pos="100000">
+              <a:schemeClr val="phClr">
+                <a:tint val="50000"/>
+                <a:shade val="100000"/>
+                <a:satMod val="350000"/>
+              </a:schemeClr>
+            </a:gs>
+          </a:gsLst>
+          <a:lin ang="16200000" scaled="0"/>
+        </a:gradFill>
+      </a:fillStyleLst>
+      <a:lnStyleLst>
+        <a:ln w="9525" cap="flat" cmpd="sng" algn="ctr">
+          <a:solidFill>
+            <a:schemeClr val="phClr">
+              <a:shade val="95000"/>
+              <a:satMod val="105000"/>
+            </a:schemeClr>
+          </a:solidFill>
+          <a:prstDash val="solid"/>
+        </a:ln>
+        <a:ln w="25400" cap="flat" cmpd="sng" algn="ctr">
+          <a:solidFill>
+            <a:schemeClr val="phClr"/>
+          </a:solidFill>
+          <a:prstDash val="solid"/>
+        </a:ln>
+        <a:ln w="38100" cap="flat" cmpd="sng" algn="ctr">
+          <a:solidFill>
+            <a:schemeClr val="phClr"/>
+          </a:solidFill>
+          <a:prstDash val="solid"/>
+        </a:ln>
+      </a:lnStyleLst>
+      <a:effectStyleLst>
+        <a:effectStyle>
+          <a:effectLst>
+            <a:outerShdw blurRad="40000" dist="20000" dir="5400000" rotWithShape="0">
+              <a:srgbClr val="000000">
+                <a:alpha val="38000"/>
+              </a:srgbClr>
+            </a:outerShdw>
+          </a:effectLst>
+        </a:effectStyle>
+        <a:effectStyle>
+          <a:effectLst>
+            <a:outerShdw blurRad="40000" dist="23000" dir="5400000" rotWithShape="0">
+              <a:srgbClr val="000000">
+                <a:alpha val="35000"/>
+              </a:srgbClr>
+            </a:outerShdw>
+          </a:effectLst>
+        </a:effectStyle>
+        <a:effectStyle>
+          <a:effectLst>
+            <a:outerShdw blurRad="40000" dist="23000" dir="5400000" rotWithShape="0">
+              <a:srgbClr val="000000">
+                <a:alpha val="35000"/>
+              </a:srgbClr>
+            </a:outerShdw>
+          </a:effectLst>
+          <a:scene3d>
+            <a:camera prst="orthographicFront">
+              <a:rot lat="0" lon="0" rev="0"/>
+            </a:camera>
+            <a:lightRig rig="threePt" dir="t">
+              <a:rot lat="0" lon="0" rev="1200000"/>
+            </a:lightRig>
+          </a:scene3d>
+          <a:sp3d>
+            <a:bevelT w="63500" h="25400"/>
+          </a:sp3d>
+        </a:effectStyle>
+      </a:effectStyleLst>
+      <a:bgFillStyleLst>
+        <a:solidFill>
+          <a:schemeClr val="phClr"/>
+        </a:solidFill>
+        <a:gradFill rotWithShape="1">
+          <a:gsLst>
+            <a:gs pos="0">
+              <a:schemeClr val="phClr">
+                <a:tint val="40000"/>
+                <a:satMod val="350000"/>
+              </a:schemeClr>
+            </a:gs>
+            <a:gs pos="40000">
+              <a:schemeClr val="phClr">
+                <a:tint val="45000"/>
+                <a:shade val="99000"/>
+                <a:satMod val="350000"/>
+              </a:schemeClr>
+            </a:gs>
+            <a:gs pos="100000">
+              <a:schemeClr val="phClr">
+                <a:shade val="20000"/>
+                <a:satMod val="255000"/>
+              </a:schemeClr>
+            </a:gs>
+          </a:gsLst>
+          <a:path path="circle">
+            <a:fillToRect l="50000" t="-80000" r="50000" b="180000"/>
+          </a:path>
+        </a:gradFill>
+        <a:gradFill rotWithShape="1">
+          <a:gsLst>
+            <a:gs pos="0">
+              <a:schemeClr val="phClr">
+                <a:tint val="80000"/>
+                <a:satMod val="300000"/>
+              </a:schemeClr>
+            </a:gs>
+            <a:gs pos="100000">
+              <a:schemeClr val="phClr">
+                <a:shade val="30000"/>
+                <a:satMod val="200000"/>
+              </a:schemeClr>
+            </a:gs>
+          </a:gsLst>
+          <a:path path="circle">
+            <a:fillToRect l="50000" t="50000" r="50000" b="50000"/>
+          </a:path>
+        </a:gradFill>
+      </a:bgFillStyleLst>
+    </a:fmtScheme>
+  </a:themeElements>
+</a:theme>
+</file>
+
+<file path=ppt/theme/theme2.xml><?xml version="1.0" encoding="utf-8"?>
 <a:theme xmlns:a="http://schemas.openxmlformats.org/drawingml/2006/main" xmlns:r="http://schemas.openxmlformats.org/officeDocument/2006/relationships" name="Marina">
   <a:themeElements>
     <a:clrScheme name="Marina">
@@ -9273,283 +9570,4 @@
     </a:fmtScheme>
   </a:themeElements>
 </a:theme>
-</file>
-
-<file path=ppt/theme/theme2.xml><?xml version="1.0" encoding="utf-8"?>
-<a:theme xmlns:a="http://schemas.openxmlformats.org/drawingml/2006/main" xmlns:r="http://schemas.openxmlformats.org/officeDocument/2006/relationships">
-  <a:themeElements>
-    <a:clrScheme name="Default">
-      <a:dk1>
-        <a:srgbClr val="000000"/>
-      </a:dk1>
-      <a:lt1>
-        <a:srgbClr val="FFFFFF"/>
-      </a:lt1>
-      <a:dk2>
-        <a:srgbClr val="158158"/>
-      </a:dk2>
-      <a:lt2>
-        <a:srgbClr val="F3F3F3"/>
-      </a:lt2>
-      <a:accent1>
-        <a:srgbClr val="058DC7"/>
-      </a:accent1>
-      <a:accent2>
-        <a:srgbClr val="50B432"/>
-      </a:accent2>
-      <a:accent3>
-        <a:srgbClr val="ED561B"/>
-      </a:accent3>
-      <a:accent4>
-        <a:srgbClr val="EDEF00"/>
-      </a:accent4>
-      <a:accent5>
-        <a:srgbClr val="24CBE5"/>
-      </a:accent5>
-      <a:accent6>
-        <a:srgbClr val="64E572"/>
-      </a:accent6>
-      <a:hlink>
-        <a:srgbClr val="2200CC"/>
-      </a:hlink>
-      <a:folHlink>
-        <a:srgbClr val="551A8B"/>
-      </a:folHlink>
-    </a:clrScheme>
-    <a:fontScheme name="Office">
-      <a:majorFont>
-        <a:latin typeface="Arial"/>
-        <a:ea typeface=""/>
-        <a:cs typeface=""/>
-        <a:font script="Jpan" typeface="ＭＳ Ｐゴシック"/>
-        <a:font script="Hang" typeface="맑은 고딕"/>
-        <a:font script="Hans" typeface="宋体"/>
-        <a:font script="Hant" typeface="新細明體"/>
-        <a:font script="Arab" typeface="Times New Roman"/>
-        <a:font script="Hebr" typeface="Times New Roman"/>
-        <a:font script="Thai" typeface="Angsana New"/>
-        <a:font script="Ethi" typeface="Nyala"/>
-        <a:font script="Beng" typeface="Vrinda"/>
-        <a:font script="Gujr" typeface="Shruti"/>
-        <a:font script="Khmr" typeface="MoolBoran"/>
-        <a:font script="Knda" typeface="Tunga"/>
-        <a:font script="Guru" typeface="Raavi"/>
-        <a:font script="Cans" typeface="Euphemia"/>
-        <a:font script="Cher" typeface="Plantagenet Cherokee"/>
-        <a:font script="Yiii" typeface="Microsoft Yi Baiti"/>
-        <a:font script="Tibt" typeface="Microsoft Himalaya"/>
-        <a:font script="Thaa" typeface="MV Boli"/>
-        <a:font script="Deva" typeface="Mangal"/>
-        <a:font script="Telu" typeface="Gautami"/>
-        <a:font script="Taml" typeface="Latha"/>
-        <a:font script="Syrc" typeface="Estrangelo Edessa"/>
-        <a:font script="Orya" typeface="Kalinga"/>
-        <a:font script="Mlym" typeface="Kartika"/>
-        <a:font script="Laoo" typeface="DokChampa"/>
-        <a:font script="Sinh" typeface="Iskoola Pota"/>
-        <a:font script="Mong" typeface="Mongolian Baiti"/>
-        <a:font script="Viet" typeface="Times New Roman"/>
-        <a:font script="Uigh" typeface="Microsoft Uighur"/>
-        <a:font script="Geor" typeface="Sylfaen"/>
-      </a:majorFont>
-      <a:minorFont>
-        <a:latin typeface="Arial"/>
-        <a:ea typeface=""/>
-        <a:cs typeface=""/>
-        <a:font script="Jpan" typeface="ＭＳ Ｐゴシック"/>
-        <a:font script="Hang" typeface="맑은 고딕"/>
-        <a:font script="Hans" typeface="宋体"/>
-        <a:font script="Hant" typeface="新細明體"/>
-        <a:font script="Arab" typeface="Arial"/>
-        <a:font script="Hebr" typeface="Arial"/>
-        <a:font script="Thai" typeface="Cordia New"/>
-        <a:font script="Ethi" typeface="Nyala"/>
-        <a:font script="Beng" typeface="Vrinda"/>
-        <a:font script="Gujr" typeface="Shruti"/>
-        <a:font script="Khmr" typeface="DaunPenh"/>
-        <a:font script="Knda" typeface="Tunga"/>
-        <a:font script="Guru" typeface="Raavi"/>
-        <a:font script="Cans" typeface="Euphemia"/>
-        <a:font script="Cher" typeface="Plantagenet Cherokee"/>
-        <a:font script="Yiii" typeface="Microsoft Yi Baiti"/>
-        <a:font script="Tibt" typeface="Microsoft Himalaya"/>
-        <a:font script="Thaa" typeface="MV Boli"/>
-        <a:font script="Deva" typeface="Mangal"/>
-        <a:font script="Telu" typeface="Gautami"/>
-        <a:font script="Taml" typeface="Latha"/>
-        <a:font script="Syrc" typeface="Estrangelo Edessa"/>
-        <a:font script="Orya" typeface="Kalinga"/>
-        <a:font script="Mlym" typeface="Kartika"/>
-        <a:font script="Laoo" typeface="DokChampa"/>
-        <a:font script="Sinh" typeface="Iskoola Pota"/>
-        <a:font script="Mong" typeface="Mongolian Baiti"/>
-        <a:font script="Viet" typeface="Arial"/>
-        <a:font script="Uigh" typeface="Microsoft Uighur"/>
-        <a:font script="Geor" typeface="Sylfaen"/>
-      </a:minorFont>
-    </a:fontScheme>
-    <a:fmtScheme name="Office">
-      <a:fillStyleLst>
-        <a:solidFill>
-          <a:schemeClr val="phClr"/>
-        </a:solidFill>
-        <a:gradFill rotWithShape="1">
-          <a:gsLst>
-            <a:gs pos="0">
-              <a:schemeClr val="phClr">
-                <a:tint val="50000"/>
-                <a:satMod val="300000"/>
-              </a:schemeClr>
-            </a:gs>
-            <a:gs pos="35000">
-              <a:schemeClr val="phClr">
-                <a:tint val="37000"/>
-                <a:satMod val="300000"/>
-              </a:schemeClr>
-            </a:gs>
-            <a:gs pos="100000">
-              <a:schemeClr val="phClr">
-                <a:tint val="15000"/>
-                <a:satMod val="350000"/>
-              </a:schemeClr>
-            </a:gs>
-          </a:gsLst>
-          <a:lin ang="16200000" scaled="1"/>
-        </a:gradFill>
-        <a:gradFill rotWithShape="1">
-          <a:gsLst>
-            <a:gs pos="0">
-              <a:schemeClr val="phClr">
-                <a:tint val="100000"/>
-                <a:shade val="100000"/>
-                <a:satMod val="130000"/>
-              </a:schemeClr>
-            </a:gs>
-            <a:gs pos="100000">
-              <a:schemeClr val="phClr">
-                <a:tint val="50000"/>
-                <a:shade val="100000"/>
-                <a:satMod val="350000"/>
-              </a:schemeClr>
-            </a:gs>
-          </a:gsLst>
-          <a:lin ang="16200000" scaled="0"/>
-        </a:gradFill>
-      </a:fillStyleLst>
-      <a:lnStyleLst>
-        <a:ln w="9525" cap="flat" cmpd="sng" algn="ctr">
-          <a:solidFill>
-            <a:schemeClr val="phClr">
-              <a:shade val="95000"/>
-              <a:satMod val="105000"/>
-            </a:schemeClr>
-          </a:solidFill>
-          <a:prstDash val="solid"/>
-        </a:ln>
-        <a:ln w="25400" cap="flat" cmpd="sng" algn="ctr">
-          <a:solidFill>
-            <a:schemeClr val="phClr"/>
-          </a:solidFill>
-          <a:prstDash val="solid"/>
-        </a:ln>
-        <a:ln w="38100" cap="flat" cmpd="sng" algn="ctr">
-          <a:solidFill>
-            <a:schemeClr val="phClr"/>
-          </a:solidFill>
-          <a:prstDash val="solid"/>
-        </a:ln>
-      </a:lnStyleLst>
-      <a:effectStyleLst>
-        <a:effectStyle>
-          <a:effectLst>
-            <a:outerShdw blurRad="40000" dist="20000" dir="5400000" rotWithShape="0">
-              <a:srgbClr val="000000">
-                <a:alpha val="38000"/>
-              </a:srgbClr>
-            </a:outerShdw>
-          </a:effectLst>
-        </a:effectStyle>
-        <a:effectStyle>
-          <a:effectLst>
-            <a:outerShdw blurRad="40000" dist="23000" dir="5400000" rotWithShape="0">
-              <a:srgbClr val="000000">
-                <a:alpha val="35000"/>
-              </a:srgbClr>
-            </a:outerShdw>
-          </a:effectLst>
-        </a:effectStyle>
-        <a:effectStyle>
-          <a:effectLst>
-            <a:outerShdw blurRad="40000" dist="23000" dir="5400000" rotWithShape="0">
-              <a:srgbClr val="000000">
-                <a:alpha val="35000"/>
-              </a:srgbClr>
-            </a:outerShdw>
-          </a:effectLst>
-          <a:scene3d>
-            <a:camera prst="orthographicFront">
-              <a:rot lat="0" lon="0" rev="0"/>
-            </a:camera>
-            <a:lightRig rig="threePt" dir="t">
-              <a:rot lat="0" lon="0" rev="1200000"/>
-            </a:lightRig>
-          </a:scene3d>
-          <a:sp3d>
-            <a:bevelT w="63500" h="25400"/>
-          </a:sp3d>
-        </a:effectStyle>
-      </a:effectStyleLst>
-      <a:bgFillStyleLst>
-        <a:solidFill>
-          <a:schemeClr val="phClr"/>
-        </a:solidFill>
-        <a:gradFill rotWithShape="1">
-          <a:gsLst>
-            <a:gs pos="0">
-              <a:schemeClr val="phClr">
-                <a:tint val="40000"/>
-                <a:satMod val="350000"/>
-              </a:schemeClr>
-            </a:gs>
-            <a:gs pos="40000">
-              <a:schemeClr val="phClr">
-                <a:tint val="45000"/>
-                <a:shade val="99000"/>
-                <a:satMod val="350000"/>
-              </a:schemeClr>
-            </a:gs>
-            <a:gs pos="100000">
-              <a:schemeClr val="phClr">
-                <a:shade val="20000"/>
-                <a:satMod val="255000"/>
-              </a:schemeClr>
-            </a:gs>
-          </a:gsLst>
-          <a:path path="circle">
-            <a:fillToRect l="50000" t="-80000" r="50000" b="180000"/>
-          </a:path>
-        </a:gradFill>
-        <a:gradFill rotWithShape="1">
-          <a:gsLst>
-            <a:gs pos="0">
-              <a:schemeClr val="phClr">
-                <a:tint val="80000"/>
-                <a:satMod val="300000"/>
-              </a:schemeClr>
-            </a:gs>
-            <a:gs pos="100000">
-              <a:schemeClr val="phClr">
-                <a:shade val="30000"/>
-                <a:satMod val="200000"/>
-              </a:schemeClr>
-            </a:gs>
-          </a:gsLst>
-          <a:path path="circle">
-            <a:fillToRect l="50000" t="50000" r="50000" b="50000"/>
-          </a:path>
-        </a:gradFill>
-      </a:bgFillStyleLst>
-    </a:fmtScheme>
-  </a:themeElements>
-</a:theme>
 </file>
--- a/Submission5/Slide.pptx
+++ b/Submission5/Slide.pptx
@@ -6949,7 +6949,7 @@
                   <a:schemeClr val="accent5"/>
                 </a:solidFill>
               </a:rPr>
-              <a:t>Watermelon Leaf Detection Using Transfer Learning And EX-AI</a:t>
+              <a:t>Watermelon Leaf Disease Detection Using Transfer Learning And EX-AI</a:t>
             </a:r>
             <a:endParaRPr sz="2600">
               <a:solidFill>
@@ -6974,7 +6974,7 @@
             <a:tbl>
               <a:tblPr>
                 <a:noFill/>
-                <a:tableStyleId>{2B129095-E929-4127-9E1F-2AEB683DEF8F}</a:tableStyleId>
+                <a:tableStyleId>{E18930EF-A56B-4C91-BD09-CDEDFE04D810}</a:tableStyleId>
               </a:tblPr>
               <a:tblGrid>
                 <a:gridCol w="1722950"/>
@@ -9015,6 +9015,285 @@
 </file>
 
 <file path=ppt/theme/theme1.xml><?xml version="1.0" encoding="utf-8"?>
+<a:theme xmlns:a="http://schemas.openxmlformats.org/drawingml/2006/main" xmlns:r="http://schemas.openxmlformats.org/officeDocument/2006/relationships" name="Marina">
+  <a:themeElements>
+    <a:clrScheme name="Marina">
+      <a:dk1>
+        <a:srgbClr val="FFFFFF"/>
+      </a:dk1>
+      <a:lt1>
+        <a:srgbClr val="00517C"/>
+      </a:lt1>
+      <a:dk2>
+        <a:srgbClr val="004065"/>
+      </a:dk2>
+      <a:lt2>
+        <a:srgbClr val="CFD8DC"/>
+      </a:lt2>
+      <a:accent1>
+        <a:srgbClr val="0277BD"/>
+      </a:accent1>
+      <a:accent2>
+        <a:srgbClr val="558B2F"/>
+      </a:accent2>
+      <a:accent3>
+        <a:srgbClr val="009688"/>
+      </a:accent3>
+      <a:accent4>
+        <a:srgbClr val="039BE5"/>
+      </a:accent4>
+      <a:accent5>
+        <a:srgbClr val="8BC34A"/>
+      </a:accent5>
+      <a:accent6>
+        <a:srgbClr val="FFEB38"/>
+      </a:accent6>
+      <a:hlink>
+        <a:srgbClr val="8BC34A"/>
+      </a:hlink>
+      <a:folHlink>
+        <a:srgbClr val="8BC34A"/>
+      </a:folHlink>
+    </a:clrScheme>
+    <a:fontScheme name="Office">
+      <a:majorFont>
+        <a:latin typeface="Arial"/>
+        <a:ea typeface=""/>
+        <a:cs typeface=""/>
+        <a:font script="Jpan" typeface="ＭＳ Ｐゴシック"/>
+        <a:font script="Hang" typeface="맑은 고딕"/>
+        <a:font script="Hans" typeface="宋体"/>
+        <a:font script="Hant" typeface="新細明體"/>
+        <a:font script="Arab" typeface="Times New Roman"/>
+        <a:font script="Hebr" typeface="Times New Roman"/>
+        <a:font script="Thai" typeface="Angsana New"/>
+        <a:font script="Ethi" typeface="Nyala"/>
+        <a:font script="Beng" typeface="Vrinda"/>
+        <a:font script="Gujr" typeface="Shruti"/>
+        <a:font script="Khmr" typeface="MoolBoran"/>
+        <a:font script="Knda" typeface="Tunga"/>
+        <a:font script="Guru" typeface="Raavi"/>
+        <a:font script="Cans" typeface="Euphemia"/>
+        <a:font script="Cher" typeface="Plantagenet Cherokee"/>
+        <a:font script="Yiii" typeface="Microsoft Yi Baiti"/>
+        <a:font script="Tibt" typeface="Microsoft Himalaya"/>
+        <a:font script="Thaa" typeface="MV Boli"/>
+        <a:font script="Deva" typeface="Mangal"/>
+        <a:font script="Telu" typeface="Gautami"/>
+        <a:font script="Taml" typeface="Latha"/>
+        <a:font script="Syrc" typeface="Estrangelo Edessa"/>
+        <a:font script="Orya" typeface="Kalinga"/>
+        <a:font script="Mlym" typeface="Kartika"/>
+        <a:font script="Laoo" typeface="DokChampa"/>
+        <a:font script="Sinh" typeface="Iskoola Pota"/>
+        <a:font script="Mong" typeface="Mongolian Baiti"/>
+        <a:font script="Viet" typeface="Times New Roman"/>
+        <a:font script="Uigh" typeface="Microsoft Uighur"/>
+        <a:font script="Geor" typeface="Sylfaen"/>
+      </a:majorFont>
+      <a:minorFont>
+        <a:latin typeface="Arial"/>
+        <a:ea typeface=""/>
+        <a:cs typeface=""/>
+        <a:font script="Jpan" typeface="ＭＳ Ｐゴシック"/>
+        <a:font script="Hang" typeface="맑은 고딕"/>
+        <a:font script="Hans" typeface="宋体"/>
+        <a:font script="Hant" typeface="新細明體"/>
+        <a:font script="Arab" typeface="Arial"/>
+        <a:font script="Hebr" typeface="Arial"/>
+        <a:font script="Thai" typeface="Cordia New"/>
+        <a:font script="Ethi" typeface="Nyala"/>
+        <a:font script="Beng" typeface="Vrinda"/>
+        <a:font script="Gujr" typeface="Shruti"/>
+        <a:font script="Khmr" typeface="DaunPenh"/>
+        <a:font script="Knda" typeface="Tunga"/>
+        <a:font script="Guru" typeface="Raavi"/>
+        <a:font script="Cans" typeface="Euphemia"/>
+        <a:font script="Cher" typeface="Plantagenet Cherokee"/>
+        <a:font script="Yiii" typeface="Microsoft Yi Baiti"/>
+        <a:font script="Tibt" typeface="Microsoft Himalaya"/>
+        <a:font script="Thaa" typeface="MV Boli"/>
+        <a:font script="Deva" typeface="Mangal"/>
+        <a:font script="Telu" typeface="Gautami"/>
+        <a:font script="Taml" typeface="Latha"/>
+        <a:font script="Syrc" typeface="Estrangelo Edessa"/>
+        <a:font script="Orya" typeface="Kalinga"/>
+        <a:font script="Mlym" typeface="Kartika"/>
+        <a:font script="Laoo" typeface="DokChampa"/>
+        <a:font script="Sinh" typeface="Iskoola Pota"/>
+        <a:font script="Mong" typeface="Mongolian Baiti"/>
+        <a:font script="Viet" typeface="Arial"/>
+        <a:font script="Uigh" typeface="Microsoft Uighur"/>
+        <a:font script="Geor" typeface="Sylfaen"/>
+      </a:minorFont>
+    </a:fontScheme>
+    <a:fmtScheme name="Office">
+      <a:fillStyleLst>
+        <a:solidFill>
+          <a:schemeClr val="phClr"/>
+        </a:solidFill>
+        <a:gradFill rotWithShape="1">
+          <a:gsLst>
+            <a:gs pos="0">
+              <a:schemeClr val="phClr">
+                <a:tint val="50000"/>
+                <a:satMod val="300000"/>
+              </a:schemeClr>
+            </a:gs>
+            <a:gs pos="35000">
+              <a:schemeClr val="phClr">
+                <a:tint val="37000"/>
+                <a:satMod val="300000"/>
+              </a:schemeClr>
+            </a:gs>
+            <a:gs pos="100000">
+              <a:schemeClr val="phClr">
+                <a:tint val="15000"/>
+                <a:satMod val="350000"/>
+              </a:schemeClr>
+            </a:gs>
+          </a:gsLst>
+          <a:lin ang="16200000" scaled="1"/>
+        </a:gradFill>
+        <a:gradFill rotWithShape="1">
+          <a:gsLst>
+            <a:gs pos="0">
+              <a:schemeClr val="phClr">
+                <a:tint val="100000"/>
+                <a:shade val="100000"/>
+                <a:satMod val="130000"/>
+              </a:schemeClr>
+            </a:gs>
+            <a:gs pos="100000">
+              <a:schemeClr val="phClr">
+                <a:tint val="50000"/>
+                <a:shade val="100000"/>
+                <a:satMod val="350000"/>
+              </a:schemeClr>
+            </a:gs>
+          </a:gsLst>
+          <a:lin ang="16200000" scaled="0"/>
+        </a:gradFill>
+      </a:fillStyleLst>
+      <a:lnStyleLst>
+        <a:ln w="9525" cap="flat" cmpd="sng" algn="ctr">
+          <a:solidFill>
+            <a:schemeClr val="phClr">
+              <a:shade val="95000"/>
+              <a:satMod val="105000"/>
+            </a:schemeClr>
+          </a:solidFill>
+          <a:prstDash val="solid"/>
+        </a:ln>
+        <a:ln w="25400" cap="flat" cmpd="sng" algn="ctr">
+          <a:solidFill>
+            <a:schemeClr val="phClr"/>
+          </a:solidFill>
+          <a:prstDash val="solid"/>
+        </a:ln>
+        <a:ln w="38100" cap="flat" cmpd="sng" algn="ctr">
+          <a:solidFill>
+            <a:schemeClr val="phClr"/>
+          </a:solidFill>
+          <a:prstDash val="solid"/>
+        </a:ln>
+      </a:lnStyleLst>
+      <a:effectStyleLst>
+        <a:effectStyle>
+          <a:effectLst>
+            <a:outerShdw blurRad="40000" dist="20000" dir="5400000" rotWithShape="0">
+              <a:srgbClr val="000000">
+                <a:alpha val="38000"/>
+              </a:srgbClr>
+            </a:outerShdw>
+          </a:effectLst>
+        </a:effectStyle>
+        <a:effectStyle>
+          <a:effectLst>
+            <a:outerShdw blurRad="40000" dist="23000" dir="5400000" rotWithShape="0">
+              <a:srgbClr val="000000">
+                <a:alpha val="35000"/>
+              </a:srgbClr>
+            </a:outerShdw>
+          </a:effectLst>
+        </a:effectStyle>
+        <a:effectStyle>
+          <a:effectLst>
+            <a:outerShdw blurRad="40000" dist="23000" dir="5400000" rotWithShape="0">
+              <a:srgbClr val="000000">
+                <a:alpha val="35000"/>
+              </a:srgbClr>
+            </a:outerShdw>
+          </a:effectLst>
+          <a:scene3d>
+            <a:camera prst="orthographicFront">
+              <a:rot lat="0" lon="0" rev="0"/>
+            </a:camera>
+            <a:lightRig rig="threePt" dir="t">
+              <a:rot lat="0" lon="0" rev="1200000"/>
+            </a:lightRig>
+          </a:scene3d>
+          <a:sp3d>
+            <a:bevelT w="63500" h="25400"/>
+          </a:sp3d>
+        </a:effectStyle>
+      </a:effectStyleLst>
+      <a:bgFillStyleLst>
+        <a:solidFill>
+          <a:schemeClr val="phClr"/>
+        </a:solidFill>
+        <a:gradFill rotWithShape="1">
+          <a:gsLst>
+            <a:gs pos="0">
+              <a:schemeClr val="phClr">
+                <a:tint val="40000"/>
+                <a:satMod val="350000"/>
+              </a:schemeClr>
+            </a:gs>
+            <a:gs pos="40000">
+              <a:schemeClr val="phClr">
+                <a:tint val="45000"/>
+                <a:shade val="99000"/>
+                <a:satMod val="350000"/>
+              </a:schemeClr>
+            </a:gs>
+            <a:gs pos="100000">
+              <a:schemeClr val="phClr">
+                <a:shade val="20000"/>
+                <a:satMod val="255000"/>
+              </a:schemeClr>
+            </a:gs>
+          </a:gsLst>
+          <a:path path="circle">
+            <a:fillToRect l="50000" t="-80000" r="50000" b="180000"/>
+          </a:path>
+        </a:gradFill>
+        <a:gradFill rotWithShape="1">
+          <a:gsLst>
+            <a:gs pos="0">
+              <a:schemeClr val="phClr">
+                <a:tint val="80000"/>
+                <a:satMod val="300000"/>
+              </a:schemeClr>
+            </a:gs>
+            <a:gs pos="100000">
+              <a:schemeClr val="phClr">
+                <a:shade val="30000"/>
+                <a:satMod val="200000"/>
+              </a:schemeClr>
+            </a:gs>
+          </a:gsLst>
+          <a:path path="circle">
+            <a:fillToRect l="50000" t="50000" r="50000" b="50000"/>
+          </a:path>
+        </a:gradFill>
+      </a:bgFillStyleLst>
+    </a:fmtScheme>
+  </a:themeElements>
+</a:theme>
+</file>
+
+<file path=ppt/theme/theme2.xml><?xml version="1.0" encoding="utf-8"?>
 <a:theme xmlns:a="http://schemas.openxmlformats.org/drawingml/2006/main" xmlns:r="http://schemas.openxmlformats.org/officeDocument/2006/relationships">
   <a:themeElements>
     <a:clrScheme name="Default">
@@ -9291,283 +9570,4 @@
     </a:fmtScheme>
   </a:themeElements>
 </a:theme>
-</file>
-
-<file path=ppt/theme/theme2.xml><?xml version="1.0" encoding="utf-8"?>
-<a:theme xmlns:a="http://schemas.openxmlformats.org/drawingml/2006/main" xmlns:r="http://schemas.openxmlformats.org/officeDocument/2006/relationships" name="Marina">
-  <a:themeElements>
-    <a:clrScheme name="Marina">
-      <a:dk1>
-        <a:srgbClr val="FFFFFF"/>
-      </a:dk1>
-      <a:lt1>
-        <a:srgbClr val="00517C"/>
-      </a:lt1>
-      <a:dk2>
-        <a:srgbClr val="004065"/>
-      </a:dk2>
-      <a:lt2>
-        <a:srgbClr val="CFD8DC"/>
-      </a:lt2>
-      <a:accent1>
-        <a:srgbClr val="0277BD"/>
-      </a:accent1>
-      <a:accent2>
-        <a:srgbClr val="558B2F"/>
-      </a:accent2>
-      <a:accent3>
-        <a:srgbClr val="009688"/>
-      </a:accent3>
-      <a:accent4>
-        <a:srgbClr val="039BE5"/>
-      </a:accent4>
-      <a:accent5>
-        <a:srgbClr val="8BC34A"/>
-      </a:accent5>
-      <a:accent6>
-        <a:srgbClr val="FFEB38"/>
-      </a:accent6>
-      <a:hlink>
-        <a:srgbClr val="8BC34A"/>
-      </a:hlink>
-      <a:folHlink>
-        <a:srgbClr val="8BC34A"/>
-      </a:folHlink>
-    </a:clrScheme>
-    <a:fontScheme name="Office">
-      <a:majorFont>
-        <a:latin typeface="Arial"/>
-        <a:ea typeface=""/>
-        <a:cs typeface=""/>
-        <a:font script="Jpan" typeface="ＭＳ Ｐゴシック"/>
-        <a:font script="Hang" typeface="맑은 고딕"/>
-        <a:font script="Hans" typeface="宋体"/>
-        <a:font script="Hant" typeface="新細明體"/>
-        <a:font script="Arab" typeface="Times New Roman"/>
-        <a:font script="Hebr" typeface="Times New Roman"/>
-        <a:font script="Thai" typeface="Angsana New"/>
-        <a:font script="Ethi" typeface="Nyala"/>
-        <a:font script="Beng" typeface="Vrinda"/>
-        <a:font script="Gujr" typeface="Shruti"/>
-        <a:font script="Khmr" typeface="MoolBoran"/>
-        <a:font script="Knda" typeface="Tunga"/>
-        <a:font script="Guru" typeface="Raavi"/>
-        <a:font script="Cans" typeface="Euphemia"/>
-        <a:font script="Cher" typeface="Plantagenet Cherokee"/>
-        <a:font script="Yiii" typeface="Microsoft Yi Baiti"/>
-        <a:font script="Tibt" typeface="Microsoft Himalaya"/>
-        <a:font script="Thaa" typeface="MV Boli"/>
-        <a:font script="Deva" typeface="Mangal"/>
-        <a:font script="Telu" typeface="Gautami"/>
-        <a:font script="Taml" typeface="Latha"/>
-        <a:font script="Syrc" typeface="Estrangelo Edessa"/>
-        <a:font script="Orya" typeface="Kalinga"/>
-        <a:font script="Mlym" typeface="Kartika"/>
-        <a:font script="Laoo" typeface="DokChampa"/>
-        <a:font script="Sinh" typeface="Iskoola Pota"/>
-        <a:font script="Mong" typeface="Mongolian Baiti"/>
-        <a:font script="Viet" typeface="Times New Roman"/>
-        <a:font script="Uigh" typeface="Microsoft Uighur"/>
-        <a:font script="Geor" typeface="Sylfaen"/>
-      </a:majorFont>
-      <a:minorFont>
-        <a:latin typeface="Arial"/>
-        <a:ea typeface=""/>
-        <a:cs typeface=""/>
-        <a:font script="Jpan" typeface="ＭＳ Ｐゴシック"/>
-        <a:font script="Hang" typeface="맑은 고딕"/>
-        <a:font script="Hans" typeface="宋体"/>
-        <a:font script="Hant" typeface="新細明體"/>
-        <a:font script="Arab" typeface="Arial"/>
-        <a:font script="Hebr" typeface="Arial"/>
-        <a:font script="Thai" typeface="Cordia New"/>
-        <a:font script="Ethi" typeface="Nyala"/>
-        <a:font script="Beng" typeface="Vrinda"/>
-        <a:font script="Gujr" typeface="Shruti"/>
-        <a:font script="Khmr" typeface="DaunPenh"/>
-        <a:font script="Knda" typeface="Tunga"/>
-        <a:font script="Guru" typeface="Raavi"/>
-        <a:font script="Cans" typeface="Euphemia"/>
-        <a:font script="Cher" typeface="Plantagenet Cherokee"/>
-        <a:font script="Yiii" typeface="Microsoft Yi Baiti"/>
-        <a:font script="Tibt" typeface="Microsoft Himalaya"/>
-        <a:font script="Thaa" typeface="MV Boli"/>
-        <a:font script="Deva" typeface="Mangal"/>
-        <a:font script="Telu" typeface="Gautami"/>
-        <a:font script="Taml" typeface="Latha"/>
-        <a:font script="Syrc" typeface="Estrangelo Edessa"/>
-        <a:font script="Orya" typeface="Kalinga"/>
-        <a:font script="Mlym" typeface="Kartika"/>
-        <a:font script="Laoo" typeface="DokChampa"/>
-        <a:font script="Sinh" typeface="Iskoola Pota"/>
-        <a:font script="Mong" typeface="Mongolian Baiti"/>
-        <a:font script="Viet" typeface="Arial"/>
-        <a:font script="Uigh" typeface="Microsoft Uighur"/>
-        <a:font script="Geor" typeface="Sylfaen"/>
-      </a:minorFont>
-    </a:fontScheme>
-    <a:fmtScheme name="Office">
-      <a:fillStyleLst>
-        <a:solidFill>
-          <a:schemeClr val="phClr"/>
-        </a:solidFill>
-        <a:gradFill rotWithShape="1">
-          <a:gsLst>
-            <a:gs pos="0">
-              <a:schemeClr val="phClr">
-                <a:tint val="50000"/>
-                <a:satMod val="300000"/>
-              </a:schemeClr>
-            </a:gs>
-            <a:gs pos="35000">
-              <a:schemeClr val="phClr">
-                <a:tint val="37000"/>
-                <a:satMod val="300000"/>
-              </a:schemeClr>
-            </a:gs>
-            <a:gs pos="100000">
-              <a:schemeClr val="phClr">
-                <a:tint val="15000"/>
-                <a:satMod val="350000"/>
-              </a:schemeClr>
-            </a:gs>
-          </a:gsLst>
-          <a:lin ang="16200000" scaled="1"/>
-        </a:gradFill>
-        <a:gradFill rotWithShape="1">
-          <a:gsLst>
-            <a:gs pos="0">
-              <a:schemeClr val="phClr">
-                <a:tint val="100000"/>
-                <a:shade val="100000"/>
-                <a:satMod val="130000"/>
-              </a:schemeClr>
-            </a:gs>
-            <a:gs pos="100000">
-              <a:schemeClr val="phClr">
-                <a:tint val="50000"/>
-                <a:shade val="100000"/>
-                <a:satMod val="350000"/>
-              </a:schemeClr>
-            </a:gs>
-          </a:gsLst>
-          <a:lin ang="16200000" scaled="0"/>
-        </a:gradFill>
-      </a:fillStyleLst>
-      <a:lnStyleLst>
-        <a:ln w="9525" cap="flat" cmpd="sng" algn="ctr">
-          <a:solidFill>
-            <a:schemeClr val="phClr">
-              <a:shade val="95000"/>
-              <a:satMod val="105000"/>
-            </a:schemeClr>
-          </a:solidFill>
-          <a:prstDash val="solid"/>
-        </a:ln>
-        <a:ln w="25400" cap="flat" cmpd="sng" algn="ctr">
-          <a:solidFill>
-            <a:schemeClr val="phClr"/>
-          </a:solidFill>
-          <a:prstDash val="solid"/>
-        </a:ln>
-        <a:ln w="38100" cap="flat" cmpd="sng" algn="ctr">
-          <a:solidFill>
-            <a:schemeClr val="phClr"/>
-          </a:solidFill>
-          <a:prstDash val="solid"/>
-        </a:ln>
-      </a:lnStyleLst>
-      <a:effectStyleLst>
-        <a:effectStyle>
-          <a:effectLst>
-            <a:outerShdw blurRad="40000" dist="20000" dir="5400000" rotWithShape="0">
-              <a:srgbClr val="000000">
-                <a:alpha val="38000"/>
-              </a:srgbClr>
-            </a:outerShdw>
-          </a:effectLst>
-        </a:effectStyle>
-        <a:effectStyle>
-          <a:effectLst>
-            <a:outerShdw blurRad="40000" dist="23000" dir="5400000" rotWithShape="0">
-              <a:srgbClr val="000000">
-                <a:alpha val="35000"/>
-              </a:srgbClr>
-            </a:outerShdw>
-          </a:effectLst>
-        </a:effectStyle>
-        <a:effectStyle>
-          <a:effectLst>
-            <a:outerShdw blurRad="40000" dist="23000" dir="5400000" rotWithShape="0">
-              <a:srgbClr val="000000">
-                <a:alpha val="35000"/>
-              </a:srgbClr>
-            </a:outerShdw>
-          </a:effectLst>
-          <a:scene3d>
-            <a:camera prst="orthographicFront">
-              <a:rot lat="0" lon="0" rev="0"/>
-            </a:camera>
-            <a:lightRig rig="threePt" dir="t">
-              <a:rot lat="0" lon="0" rev="1200000"/>
-            </a:lightRig>
-          </a:scene3d>
-          <a:sp3d>
-            <a:bevelT w="63500" h="25400"/>
-          </a:sp3d>
-        </a:effectStyle>
-      </a:effectStyleLst>
-      <a:bgFillStyleLst>
-        <a:solidFill>
-          <a:schemeClr val="phClr"/>
-        </a:solidFill>
-        <a:gradFill rotWithShape="1">
-          <a:gsLst>
-            <a:gs pos="0">
-              <a:schemeClr val="phClr">
-                <a:tint val="40000"/>
-                <a:satMod val="350000"/>
-              </a:schemeClr>
-            </a:gs>
-            <a:gs pos="40000">
-              <a:schemeClr val="phClr">
-                <a:tint val="45000"/>
-                <a:shade val="99000"/>
-                <a:satMod val="350000"/>
-              </a:schemeClr>
-            </a:gs>
-            <a:gs pos="100000">
-              <a:schemeClr val="phClr">
-                <a:shade val="20000"/>
-                <a:satMod val="255000"/>
-              </a:schemeClr>
-            </a:gs>
-          </a:gsLst>
-          <a:path path="circle">
-            <a:fillToRect l="50000" t="-80000" r="50000" b="180000"/>
-          </a:path>
-        </a:gradFill>
-        <a:gradFill rotWithShape="1">
-          <a:gsLst>
-            <a:gs pos="0">
-              <a:schemeClr val="phClr">
-                <a:tint val="80000"/>
-                <a:satMod val="300000"/>
-              </a:schemeClr>
-            </a:gs>
-            <a:gs pos="100000">
-              <a:schemeClr val="phClr">
-                <a:shade val="30000"/>
-                <a:satMod val="200000"/>
-              </a:schemeClr>
-            </a:gs>
-          </a:gsLst>
-          <a:path path="circle">
-            <a:fillToRect l="50000" t="50000" r="50000" b="50000"/>
-          </a:path>
-        </a:gradFill>
-      </a:bgFillStyleLst>
-    </a:fmtScheme>
-  </a:themeElements>
-</a:theme>
 </file>
--- a/Submission5/Slide.pptx
+++ b/Submission5/Slide.pptx
@@ -6974,7 +6974,7 @@
             <a:tbl>
               <a:tblPr>
                 <a:noFill/>
-                <a:tableStyleId>{E18930EF-A56B-4C91-BD09-CDEDFE04D810}</a:tableStyleId>
+                <a:tableStyleId>{A1BCF6AE-FFE1-4261-A86A-6CA09D8AF017}</a:tableStyleId>
               </a:tblPr>
               <a:tblGrid>
                 <a:gridCol w="1722950"/>
@@ -8234,7 +8234,7 @@
                 <a:cs typeface="Roboto Slab"/>
                 <a:sym typeface="Roboto Slab"/>
               </a:rPr>
-              <a:t>one we were looking for we combined it with Grad-CAM to see if there were any improvement.</a:t>
+              <a:t>one we combined it with Grad-CAM to see if there were any improvement.</a:t>
             </a:r>
             <a:r>
               <a:rPr lang="en" sz="1500">
@@ -8353,7 +8353,7 @@
             </a:pPr>
             <a:r>
               <a:rPr lang="en" sz="1100"/>
-              <a:t>MobileNet had the best accuracy out of all the </a:t>
+              <a:t>MobileNet had the best accuracy out of all the Models. </a:t>
             </a:r>
             <a:endParaRPr sz="1100"/>
           </a:p>
@@ -8369,11 +8369,11 @@
             </a:pPr>
             <a:r>
               <a:rPr lang="en" sz="1100"/>
-              <a:t>Models. Now, </a:t>
+              <a:t>Now, </a:t>
             </a:r>
             <a:r>
               <a:rPr lang="en" sz="1100"/>
-              <a:t>MobileNet with or Without </a:t>
+              <a:t>MobileNet with or Without Grad-CAM had same accuracy. </a:t>
             </a:r>
             <a:endParaRPr sz="1100"/>
           </a:p>
@@ -8389,7 +8389,7 @@
             </a:pPr>
             <a:r>
               <a:rPr lang="en" sz="1100"/>
-              <a:t>Grad-CAM had same accuracy. That is because</a:t>
+              <a:t>That is because Grad-CAM does not actually help in training the model </a:t>
             </a:r>
             <a:endParaRPr sz="1100"/>
           </a:p>
@@ -8399,45 +8399,13 @@
                 <a:spcPts val="1200"/>
               </a:spcBef>
               <a:spcAft>
-                <a:spcPts val="0"/>
+                <a:spcPts val="1200"/>
               </a:spcAft>
               <a:buNone/>
             </a:pPr>
             <a:r>
               <a:rPr lang="en" sz="1100"/>
-              <a:t> Grad-CAM does not actually help in training the</a:t>
-            </a:r>
-            <a:endParaRPr sz="1100"/>
-          </a:p>
-          <a:p>
-            <a:pPr indent="0" lvl="0" marL="0" rtl="0" algn="l">
-              <a:spcBef>
-                <a:spcPts val="1200"/>
-              </a:spcBef>
-              <a:spcAft>
-                <a:spcPts val="0"/>
-              </a:spcAft>
-              <a:buNone/>
-            </a:pPr>
-            <a:r>
-              <a:rPr lang="en" sz="1100"/>
-              <a:t> Model but helps the model more in decision </a:t>
-            </a:r>
-            <a:endParaRPr sz="1100"/>
-          </a:p>
-          <a:p>
-            <a:pPr indent="0" lvl="0" marL="0" rtl="0" algn="l">
-              <a:spcBef>
-                <a:spcPts val="1200"/>
-              </a:spcBef>
-              <a:spcAft>
-                <a:spcPts val="1200"/>
-              </a:spcAft>
-              <a:buNone/>
-            </a:pPr>
-            <a:r>
-              <a:rPr lang="en" sz="1100"/>
-              <a:t>making. </a:t>
+              <a:t>but helps the model more in decision making. </a:t>
             </a:r>
             <a:endParaRPr sz="1100"/>
           </a:p>
@@ -8459,8 +8427,8 @@
         </p:blipFill>
         <p:spPr>
           <a:xfrm>
-            <a:off x="3500300" y="1207825"/>
-            <a:ext cx="5255800" cy="2819400"/>
+            <a:off x="5431863" y="1144113"/>
+            <a:ext cx="3324225" cy="1247775"/>
           </a:xfrm>
           <a:prstGeom prst="rect">
             <a:avLst/>

--- a/Submission5/Slide.pptx
+++ b/Submission5/Slide.pptx
@@ -1,6 +1,6 @@
 
 <file path=ppt/presentation.xml><?xml version="1.0" encoding="utf-8"?>
-<p:presentation xmlns:a="http://schemas.openxmlformats.org/drawingml/2006/main" xmlns:r="http://schemas.openxmlformats.org/officeDocument/2006/relationships" xmlns:mc="http://schemas.openxmlformats.org/markup-compatibility/2006" xmlns:mv="urn:schemas-microsoft-com:mac:vml" xmlns:p="http://schemas.openxmlformats.org/presentationml/2006/main" xmlns:c="http://schemas.openxmlformats.org/drawingml/2006/chart" xmlns:dgm="http://schemas.openxmlformats.org/drawingml/2006/diagram" xmlns:o="urn:schemas-microsoft-com:office:office" xmlns:v="urn:schemas-microsoft-com:vml" xmlns:pvml="urn:schemas-microsoft-com:office:powerpoint" xmlns:com="http://schemas.openxmlformats.org/drawingml/2006/compatibility" xmlns:p14="http://schemas.microsoft.com/office/powerpoint/2010/main" xmlns:p15="http://schemas.microsoft.com/office/powerpoint/2012/main" xmlns:ahyp="http://schemas.microsoft.com/office/drawing/2018/hyperlinkcolor" autoCompressPictures="0" embedTrueTypeFonts="1" strictFirstAndLastChars="0" saveSubsetFonts="1">
+<p:presentation xmlns:a="http://schemas.openxmlformats.org/drawingml/2006/main" xmlns:r="http://schemas.openxmlformats.org/officeDocument/2006/relationships" xmlns:mc="http://schemas.openxmlformats.org/markup-compatibility/2006" xmlns:mv="urn:schemas-microsoft-com:mac:vml" xmlns:p="http://schemas.openxmlformats.org/presentationml/2006/main" xmlns:c="http://schemas.openxmlformats.org/drawingml/2006/chart" xmlns:dgm="http://schemas.openxmlformats.org/drawingml/2006/diagram" xmlns:o="urn:schemas-microsoft-com:office:office" xmlns:v="urn:schemas-microsoft-com:vml" xmlns:pvml="urn:schemas-microsoft-com:office:powerpoint" xmlns:com="http://schemas.openxmlformats.org/drawingml/2006/compatibility" xmlns:p14="http://schemas.microsoft.com/office/powerpoint/2010/main" xmlns:p15="http://schemas.microsoft.com/office/powerpoint/2012/main" xmlns:ahyp="http://schemas.microsoft.com/office/drawing/2018/hyperlinkcolor" autoCompressPictures="0" embedTrueTypeFonts="1" strictFirstAndLastChars="0" saveSubsetFonts="1" showSpecialPlsOnTitleSld="0">
   <p:sldMasterIdLst>
     <p:sldMasterId id="2147483659" r:id="rId5"/>
   </p:sldMasterIdLst>
@@ -17,21 +17,30 @@
     <p:sldId id="262" r:id="rId13"/>
     <p:sldId id="263" r:id="rId14"/>
     <p:sldId id="264" r:id="rId15"/>
+    <p:sldId id="265" r:id="rId16"/>
+    <p:sldId id="266" r:id="rId17"/>
+    <p:sldId id="267" r:id="rId18"/>
+    <p:sldId id="268" r:id="rId19"/>
+    <p:sldId id="269" r:id="rId20"/>
+    <p:sldId id="270" r:id="rId21"/>
+    <p:sldId id="271" r:id="rId22"/>
+    <p:sldId id="272" r:id="rId23"/>
+    <p:sldId id="273" r:id="rId24"/>
   </p:sldIdLst>
   <p:sldSz cy="5143500" cx="9144000"/>
   <p:notesSz cx="6858000" cy="9144000"/>
   <p:embeddedFontLst>
     <p:embeddedFont>
       <p:font typeface="Roboto Slab"/>
-      <p:regular r:id="rId16"/>
-      <p:bold r:id="rId17"/>
+      <p:regular r:id="rId25"/>
+      <p:bold r:id="rId26"/>
     </p:embeddedFont>
     <p:embeddedFont>
       <p:font typeface="Roboto"/>
-      <p:regular r:id="rId18"/>
-      <p:bold r:id="rId19"/>
-      <p:italic r:id="rId20"/>
-      <p:boldItalic r:id="rId21"/>
+      <p:regular r:id="rId27"/>
+      <p:bold r:id="rId28"/>
+      <p:italic r:id="rId29"/>
+      <p:boldItalic r:id="rId30"/>
     </p:embeddedFont>
   </p:embeddedFontLst>
   <p:defaultTextStyle>
@@ -807,12 +816,12 @@
 </p:notes>
 </file>
 
-<file path=ppt/notesSlides/notesSlide2.xml><?xml version="1.0" encoding="utf-8"?>
+<file path=ppt/notesSlides/notesSlide10.xml><?xml version="1.0" encoding="utf-8"?>
 <p:notes xmlns:a="http://schemas.openxmlformats.org/drawingml/2006/main" xmlns:r="http://schemas.openxmlformats.org/officeDocument/2006/relationships" xmlns:mc="http://schemas.openxmlformats.org/markup-compatibility/2006" xmlns:mv="urn:schemas-microsoft-com:mac:vml" xmlns:p="http://schemas.openxmlformats.org/presentationml/2006/main" xmlns:c="http://schemas.openxmlformats.org/drawingml/2006/chart" xmlns:dgm="http://schemas.openxmlformats.org/drawingml/2006/diagram" xmlns:o="urn:schemas-microsoft-com:office:office" xmlns:v="urn:schemas-microsoft-com:vml" xmlns:pvml="urn:schemas-microsoft-com:office:powerpoint" xmlns:com="http://schemas.openxmlformats.org/drawingml/2006/compatibility" xmlns:p14="http://schemas.microsoft.com/office/powerpoint/2010/main" xmlns:p15="http://schemas.microsoft.com/office/powerpoint/2012/main" xmlns:ahyp="http://schemas.microsoft.com/office/drawing/2018/hyperlinkcolor" showMasterPhAnim="0" showMasterSp="0">
   <p:cSld>
     <p:spTree>
       <p:nvGrpSpPr>
-        <p:cNvPr id="66" name="Shape 66"/>
+        <p:cNvPr id="128" name="Shape 128"/>
         <p:cNvGrpSpPr/>
         <p:nvPr/>
       </p:nvGrpSpPr>
@@ -826,7 +835,7 @@
       </p:grpSpPr>
       <p:sp>
         <p:nvSpPr>
-          <p:cNvPr id="67" name="Google Shape;67;g2a543ec99b4_0_168:notes"/>
+          <p:cNvPr id="129" name="Google Shape;129;g2a659548c3f_6_42:notes"/>
           <p:cNvSpPr/>
           <p:nvPr>
             <p:ph idx="2" type="sldImg"/>
@@ -861,7 +870,898 @@
       </p:sp>
       <p:sp>
         <p:nvSpPr>
-          <p:cNvPr id="68" name="Google Shape;68;g2a543ec99b4_0_168:notes"/>
+          <p:cNvPr id="130" name="Google Shape;130;g2a659548c3f_6_42:notes"/>
+          <p:cNvSpPr txBox="1"/>
+          <p:nvPr>
+            <p:ph idx="1" type="body"/>
+          </p:nvPr>
+        </p:nvSpPr>
+        <p:spPr>
+          <a:xfrm>
+            <a:off x="685800" y="4343400"/>
+            <a:ext cx="5486400" cy="4114800"/>
+          </a:xfrm>
+          <a:prstGeom prst="rect">
+            <a:avLst/>
+          </a:prstGeom>
+        </p:spPr>
+        <p:txBody>
+          <a:bodyPr anchorCtr="0" anchor="t" bIns="91425" lIns="91425" spcFirstLastPara="1" rIns="91425" wrap="square" tIns="91425">
+            <a:noAutofit/>
+          </a:bodyPr>
+          <a:lstStyle/>
+          <a:p>
+            <a:pPr indent="0" lvl="0" marL="0" rtl="0" algn="l">
+              <a:spcBef>
+                <a:spcPts val="0"/>
+              </a:spcBef>
+              <a:spcAft>
+                <a:spcPts val="0"/>
+              </a:spcAft>
+              <a:buNone/>
+            </a:pPr>
+            <a:r>
+              <a:t/>
+            </a:r>
+            <a:endParaRPr/>
+          </a:p>
+        </p:txBody>
+      </p:sp>
+    </p:spTree>
+  </p:cSld>
+  <p:clrMapOvr>
+    <a:masterClrMapping/>
+  </p:clrMapOvr>
+</p:notes>
+</file>
+
+<file path=ppt/notesSlides/notesSlide11.xml><?xml version="1.0" encoding="utf-8"?>
+<p:notes xmlns:a="http://schemas.openxmlformats.org/drawingml/2006/main" xmlns:r="http://schemas.openxmlformats.org/officeDocument/2006/relationships" xmlns:mc="http://schemas.openxmlformats.org/markup-compatibility/2006" xmlns:mv="urn:schemas-microsoft-com:mac:vml" xmlns:p="http://schemas.openxmlformats.org/presentationml/2006/main" xmlns:c="http://schemas.openxmlformats.org/drawingml/2006/chart" xmlns:dgm="http://schemas.openxmlformats.org/drawingml/2006/diagram" xmlns:o="urn:schemas-microsoft-com:office:office" xmlns:v="urn:schemas-microsoft-com:vml" xmlns:pvml="urn:schemas-microsoft-com:office:powerpoint" xmlns:com="http://schemas.openxmlformats.org/drawingml/2006/compatibility" xmlns:p14="http://schemas.microsoft.com/office/powerpoint/2010/main" xmlns:p15="http://schemas.microsoft.com/office/powerpoint/2012/main" xmlns:ahyp="http://schemas.microsoft.com/office/drawing/2018/hyperlinkcolor" showMasterPhAnim="0" showMasterSp="0">
+  <p:cSld>
+    <p:spTree>
+      <p:nvGrpSpPr>
+        <p:cNvPr id="137" name="Shape 137"/>
+        <p:cNvGrpSpPr/>
+        <p:nvPr/>
+      </p:nvGrpSpPr>
+      <p:grpSpPr>
+        <a:xfrm>
+          <a:off x="0" y="0"/>
+          <a:ext cx="0" cy="0"/>
+          <a:chOff x="0" y="0"/>
+          <a:chExt cx="0" cy="0"/>
+        </a:xfrm>
+      </p:grpSpPr>
+      <p:sp>
+        <p:nvSpPr>
+          <p:cNvPr id="138" name="Google Shape;138;g2a659548c3f_6_62:notes"/>
+          <p:cNvSpPr/>
+          <p:nvPr>
+            <p:ph idx="2" type="sldImg"/>
+          </p:nvPr>
+        </p:nvSpPr>
+        <p:spPr>
+          <a:xfrm>
+            <a:off x="381300" y="685800"/>
+            <a:ext cx="6096000" cy="3429000"/>
+          </a:xfrm>
+          <a:custGeom>
+            <a:rect b="b" l="l" r="r" t="t"/>
+            <a:pathLst>
+              <a:path extrusionOk="0" h="120000" w="120000">
+                <a:moveTo>
+                  <a:pt x="0" y="0"/>
+                </a:moveTo>
+                <a:lnTo>
+                  <a:pt x="120000" y="0"/>
+                </a:lnTo>
+                <a:lnTo>
+                  <a:pt x="120000" y="120000"/>
+                </a:lnTo>
+                <a:lnTo>
+                  <a:pt x="0" y="120000"/>
+                </a:lnTo>
+                <a:close/>
+              </a:path>
+            </a:pathLst>
+          </a:custGeom>
+        </p:spPr>
+      </p:sp>
+      <p:sp>
+        <p:nvSpPr>
+          <p:cNvPr id="139" name="Google Shape;139;g2a659548c3f_6_62:notes"/>
+          <p:cNvSpPr txBox="1"/>
+          <p:nvPr>
+            <p:ph idx="1" type="body"/>
+          </p:nvPr>
+        </p:nvSpPr>
+        <p:spPr>
+          <a:xfrm>
+            <a:off x="685800" y="4343400"/>
+            <a:ext cx="5486400" cy="4114800"/>
+          </a:xfrm>
+          <a:prstGeom prst="rect">
+            <a:avLst/>
+          </a:prstGeom>
+        </p:spPr>
+        <p:txBody>
+          <a:bodyPr anchorCtr="0" anchor="t" bIns="91425" lIns="91425" spcFirstLastPara="1" rIns="91425" wrap="square" tIns="91425">
+            <a:noAutofit/>
+          </a:bodyPr>
+          <a:lstStyle/>
+          <a:p>
+            <a:pPr indent="0" lvl="0" marL="0" rtl="0" algn="l">
+              <a:spcBef>
+                <a:spcPts val="0"/>
+              </a:spcBef>
+              <a:spcAft>
+                <a:spcPts val="0"/>
+              </a:spcAft>
+              <a:buNone/>
+            </a:pPr>
+            <a:r>
+              <a:t/>
+            </a:r>
+            <a:endParaRPr/>
+          </a:p>
+        </p:txBody>
+      </p:sp>
+    </p:spTree>
+  </p:cSld>
+  <p:clrMapOvr>
+    <a:masterClrMapping/>
+  </p:clrMapOvr>
+</p:notes>
+</file>
+
+<file path=ppt/notesSlides/notesSlide12.xml><?xml version="1.0" encoding="utf-8"?>
+<p:notes xmlns:a="http://schemas.openxmlformats.org/drawingml/2006/main" xmlns:r="http://schemas.openxmlformats.org/officeDocument/2006/relationships" xmlns:mc="http://schemas.openxmlformats.org/markup-compatibility/2006" xmlns:mv="urn:schemas-microsoft-com:mac:vml" xmlns:p="http://schemas.openxmlformats.org/presentationml/2006/main" xmlns:c="http://schemas.openxmlformats.org/drawingml/2006/chart" xmlns:dgm="http://schemas.openxmlformats.org/drawingml/2006/diagram" xmlns:o="urn:schemas-microsoft-com:office:office" xmlns:v="urn:schemas-microsoft-com:vml" xmlns:pvml="urn:schemas-microsoft-com:office:powerpoint" xmlns:com="http://schemas.openxmlformats.org/drawingml/2006/compatibility" xmlns:p14="http://schemas.microsoft.com/office/powerpoint/2010/main" xmlns:p15="http://schemas.microsoft.com/office/powerpoint/2012/main" xmlns:ahyp="http://schemas.microsoft.com/office/drawing/2018/hyperlinkcolor" showMasterPhAnim="0" showMasterSp="0">
+  <p:cSld>
+    <p:spTree>
+      <p:nvGrpSpPr>
+        <p:cNvPr id="146" name="Shape 146"/>
+        <p:cNvGrpSpPr/>
+        <p:nvPr/>
+      </p:nvGrpSpPr>
+      <p:grpSpPr>
+        <a:xfrm>
+          <a:off x="0" y="0"/>
+          <a:ext cx="0" cy="0"/>
+          <a:chOff x="0" y="0"/>
+          <a:chExt cx="0" cy="0"/>
+        </a:xfrm>
+      </p:grpSpPr>
+      <p:sp>
+        <p:nvSpPr>
+          <p:cNvPr id="147" name="Google Shape;147;g2a543ec99b4_0_613:notes"/>
+          <p:cNvSpPr/>
+          <p:nvPr>
+            <p:ph idx="2" type="sldImg"/>
+          </p:nvPr>
+        </p:nvSpPr>
+        <p:spPr>
+          <a:xfrm>
+            <a:off x="381300" y="685800"/>
+            <a:ext cx="6096000" cy="3429000"/>
+          </a:xfrm>
+          <a:custGeom>
+            <a:rect b="b" l="l" r="r" t="t"/>
+            <a:pathLst>
+              <a:path extrusionOk="0" h="120000" w="120000">
+                <a:moveTo>
+                  <a:pt x="0" y="0"/>
+                </a:moveTo>
+                <a:lnTo>
+                  <a:pt x="120000" y="0"/>
+                </a:lnTo>
+                <a:lnTo>
+                  <a:pt x="120000" y="120000"/>
+                </a:lnTo>
+                <a:lnTo>
+                  <a:pt x="0" y="120000"/>
+                </a:lnTo>
+                <a:close/>
+              </a:path>
+            </a:pathLst>
+          </a:custGeom>
+        </p:spPr>
+      </p:sp>
+      <p:sp>
+        <p:nvSpPr>
+          <p:cNvPr id="148" name="Google Shape;148;g2a543ec99b4_0_613:notes"/>
+          <p:cNvSpPr txBox="1"/>
+          <p:nvPr>
+            <p:ph idx="1" type="body"/>
+          </p:nvPr>
+        </p:nvSpPr>
+        <p:spPr>
+          <a:xfrm>
+            <a:off x="685800" y="4343400"/>
+            <a:ext cx="5486400" cy="4114800"/>
+          </a:xfrm>
+          <a:prstGeom prst="rect">
+            <a:avLst/>
+          </a:prstGeom>
+        </p:spPr>
+        <p:txBody>
+          <a:bodyPr anchorCtr="0" anchor="t" bIns="91425" lIns="91425" spcFirstLastPara="1" rIns="91425" wrap="square" tIns="91425">
+            <a:noAutofit/>
+          </a:bodyPr>
+          <a:lstStyle/>
+          <a:p>
+            <a:pPr indent="0" lvl="0" marL="0" rtl="0" algn="l">
+              <a:spcBef>
+                <a:spcPts val="0"/>
+              </a:spcBef>
+              <a:spcAft>
+                <a:spcPts val="0"/>
+              </a:spcAft>
+              <a:buNone/>
+            </a:pPr>
+            <a:r>
+              <a:t/>
+            </a:r>
+            <a:endParaRPr/>
+          </a:p>
+        </p:txBody>
+      </p:sp>
+    </p:spTree>
+  </p:cSld>
+  <p:clrMapOvr>
+    <a:masterClrMapping/>
+  </p:clrMapOvr>
+</p:notes>
+</file>
+
+<file path=ppt/notesSlides/notesSlide13.xml><?xml version="1.0" encoding="utf-8"?>
+<p:notes xmlns:a="http://schemas.openxmlformats.org/drawingml/2006/main" xmlns:r="http://schemas.openxmlformats.org/officeDocument/2006/relationships" xmlns:mc="http://schemas.openxmlformats.org/markup-compatibility/2006" xmlns:mv="urn:schemas-microsoft-com:mac:vml" xmlns:p="http://schemas.openxmlformats.org/presentationml/2006/main" xmlns:c="http://schemas.openxmlformats.org/drawingml/2006/chart" xmlns:dgm="http://schemas.openxmlformats.org/drawingml/2006/diagram" xmlns:o="urn:schemas-microsoft-com:office:office" xmlns:v="urn:schemas-microsoft-com:vml" xmlns:pvml="urn:schemas-microsoft-com:office:powerpoint" xmlns:com="http://schemas.openxmlformats.org/drawingml/2006/compatibility" xmlns:p14="http://schemas.microsoft.com/office/powerpoint/2010/main" xmlns:p15="http://schemas.microsoft.com/office/powerpoint/2012/main" xmlns:ahyp="http://schemas.microsoft.com/office/drawing/2018/hyperlinkcolor" showMasterPhAnim="0" showMasterSp="0">
+  <p:cSld>
+    <p:spTree>
+      <p:nvGrpSpPr>
+        <p:cNvPr id="154" name="Shape 154"/>
+        <p:cNvGrpSpPr/>
+        <p:nvPr/>
+      </p:nvGrpSpPr>
+      <p:grpSpPr>
+        <a:xfrm>
+          <a:off x="0" y="0"/>
+          <a:ext cx="0" cy="0"/>
+          <a:chOff x="0" y="0"/>
+          <a:chExt cx="0" cy="0"/>
+        </a:xfrm>
+      </p:grpSpPr>
+      <p:sp>
+        <p:nvSpPr>
+          <p:cNvPr id="155" name="Google Shape;155;g2a659548c3f_6_52:notes"/>
+          <p:cNvSpPr/>
+          <p:nvPr>
+            <p:ph idx="2" type="sldImg"/>
+          </p:nvPr>
+        </p:nvSpPr>
+        <p:spPr>
+          <a:xfrm>
+            <a:off x="381300" y="685800"/>
+            <a:ext cx="6096000" cy="3429000"/>
+          </a:xfrm>
+          <a:custGeom>
+            <a:rect b="b" l="l" r="r" t="t"/>
+            <a:pathLst>
+              <a:path extrusionOk="0" h="120000" w="120000">
+                <a:moveTo>
+                  <a:pt x="0" y="0"/>
+                </a:moveTo>
+                <a:lnTo>
+                  <a:pt x="120000" y="0"/>
+                </a:lnTo>
+                <a:lnTo>
+                  <a:pt x="120000" y="120000"/>
+                </a:lnTo>
+                <a:lnTo>
+                  <a:pt x="0" y="120000"/>
+                </a:lnTo>
+                <a:close/>
+              </a:path>
+            </a:pathLst>
+          </a:custGeom>
+        </p:spPr>
+      </p:sp>
+      <p:sp>
+        <p:nvSpPr>
+          <p:cNvPr id="156" name="Google Shape;156;g2a659548c3f_6_52:notes"/>
+          <p:cNvSpPr txBox="1"/>
+          <p:nvPr>
+            <p:ph idx="1" type="body"/>
+          </p:nvPr>
+        </p:nvSpPr>
+        <p:spPr>
+          <a:xfrm>
+            <a:off x="685800" y="4343400"/>
+            <a:ext cx="5486400" cy="4114800"/>
+          </a:xfrm>
+          <a:prstGeom prst="rect">
+            <a:avLst/>
+          </a:prstGeom>
+        </p:spPr>
+        <p:txBody>
+          <a:bodyPr anchorCtr="0" anchor="t" bIns="91425" lIns="91425" spcFirstLastPara="1" rIns="91425" wrap="square" tIns="91425">
+            <a:noAutofit/>
+          </a:bodyPr>
+          <a:lstStyle/>
+          <a:p>
+            <a:pPr indent="0" lvl="0" marL="0" rtl="0" algn="l">
+              <a:spcBef>
+                <a:spcPts val="0"/>
+              </a:spcBef>
+              <a:spcAft>
+                <a:spcPts val="0"/>
+              </a:spcAft>
+              <a:buNone/>
+            </a:pPr>
+            <a:r>
+              <a:t/>
+            </a:r>
+            <a:endParaRPr/>
+          </a:p>
+        </p:txBody>
+      </p:sp>
+    </p:spTree>
+  </p:cSld>
+  <p:clrMapOvr>
+    <a:masterClrMapping/>
+  </p:clrMapOvr>
+</p:notes>
+</file>
+
+<file path=ppt/notesSlides/notesSlide14.xml><?xml version="1.0" encoding="utf-8"?>
+<p:notes xmlns:a="http://schemas.openxmlformats.org/drawingml/2006/main" xmlns:r="http://schemas.openxmlformats.org/officeDocument/2006/relationships" xmlns:mc="http://schemas.openxmlformats.org/markup-compatibility/2006" xmlns:mv="urn:schemas-microsoft-com:mac:vml" xmlns:p="http://schemas.openxmlformats.org/presentationml/2006/main" xmlns:c="http://schemas.openxmlformats.org/drawingml/2006/chart" xmlns:dgm="http://schemas.openxmlformats.org/drawingml/2006/diagram" xmlns:o="urn:schemas-microsoft-com:office:office" xmlns:v="urn:schemas-microsoft-com:vml" xmlns:pvml="urn:schemas-microsoft-com:office:powerpoint" xmlns:com="http://schemas.openxmlformats.org/drawingml/2006/compatibility" xmlns:p14="http://schemas.microsoft.com/office/powerpoint/2010/main" xmlns:p15="http://schemas.microsoft.com/office/powerpoint/2012/main" xmlns:ahyp="http://schemas.microsoft.com/office/drawing/2018/hyperlinkcolor" showMasterPhAnim="0" showMasterSp="0">
+  <p:cSld>
+    <p:spTree>
+      <p:nvGrpSpPr>
+        <p:cNvPr id="162" name="Shape 162"/>
+        <p:cNvGrpSpPr/>
+        <p:nvPr/>
+      </p:nvGrpSpPr>
+      <p:grpSpPr>
+        <a:xfrm>
+          <a:off x="0" y="0"/>
+          <a:ext cx="0" cy="0"/>
+          <a:chOff x="0" y="0"/>
+          <a:chExt cx="0" cy="0"/>
+        </a:xfrm>
+      </p:grpSpPr>
+      <p:sp>
+        <p:nvSpPr>
+          <p:cNvPr id="163" name="Google Shape;163;g2a659548c3f_9_0:notes"/>
+          <p:cNvSpPr/>
+          <p:nvPr>
+            <p:ph idx="2" type="sldImg"/>
+          </p:nvPr>
+        </p:nvSpPr>
+        <p:spPr>
+          <a:xfrm>
+            <a:off x="381300" y="685800"/>
+            <a:ext cx="6096000" cy="3429000"/>
+          </a:xfrm>
+          <a:custGeom>
+            <a:rect b="b" l="l" r="r" t="t"/>
+            <a:pathLst>
+              <a:path extrusionOk="0" h="120000" w="120000">
+                <a:moveTo>
+                  <a:pt x="0" y="0"/>
+                </a:moveTo>
+                <a:lnTo>
+                  <a:pt x="120000" y="0"/>
+                </a:lnTo>
+                <a:lnTo>
+                  <a:pt x="120000" y="120000"/>
+                </a:lnTo>
+                <a:lnTo>
+                  <a:pt x="0" y="120000"/>
+                </a:lnTo>
+                <a:close/>
+              </a:path>
+            </a:pathLst>
+          </a:custGeom>
+        </p:spPr>
+      </p:sp>
+      <p:sp>
+        <p:nvSpPr>
+          <p:cNvPr id="164" name="Google Shape;164;g2a659548c3f_9_0:notes"/>
+          <p:cNvSpPr txBox="1"/>
+          <p:nvPr>
+            <p:ph idx="1" type="body"/>
+          </p:nvPr>
+        </p:nvSpPr>
+        <p:spPr>
+          <a:xfrm>
+            <a:off x="685800" y="4343400"/>
+            <a:ext cx="5486400" cy="4114800"/>
+          </a:xfrm>
+          <a:prstGeom prst="rect">
+            <a:avLst/>
+          </a:prstGeom>
+        </p:spPr>
+        <p:txBody>
+          <a:bodyPr anchorCtr="0" anchor="t" bIns="91425" lIns="91425" spcFirstLastPara="1" rIns="91425" wrap="square" tIns="91425">
+            <a:noAutofit/>
+          </a:bodyPr>
+          <a:lstStyle/>
+          <a:p>
+            <a:pPr indent="0" lvl="0" marL="0" rtl="0" algn="l">
+              <a:spcBef>
+                <a:spcPts val="0"/>
+              </a:spcBef>
+              <a:spcAft>
+                <a:spcPts val="0"/>
+              </a:spcAft>
+              <a:buNone/>
+            </a:pPr>
+            <a:r>
+              <a:t/>
+            </a:r>
+            <a:endParaRPr/>
+          </a:p>
+        </p:txBody>
+      </p:sp>
+    </p:spTree>
+  </p:cSld>
+  <p:clrMapOvr>
+    <a:masterClrMapping/>
+  </p:clrMapOvr>
+</p:notes>
+</file>
+
+<file path=ppt/notesSlides/notesSlide15.xml><?xml version="1.0" encoding="utf-8"?>
+<p:notes xmlns:a="http://schemas.openxmlformats.org/drawingml/2006/main" xmlns:r="http://schemas.openxmlformats.org/officeDocument/2006/relationships" xmlns:mc="http://schemas.openxmlformats.org/markup-compatibility/2006" xmlns:mv="urn:schemas-microsoft-com:mac:vml" xmlns:p="http://schemas.openxmlformats.org/presentationml/2006/main" xmlns:c="http://schemas.openxmlformats.org/drawingml/2006/chart" xmlns:dgm="http://schemas.openxmlformats.org/drawingml/2006/diagram" xmlns:o="urn:schemas-microsoft-com:office:office" xmlns:v="urn:schemas-microsoft-com:vml" xmlns:pvml="urn:schemas-microsoft-com:office:powerpoint" xmlns:com="http://schemas.openxmlformats.org/drawingml/2006/compatibility" xmlns:p14="http://schemas.microsoft.com/office/powerpoint/2010/main" xmlns:p15="http://schemas.microsoft.com/office/powerpoint/2012/main" xmlns:ahyp="http://schemas.microsoft.com/office/drawing/2018/hyperlinkcolor" showMasterPhAnim="0" showMasterSp="0">
+  <p:cSld>
+    <p:spTree>
+      <p:nvGrpSpPr>
+        <p:cNvPr id="169" name="Shape 169"/>
+        <p:cNvGrpSpPr/>
+        <p:nvPr/>
+      </p:nvGrpSpPr>
+      <p:grpSpPr>
+        <a:xfrm>
+          <a:off x="0" y="0"/>
+          <a:ext cx="0" cy="0"/>
+          <a:chOff x="0" y="0"/>
+          <a:chExt cx="0" cy="0"/>
+        </a:xfrm>
+      </p:grpSpPr>
+      <p:sp>
+        <p:nvSpPr>
+          <p:cNvPr id="170" name="Google Shape;170;g2a659548c3f_9_6:notes"/>
+          <p:cNvSpPr/>
+          <p:nvPr>
+            <p:ph idx="2" type="sldImg"/>
+          </p:nvPr>
+        </p:nvSpPr>
+        <p:spPr>
+          <a:xfrm>
+            <a:off x="381300" y="685800"/>
+            <a:ext cx="6096000" cy="3429000"/>
+          </a:xfrm>
+          <a:custGeom>
+            <a:rect b="b" l="l" r="r" t="t"/>
+            <a:pathLst>
+              <a:path extrusionOk="0" h="120000" w="120000">
+                <a:moveTo>
+                  <a:pt x="0" y="0"/>
+                </a:moveTo>
+                <a:lnTo>
+                  <a:pt x="120000" y="0"/>
+                </a:lnTo>
+                <a:lnTo>
+                  <a:pt x="120000" y="120000"/>
+                </a:lnTo>
+                <a:lnTo>
+                  <a:pt x="0" y="120000"/>
+                </a:lnTo>
+                <a:close/>
+              </a:path>
+            </a:pathLst>
+          </a:custGeom>
+        </p:spPr>
+      </p:sp>
+      <p:sp>
+        <p:nvSpPr>
+          <p:cNvPr id="171" name="Google Shape;171;g2a659548c3f_9_6:notes"/>
+          <p:cNvSpPr txBox="1"/>
+          <p:nvPr>
+            <p:ph idx="1" type="body"/>
+          </p:nvPr>
+        </p:nvSpPr>
+        <p:spPr>
+          <a:xfrm>
+            <a:off x="685800" y="4343400"/>
+            <a:ext cx="5486400" cy="4114800"/>
+          </a:xfrm>
+          <a:prstGeom prst="rect">
+            <a:avLst/>
+          </a:prstGeom>
+        </p:spPr>
+        <p:txBody>
+          <a:bodyPr anchorCtr="0" anchor="t" bIns="91425" lIns="91425" spcFirstLastPara="1" rIns="91425" wrap="square" tIns="91425">
+            <a:noAutofit/>
+          </a:bodyPr>
+          <a:lstStyle/>
+          <a:p>
+            <a:pPr indent="0" lvl="0" marL="0" rtl="0" algn="l">
+              <a:spcBef>
+                <a:spcPts val="0"/>
+              </a:spcBef>
+              <a:spcAft>
+                <a:spcPts val="0"/>
+              </a:spcAft>
+              <a:buNone/>
+            </a:pPr>
+            <a:r>
+              <a:t/>
+            </a:r>
+            <a:endParaRPr/>
+          </a:p>
+        </p:txBody>
+      </p:sp>
+    </p:spTree>
+  </p:cSld>
+  <p:clrMapOvr>
+    <a:masterClrMapping/>
+  </p:clrMapOvr>
+</p:notes>
+</file>
+
+<file path=ppt/notesSlides/notesSlide16.xml><?xml version="1.0" encoding="utf-8"?>
+<p:notes xmlns:a="http://schemas.openxmlformats.org/drawingml/2006/main" xmlns:r="http://schemas.openxmlformats.org/officeDocument/2006/relationships" xmlns:mc="http://schemas.openxmlformats.org/markup-compatibility/2006" xmlns:mv="urn:schemas-microsoft-com:mac:vml" xmlns:p="http://schemas.openxmlformats.org/presentationml/2006/main" xmlns:c="http://schemas.openxmlformats.org/drawingml/2006/chart" xmlns:dgm="http://schemas.openxmlformats.org/drawingml/2006/diagram" xmlns:o="urn:schemas-microsoft-com:office:office" xmlns:v="urn:schemas-microsoft-com:vml" xmlns:pvml="urn:schemas-microsoft-com:office:powerpoint" xmlns:com="http://schemas.openxmlformats.org/drawingml/2006/compatibility" xmlns:p14="http://schemas.microsoft.com/office/powerpoint/2010/main" xmlns:p15="http://schemas.microsoft.com/office/powerpoint/2012/main" xmlns:ahyp="http://schemas.microsoft.com/office/drawing/2018/hyperlinkcolor" showMasterPhAnim="0" showMasterSp="0">
+  <p:cSld>
+    <p:spTree>
+      <p:nvGrpSpPr>
+        <p:cNvPr id="176" name="Shape 176"/>
+        <p:cNvGrpSpPr/>
+        <p:nvPr/>
+      </p:nvGrpSpPr>
+      <p:grpSpPr>
+        <a:xfrm>
+          <a:off x="0" y="0"/>
+          <a:ext cx="0" cy="0"/>
+          <a:chOff x="0" y="0"/>
+          <a:chExt cx="0" cy="0"/>
+        </a:xfrm>
+      </p:grpSpPr>
+      <p:sp>
+        <p:nvSpPr>
+          <p:cNvPr id="177" name="Google Shape;177;g2a543ec99b4_0_598:notes"/>
+          <p:cNvSpPr/>
+          <p:nvPr>
+            <p:ph idx="2" type="sldImg"/>
+          </p:nvPr>
+        </p:nvSpPr>
+        <p:spPr>
+          <a:xfrm>
+            <a:off x="381300" y="685800"/>
+            <a:ext cx="6096000" cy="3429000"/>
+          </a:xfrm>
+          <a:custGeom>
+            <a:rect b="b" l="l" r="r" t="t"/>
+            <a:pathLst>
+              <a:path extrusionOk="0" h="120000" w="120000">
+                <a:moveTo>
+                  <a:pt x="0" y="0"/>
+                </a:moveTo>
+                <a:lnTo>
+                  <a:pt x="120000" y="0"/>
+                </a:lnTo>
+                <a:lnTo>
+                  <a:pt x="120000" y="120000"/>
+                </a:lnTo>
+                <a:lnTo>
+                  <a:pt x="0" y="120000"/>
+                </a:lnTo>
+                <a:close/>
+              </a:path>
+            </a:pathLst>
+          </a:custGeom>
+        </p:spPr>
+      </p:sp>
+      <p:sp>
+        <p:nvSpPr>
+          <p:cNvPr id="178" name="Google Shape;178;g2a543ec99b4_0_598:notes"/>
+          <p:cNvSpPr txBox="1"/>
+          <p:nvPr>
+            <p:ph idx="1" type="body"/>
+          </p:nvPr>
+        </p:nvSpPr>
+        <p:spPr>
+          <a:xfrm>
+            <a:off x="685800" y="4343400"/>
+            <a:ext cx="5486400" cy="4114800"/>
+          </a:xfrm>
+          <a:prstGeom prst="rect">
+            <a:avLst/>
+          </a:prstGeom>
+        </p:spPr>
+        <p:txBody>
+          <a:bodyPr anchorCtr="0" anchor="t" bIns="91425" lIns="91425" spcFirstLastPara="1" rIns="91425" wrap="square" tIns="91425">
+            <a:noAutofit/>
+          </a:bodyPr>
+          <a:lstStyle/>
+          <a:p>
+            <a:pPr indent="0" lvl="0" marL="0" rtl="0" algn="l">
+              <a:spcBef>
+                <a:spcPts val="0"/>
+              </a:spcBef>
+              <a:spcAft>
+                <a:spcPts val="0"/>
+              </a:spcAft>
+              <a:buNone/>
+            </a:pPr>
+            <a:r>
+              <a:t/>
+            </a:r>
+            <a:endParaRPr/>
+          </a:p>
+        </p:txBody>
+      </p:sp>
+    </p:spTree>
+  </p:cSld>
+  <p:clrMapOvr>
+    <a:masterClrMapping/>
+  </p:clrMapOvr>
+</p:notes>
+</file>
+
+<file path=ppt/notesSlides/notesSlide17.xml><?xml version="1.0" encoding="utf-8"?>
+<p:notes xmlns:a="http://schemas.openxmlformats.org/drawingml/2006/main" xmlns:r="http://schemas.openxmlformats.org/officeDocument/2006/relationships" xmlns:mc="http://schemas.openxmlformats.org/markup-compatibility/2006" xmlns:mv="urn:schemas-microsoft-com:mac:vml" xmlns:p="http://schemas.openxmlformats.org/presentationml/2006/main" xmlns:c="http://schemas.openxmlformats.org/drawingml/2006/chart" xmlns:dgm="http://schemas.openxmlformats.org/drawingml/2006/diagram" xmlns:o="urn:schemas-microsoft-com:office:office" xmlns:v="urn:schemas-microsoft-com:vml" xmlns:pvml="urn:schemas-microsoft-com:office:powerpoint" xmlns:com="http://schemas.openxmlformats.org/drawingml/2006/compatibility" xmlns:p14="http://schemas.microsoft.com/office/powerpoint/2010/main" xmlns:p15="http://schemas.microsoft.com/office/powerpoint/2012/main" xmlns:ahyp="http://schemas.microsoft.com/office/drawing/2018/hyperlinkcolor" showMasterPhAnim="0" showMasterSp="0">
+  <p:cSld>
+    <p:spTree>
+      <p:nvGrpSpPr>
+        <p:cNvPr id="183" name="Shape 183"/>
+        <p:cNvGrpSpPr/>
+        <p:nvPr/>
+      </p:nvGrpSpPr>
+      <p:grpSpPr>
+        <a:xfrm>
+          <a:off x="0" y="0"/>
+          <a:ext cx="0" cy="0"/>
+          <a:chOff x="0" y="0"/>
+          <a:chExt cx="0" cy="0"/>
+        </a:xfrm>
+      </p:grpSpPr>
+      <p:sp>
+        <p:nvSpPr>
+          <p:cNvPr id="184" name="Google Shape;184;g2a543ec99b4_0_603:notes"/>
+          <p:cNvSpPr/>
+          <p:nvPr>
+            <p:ph idx="2" type="sldImg"/>
+          </p:nvPr>
+        </p:nvSpPr>
+        <p:spPr>
+          <a:xfrm>
+            <a:off x="381300" y="685800"/>
+            <a:ext cx="6096000" cy="3429000"/>
+          </a:xfrm>
+          <a:custGeom>
+            <a:rect b="b" l="l" r="r" t="t"/>
+            <a:pathLst>
+              <a:path extrusionOk="0" h="120000" w="120000">
+                <a:moveTo>
+                  <a:pt x="0" y="0"/>
+                </a:moveTo>
+                <a:lnTo>
+                  <a:pt x="120000" y="0"/>
+                </a:lnTo>
+                <a:lnTo>
+                  <a:pt x="120000" y="120000"/>
+                </a:lnTo>
+                <a:lnTo>
+                  <a:pt x="0" y="120000"/>
+                </a:lnTo>
+                <a:close/>
+              </a:path>
+            </a:pathLst>
+          </a:custGeom>
+        </p:spPr>
+      </p:sp>
+      <p:sp>
+        <p:nvSpPr>
+          <p:cNvPr id="185" name="Google Shape;185;g2a543ec99b4_0_603:notes"/>
+          <p:cNvSpPr txBox="1"/>
+          <p:nvPr>
+            <p:ph idx="1" type="body"/>
+          </p:nvPr>
+        </p:nvSpPr>
+        <p:spPr>
+          <a:xfrm>
+            <a:off x="685800" y="4343400"/>
+            <a:ext cx="5486400" cy="4114800"/>
+          </a:xfrm>
+          <a:prstGeom prst="rect">
+            <a:avLst/>
+          </a:prstGeom>
+        </p:spPr>
+        <p:txBody>
+          <a:bodyPr anchorCtr="0" anchor="t" bIns="91425" lIns="91425" spcFirstLastPara="1" rIns="91425" wrap="square" tIns="91425">
+            <a:noAutofit/>
+          </a:bodyPr>
+          <a:lstStyle/>
+          <a:p>
+            <a:pPr indent="0" lvl="0" marL="0" rtl="0" algn="l">
+              <a:spcBef>
+                <a:spcPts val="0"/>
+              </a:spcBef>
+              <a:spcAft>
+                <a:spcPts val="0"/>
+              </a:spcAft>
+              <a:buNone/>
+            </a:pPr>
+            <a:r>
+              <a:t/>
+            </a:r>
+            <a:endParaRPr/>
+          </a:p>
+        </p:txBody>
+      </p:sp>
+    </p:spTree>
+  </p:cSld>
+  <p:clrMapOvr>
+    <a:masterClrMapping/>
+  </p:clrMapOvr>
+</p:notes>
+</file>
+
+<file path=ppt/notesSlides/notesSlide18.xml><?xml version="1.0" encoding="utf-8"?>
+<p:notes xmlns:a="http://schemas.openxmlformats.org/drawingml/2006/main" xmlns:r="http://schemas.openxmlformats.org/officeDocument/2006/relationships" xmlns:mc="http://schemas.openxmlformats.org/markup-compatibility/2006" xmlns:mv="urn:schemas-microsoft-com:mac:vml" xmlns:p="http://schemas.openxmlformats.org/presentationml/2006/main" xmlns:c="http://schemas.openxmlformats.org/drawingml/2006/chart" xmlns:dgm="http://schemas.openxmlformats.org/drawingml/2006/diagram" xmlns:o="urn:schemas-microsoft-com:office:office" xmlns:v="urn:schemas-microsoft-com:vml" xmlns:pvml="urn:schemas-microsoft-com:office:powerpoint" xmlns:com="http://schemas.openxmlformats.org/drawingml/2006/compatibility" xmlns:p14="http://schemas.microsoft.com/office/powerpoint/2010/main" xmlns:p15="http://schemas.microsoft.com/office/powerpoint/2012/main" xmlns:ahyp="http://schemas.microsoft.com/office/drawing/2018/hyperlinkcolor" showMasterPhAnim="0" showMasterSp="0">
+  <p:cSld>
+    <p:spTree>
+      <p:nvGrpSpPr>
+        <p:cNvPr id="190" name="Shape 190"/>
+        <p:cNvGrpSpPr/>
+        <p:nvPr/>
+      </p:nvGrpSpPr>
+      <p:grpSpPr>
+        <a:xfrm>
+          <a:off x="0" y="0"/>
+          <a:ext cx="0" cy="0"/>
+          <a:chOff x="0" y="0"/>
+          <a:chExt cx="0" cy="0"/>
+        </a:xfrm>
+      </p:grpSpPr>
+      <p:sp>
+        <p:nvSpPr>
+          <p:cNvPr id="191" name="Google Shape;191;g2a543ec99b4_0_608:notes"/>
+          <p:cNvSpPr/>
+          <p:nvPr>
+            <p:ph idx="2" type="sldImg"/>
+          </p:nvPr>
+        </p:nvSpPr>
+        <p:spPr>
+          <a:xfrm>
+            <a:off x="381300" y="685800"/>
+            <a:ext cx="6096000" cy="3429000"/>
+          </a:xfrm>
+          <a:custGeom>
+            <a:rect b="b" l="l" r="r" t="t"/>
+            <a:pathLst>
+              <a:path extrusionOk="0" h="120000" w="120000">
+                <a:moveTo>
+                  <a:pt x="0" y="0"/>
+                </a:moveTo>
+                <a:lnTo>
+                  <a:pt x="120000" y="0"/>
+                </a:lnTo>
+                <a:lnTo>
+                  <a:pt x="120000" y="120000"/>
+                </a:lnTo>
+                <a:lnTo>
+                  <a:pt x="0" y="120000"/>
+                </a:lnTo>
+                <a:close/>
+              </a:path>
+            </a:pathLst>
+          </a:custGeom>
+        </p:spPr>
+      </p:sp>
+      <p:sp>
+        <p:nvSpPr>
+          <p:cNvPr id="192" name="Google Shape;192;g2a543ec99b4_0_608:notes"/>
+          <p:cNvSpPr txBox="1"/>
+          <p:nvPr>
+            <p:ph idx="1" type="body"/>
+          </p:nvPr>
+        </p:nvSpPr>
+        <p:spPr>
+          <a:xfrm>
+            <a:off x="685800" y="4343400"/>
+            <a:ext cx="5486400" cy="4114800"/>
+          </a:xfrm>
+          <a:prstGeom prst="rect">
+            <a:avLst/>
+          </a:prstGeom>
+        </p:spPr>
+        <p:txBody>
+          <a:bodyPr anchorCtr="0" anchor="t" bIns="91425" lIns="91425" spcFirstLastPara="1" rIns="91425" wrap="square" tIns="91425">
+            <a:noAutofit/>
+          </a:bodyPr>
+          <a:lstStyle/>
+          <a:p>
+            <a:pPr indent="0" lvl="0" marL="0" rtl="0" algn="l">
+              <a:spcBef>
+                <a:spcPts val="0"/>
+              </a:spcBef>
+              <a:spcAft>
+                <a:spcPts val="0"/>
+              </a:spcAft>
+              <a:buNone/>
+            </a:pPr>
+            <a:r>
+              <a:t/>
+            </a:r>
+            <a:endParaRPr/>
+          </a:p>
+        </p:txBody>
+      </p:sp>
+    </p:spTree>
+  </p:cSld>
+  <p:clrMapOvr>
+    <a:masterClrMapping/>
+  </p:clrMapOvr>
+</p:notes>
+</file>
+
+<file path=ppt/notesSlides/notesSlide2.xml><?xml version="1.0" encoding="utf-8"?>
+<p:notes xmlns:a="http://schemas.openxmlformats.org/drawingml/2006/main" xmlns:r="http://schemas.openxmlformats.org/officeDocument/2006/relationships" xmlns:mc="http://schemas.openxmlformats.org/markup-compatibility/2006" xmlns:mv="urn:schemas-microsoft-com:mac:vml" xmlns:p="http://schemas.openxmlformats.org/presentationml/2006/main" xmlns:c="http://schemas.openxmlformats.org/drawingml/2006/chart" xmlns:dgm="http://schemas.openxmlformats.org/drawingml/2006/diagram" xmlns:o="urn:schemas-microsoft-com:office:office" xmlns:v="urn:schemas-microsoft-com:vml" xmlns:pvml="urn:schemas-microsoft-com:office:powerpoint" xmlns:com="http://schemas.openxmlformats.org/drawingml/2006/compatibility" xmlns:p14="http://schemas.microsoft.com/office/powerpoint/2010/main" xmlns:p15="http://schemas.microsoft.com/office/powerpoint/2012/main" xmlns:ahyp="http://schemas.microsoft.com/office/drawing/2018/hyperlinkcolor" showMasterPhAnim="0" showMasterSp="0">
+  <p:cSld>
+    <p:spTree>
+      <p:nvGrpSpPr>
+        <p:cNvPr id="66" name="Shape 66"/>
+        <p:cNvGrpSpPr/>
+        <p:nvPr/>
+      </p:nvGrpSpPr>
+      <p:grpSpPr>
+        <a:xfrm>
+          <a:off x="0" y="0"/>
+          <a:ext cx="0" cy="0"/>
+          <a:chOff x="0" y="0"/>
+          <a:chExt cx="0" cy="0"/>
+        </a:xfrm>
+      </p:grpSpPr>
+      <p:sp>
+        <p:nvSpPr>
+          <p:cNvPr id="67" name="Google Shape;67;g2a659548c3f_6_8:notes"/>
+          <p:cNvSpPr/>
+          <p:nvPr>
+            <p:ph idx="2" type="sldImg"/>
+          </p:nvPr>
+        </p:nvSpPr>
+        <p:spPr>
+          <a:xfrm>
+            <a:off x="381300" y="685800"/>
+            <a:ext cx="6096000" cy="3429000"/>
+          </a:xfrm>
+          <a:custGeom>
+            <a:rect b="b" l="l" r="r" t="t"/>
+            <a:pathLst>
+              <a:path extrusionOk="0" h="120000" w="120000">
+                <a:moveTo>
+                  <a:pt x="0" y="0"/>
+                </a:moveTo>
+                <a:lnTo>
+                  <a:pt x="120000" y="0"/>
+                </a:lnTo>
+                <a:lnTo>
+                  <a:pt x="120000" y="120000"/>
+                </a:lnTo>
+                <a:lnTo>
+                  <a:pt x="0" y="120000"/>
+                </a:lnTo>
+                <a:close/>
+              </a:path>
+            </a:pathLst>
+          </a:custGeom>
+        </p:spPr>
+      </p:sp>
+      <p:sp>
+        <p:nvSpPr>
+          <p:cNvPr id="68" name="Google Shape;68;g2a659548c3f_6_8:notes"/>
           <p:cNvSpPr txBox="1"/>
           <p:nvPr>
             <p:ph idx="1" type="body"/>
@@ -911,7 +1811,7 @@
   <p:cSld>
     <p:spTree>
       <p:nvGrpSpPr>
-        <p:cNvPr id="72" name="Shape 72"/>
+        <p:cNvPr id="73" name="Shape 73"/>
         <p:cNvGrpSpPr/>
         <p:nvPr/>
       </p:nvGrpSpPr>
@@ -925,7 +1825,7 @@
       </p:grpSpPr>
       <p:sp>
         <p:nvSpPr>
-          <p:cNvPr id="73" name="Google Shape;73;g2a543ec99b4_0_583:notes"/>
+          <p:cNvPr id="74" name="Google Shape;74;g2a543ec99b4_0_168:notes"/>
           <p:cNvSpPr/>
           <p:nvPr>
             <p:ph idx="2" type="sldImg"/>
@@ -960,7 +1860,7 @@
       </p:sp>
       <p:sp>
         <p:nvSpPr>
-          <p:cNvPr id="74" name="Google Shape;74;g2a543ec99b4_0_583:notes"/>
+          <p:cNvPr id="75" name="Google Shape;75;g2a543ec99b4_0_168:notes"/>
           <p:cNvSpPr txBox="1"/>
           <p:nvPr>
             <p:ph idx="1" type="body"/>
@@ -1010,7 +1910,7 @@
   <p:cSld>
     <p:spTree>
       <p:nvGrpSpPr>
-        <p:cNvPr id="78" name="Shape 78"/>
+        <p:cNvPr id="80" name="Shape 80"/>
         <p:cNvGrpSpPr/>
         <p:nvPr/>
       </p:nvGrpSpPr>
@@ -1024,7 +1924,7 @@
       </p:grpSpPr>
       <p:sp>
         <p:nvSpPr>
-          <p:cNvPr id="79" name="Google Shape;79;g2a543ec99b4_0_588:notes"/>
+          <p:cNvPr id="81" name="Google Shape;81;g2a543ec99b4_0_583:notes"/>
           <p:cNvSpPr/>
           <p:nvPr>
             <p:ph idx="2" type="sldImg"/>
@@ -1059,7 +1959,7 @@
       </p:sp>
       <p:sp>
         <p:nvSpPr>
-          <p:cNvPr id="80" name="Google Shape;80;g2a543ec99b4_0_588:notes"/>
+          <p:cNvPr id="82" name="Google Shape;82;g2a543ec99b4_0_583:notes"/>
           <p:cNvSpPr txBox="1"/>
           <p:nvPr>
             <p:ph idx="1" type="body"/>
@@ -1109,7 +2009,7 @@
   <p:cSld>
     <p:spTree>
       <p:nvGrpSpPr>
-        <p:cNvPr id="84" name="Shape 84"/>
+        <p:cNvPr id="87" name="Shape 87"/>
         <p:cNvGrpSpPr/>
         <p:nvPr/>
       </p:nvGrpSpPr>
@@ -1123,7 +2023,7 @@
       </p:grpSpPr>
       <p:sp>
         <p:nvSpPr>
-          <p:cNvPr id="85" name="Google Shape;85;g2a543ec99b4_0_593:notes"/>
+          <p:cNvPr id="88" name="Google Shape;88;g2a543ec99b4_0_588:notes"/>
           <p:cNvSpPr/>
           <p:nvPr>
             <p:ph idx="2" type="sldImg"/>
@@ -1158,7 +2058,7 @@
       </p:sp>
       <p:sp>
         <p:nvSpPr>
-          <p:cNvPr id="86" name="Google Shape;86;g2a543ec99b4_0_593:notes"/>
+          <p:cNvPr id="89" name="Google Shape;89;g2a543ec99b4_0_588:notes"/>
           <p:cNvSpPr txBox="1"/>
           <p:nvPr>
             <p:ph idx="1" type="body"/>
@@ -1208,7 +2108,7 @@
   <p:cSld>
     <p:spTree>
       <p:nvGrpSpPr>
-        <p:cNvPr id="90" name="Shape 90"/>
+        <p:cNvPr id="94" name="Shape 94"/>
         <p:cNvGrpSpPr/>
         <p:nvPr/>
       </p:nvGrpSpPr>
@@ -1222,7 +2122,7 @@
       </p:grpSpPr>
       <p:sp>
         <p:nvSpPr>
-          <p:cNvPr id="91" name="Google Shape;91;g2a543ec99b4_0_613:notes"/>
+          <p:cNvPr id="95" name="Google Shape;95;g2a543ec99b4_0_593:notes"/>
           <p:cNvSpPr/>
           <p:nvPr>
             <p:ph idx="2" type="sldImg"/>
@@ -1257,7 +2157,7 @@
       </p:sp>
       <p:sp>
         <p:nvSpPr>
-          <p:cNvPr id="92" name="Google Shape;92;g2a543ec99b4_0_613:notes"/>
+          <p:cNvPr id="96" name="Google Shape;96;g2a543ec99b4_0_593:notes"/>
           <p:cNvSpPr txBox="1"/>
           <p:nvPr>
             <p:ph idx="1" type="body"/>
@@ -1307,7 +2207,7 @@
   <p:cSld>
     <p:spTree>
       <p:nvGrpSpPr>
-        <p:cNvPr id="97" name="Shape 97"/>
+        <p:cNvPr id="101" name="Shape 101"/>
         <p:cNvGrpSpPr/>
         <p:nvPr/>
       </p:nvGrpSpPr>
@@ -1321,7 +2221,7 @@
       </p:grpSpPr>
       <p:sp>
         <p:nvSpPr>
-          <p:cNvPr id="98" name="Google Shape;98;g2a543ec99b4_0_598:notes"/>
+          <p:cNvPr id="102" name="Google Shape;102;g2a659548c3f_6_14:notes"/>
           <p:cNvSpPr/>
           <p:nvPr>
             <p:ph idx="2" type="sldImg"/>
@@ -1356,7 +2256,7 @@
       </p:sp>
       <p:sp>
         <p:nvSpPr>
-          <p:cNvPr id="99" name="Google Shape;99;g2a543ec99b4_0_598:notes"/>
+          <p:cNvPr id="103" name="Google Shape;103;g2a659548c3f_6_14:notes"/>
           <p:cNvSpPr txBox="1"/>
           <p:nvPr>
             <p:ph idx="1" type="body"/>
@@ -1406,7 +2306,7 @@
   <p:cSld>
     <p:spTree>
       <p:nvGrpSpPr>
-        <p:cNvPr id="103" name="Shape 103"/>
+        <p:cNvPr id="110" name="Shape 110"/>
         <p:cNvGrpSpPr/>
         <p:nvPr/>
       </p:nvGrpSpPr>
@@ -1420,7 +2320,7 @@
       </p:grpSpPr>
       <p:sp>
         <p:nvSpPr>
-          <p:cNvPr id="104" name="Google Shape;104;g2a543ec99b4_0_603:notes"/>
+          <p:cNvPr id="111" name="Google Shape;111;g2a659548c3f_6_22:notes"/>
           <p:cNvSpPr/>
           <p:nvPr>
             <p:ph idx="2" type="sldImg"/>
@@ -1455,7 +2355,7 @@
       </p:sp>
       <p:sp>
         <p:nvSpPr>
-          <p:cNvPr id="105" name="Google Shape;105;g2a543ec99b4_0_603:notes"/>
+          <p:cNvPr id="112" name="Google Shape;112;g2a659548c3f_6_22:notes"/>
           <p:cNvSpPr txBox="1"/>
           <p:nvPr>
             <p:ph idx="1" type="body"/>
@@ -1505,7 +2405,7 @@
   <p:cSld>
     <p:spTree>
       <p:nvGrpSpPr>
-        <p:cNvPr id="109" name="Shape 109"/>
+        <p:cNvPr id="119" name="Shape 119"/>
         <p:cNvGrpSpPr/>
         <p:nvPr/>
       </p:nvGrpSpPr>
@@ -1519,7 +2419,7 @@
       </p:grpSpPr>
       <p:sp>
         <p:nvSpPr>
-          <p:cNvPr id="110" name="Google Shape;110;g2a543ec99b4_0_608:notes"/>
+          <p:cNvPr id="120" name="Google Shape;120;g2a659548c3f_6_32:notes"/>
           <p:cNvSpPr/>
           <p:nvPr>
             <p:ph idx="2" type="sldImg"/>
@@ -1554,7 +2454,7 @@
       </p:sp>
       <p:sp>
         <p:nvSpPr>
-          <p:cNvPr id="111" name="Google Shape;111;g2a543ec99b4_0_608:notes"/>
+          <p:cNvPr id="121" name="Google Shape;121;g2a659548c3f_6_32:notes"/>
           <p:cNvSpPr txBox="1"/>
           <p:nvPr>
             <p:ph idx="1" type="body"/>
@@ -6198,7 +7098,7 @@
     <p:sldLayoutId id="2147483657" r:id="rId10"/>
     <p:sldLayoutId id="2147483658" r:id="rId11"/>
   </p:sldLayoutIdLst>
-  <p:hf dt="0" ftr="0" hdr="0" sldNum="0"/>
+  <p:hf dt="0" ftr="0" hdr="0"/>
   <p:txStyles>
     <p:titleStyle>
       <a:defPPr lvl="0" marR="0" rtl="0" algn="l">
@@ -6974,7 +7874,7 @@
             <a:tbl>
               <a:tblPr>
                 <a:noFill/>
-                <a:tableStyleId>{A1BCF6AE-FFE1-4261-A86A-6CA09D8AF017}</a:tableStyleId>
+                <a:tableStyleId>{5DA7BABC-96FD-4C01-8350-56780CB5F2E4}</a:tableStyleId>
               </a:tblPr>
               <a:tblGrid>
                 <a:gridCol w="1722950"/>
@@ -7523,12 +8423,12 @@
 </p:sld>
 </file>
 
-<file path=ppt/slides/slide2.xml><?xml version="1.0" encoding="utf-8"?>
+<file path=ppt/slides/slide10.xml><?xml version="1.0" encoding="utf-8"?>
 <p:sld xmlns:a="http://schemas.openxmlformats.org/drawingml/2006/main" xmlns:r="http://schemas.openxmlformats.org/officeDocument/2006/relationships" xmlns:mc="http://schemas.openxmlformats.org/markup-compatibility/2006" xmlns:mv="urn:schemas-microsoft-com:mac:vml" xmlns:p="http://schemas.openxmlformats.org/presentationml/2006/main" xmlns:c="http://schemas.openxmlformats.org/drawingml/2006/chart" xmlns:dgm="http://schemas.openxmlformats.org/drawingml/2006/diagram" xmlns:o="urn:schemas-microsoft-com:office:office" xmlns:v="urn:schemas-microsoft-com:vml" xmlns:pvml="urn:schemas-microsoft-com:office:powerpoint" xmlns:com="http://schemas.openxmlformats.org/drawingml/2006/compatibility" xmlns:p14="http://schemas.microsoft.com/office/powerpoint/2010/main" xmlns:p15="http://schemas.microsoft.com/office/powerpoint/2012/main" xmlns:ahyp="http://schemas.microsoft.com/office/drawing/2018/hyperlinkcolor">
   <p:cSld>
     <p:spTree>
       <p:nvGrpSpPr>
-        <p:cNvPr id="69" name="Shape 69"/>
+        <p:cNvPr id="131" name="Shape 131"/>
         <p:cNvGrpSpPr/>
         <p:nvPr/>
       </p:nvGrpSpPr>
@@ -7542,7 +8442,7 @@
       </p:grpSpPr>
       <p:sp>
         <p:nvSpPr>
-          <p:cNvPr id="70" name="Google Shape;70;p14"/>
+          <p:cNvPr id="132" name="Google Shape;132;p22"/>
           <p:cNvSpPr txBox="1"/>
           <p:nvPr>
             <p:ph type="title"/>
@@ -7574,7 +8474,7 @@
             </a:pPr>
             <a:r>
               <a:rPr lang="en"/>
-              <a:t>Introduction:</a:t>
+              <a:t>Results</a:t>
             </a:r>
             <a:endParaRPr/>
           </a:p>
@@ -7582,90 +8482,158 @@
       </p:sp>
       <p:sp>
         <p:nvSpPr>
-          <p:cNvPr id="71" name="Google Shape;71;p14"/>
+          <p:cNvPr id="133" name="Google Shape;133;p22"/>
           <p:cNvSpPr txBox="1"/>
           <p:nvPr>
-            <p:ph idx="1" type="body"/>
+            <p:ph idx="12" type="sldNum"/>
           </p:nvPr>
         </p:nvSpPr>
         <p:spPr>
           <a:xfrm>
-            <a:off x="387900" y="1489824"/>
-            <a:ext cx="8368200" cy="3078900"/>
+            <a:off x="8472458" y="4663217"/>
+            <a:ext cx="548700" cy="393600"/>
           </a:xfrm>
           <a:prstGeom prst="rect">
             <a:avLst/>
           </a:prstGeom>
         </p:spPr>
         <p:txBody>
-          <a:bodyPr anchorCtr="0" anchor="t" bIns="91425" lIns="91425" spcFirstLastPara="1" rIns="91425" wrap="square" tIns="91425">
+          <a:bodyPr anchorCtr="0" anchor="ctr" bIns="91425" lIns="91425" spcFirstLastPara="1" rIns="91425" wrap="square" tIns="91425">
             <a:normAutofit/>
           </a:bodyPr>
           <a:lstStyle/>
           <a:p>
+            <a:pPr indent="0" lvl="0" marL="0" rtl="0" algn="r">
+              <a:spcBef>
+                <a:spcPts val="0"/>
+              </a:spcBef>
+              <a:spcAft>
+                <a:spcPts val="0"/>
+              </a:spcAft>
+              <a:buNone/>
+            </a:pPr>
+            <a:fld id="{00000000-1234-1234-1234-123412341234}" type="slidenum">
+              <a:rPr lang="en"/>
+              <a:t>‹#›</a:t>
+            </a:fld>
+            <a:endParaRPr/>
+          </a:p>
+        </p:txBody>
+      </p:sp>
+      <p:sp>
+        <p:nvSpPr>
+          <p:cNvPr id="134" name="Google Shape;134;p22"/>
+          <p:cNvSpPr txBox="1"/>
+          <p:nvPr/>
+        </p:nvSpPr>
+        <p:spPr>
+          <a:xfrm>
+            <a:off x="693125" y="4249600"/>
+            <a:ext cx="7405500" cy="413700"/>
+          </a:xfrm>
+          <a:prstGeom prst="rect">
+            <a:avLst/>
+          </a:prstGeom>
+          <a:noFill/>
+          <a:ln>
+            <a:noFill/>
+          </a:ln>
+        </p:spPr>
+        <p:txBody>
+          <a:bodyPr anchorCtr="0" anchor="t" bIns="91425" lIns="91425" spcFirstLastPara="1" rIns="91425" wrap="square" tIns="91425">
+            <a:noAutofit/>
+          </a:bodyPr>
+          <a:lstStyle/>
+          <a:p>
             <a:pPr indent="0" lvl="0" marL="0" rtl="0" algn="ctr">
               <a:spcBef>
                 <a:spcPts val="0"/>
               </a:spcBef>
               <a:spcAft>
-                <a:spcPts val="1200"/>
+                <a:spcPts val="0"/>
               </a:spcAft>
               <a:buNone/>
             </a:pPr>
             <a:r>
-              <a:rPr lang="en" sz="1300">
-                <a:latin typeface="Roboto Slab"/>
-                <a:ea typeface="Roboto Slab"/>
-                <a:cs typeface="Roboto Slab"/>
-                <a:sym typeface="Roboto Slab"/>
+              <a:rPr lang="en" sz="1800">
+                <a:solidFill>
+                  <a:schemeClr val="dk1"/>
+                </a:solidFill>
+                <a:latin typeface="Roboto"/>
+                <a:ea typeface="Roboto"/>
+                <a:cs typeface="Roboto"/>
+                <a:sym typeface="Roboto"/>
               </a:rPr>
-              <a:t>During summer, one of the most demanded fruits in not only Bangladesh but all across the globe is watermelon. It’s harvest can be improved if farmers were able to detect plant disease sooner and treat them.</a:t>
+              <a:t>Figure : ResNet50 accuracy and loss. </a:t>
             </a:r>
-            <a:r>
-              <a:rPr lang="en">
-                <a:latin typeface="Roboto Slab"/>
-                <a:ea typeface="Roboto Slab"/>
-                <a:cs typeface="Roboto Slab"/>
-                <a:sym typeface="Roboto Slab"/>
-              </a:rPr>
-              <a:t> </a:t>
-            </a:r>
-            <a:r>
-              <a:rPr lang="en" sz="1300">
-                <a:latin typeface="Roboto Slab"/>
-                <a:ea typeface="Roboto Slab"/>
-                <a:cs typeface="Roboto Slab"/>
-                <a:sym typeface="Roboto Slab"/>
-              </a:rPr>
-              <a:t>There is already some work being done in this area to automate the process of detecting disease among plants using machine learning, transfer learning, and deep learning approaches. Some common transfer learning models like Inception had 98.01% accuracy in detecting plant diseases. There are also other models like ResNet50 with 98.93% accuracy in some cases. Our goal is to use different transfer learning techniques and </a:t>
-            </a:r>
-            <a:r>
-              <a:rPr lang="en" sz="1300">
-                <a:latin typeface="Roboto Slab"/>
-                <a:ea typeface="Roboto Slab"/>
-                <a:cs typeface="Roboto Slab"/>
-                <a:sym typeface="Roboto Slab"/>
-              </a:rPr>
-              <a:t>explainable</a:t>
-            </a:r>
-            <a:r>
-              <a:rPr lang="en" sz="1300">
-                <a:latin typeface="Roboto Slab"/>
-                <a:ea typeface="Roboto Slab"/>
-                <a:cs typeface="Roboto Slab"/>
-                <a:sym typeface="Roboto Slab"/>
-              </a:rPr>
-              <a:t> AI models to detect watermelon leaf diseases. </a:t>
-            </a:r>
-            <a:endParaRPr>
-              <a:latin typeface="Roboto Slab"/>
-              <a:ea typeface="Roboto Slab"/>
-              <a:cs typeface="Roboto Slab"/>
-              <a:sym typeface="Roboto Slab"/>
+            <a:endParaRPr sz="1800">
+              <a:solidFill>
+                <a:schemeClr val="dk1"/>
+              </a:solidFill>
+              <a:latin typeface="Roboto"/>
+              <a:ea typeface="Roboto"/>
+              <a:cs typeface="Roboto"/>
+              <a:sym typeface="Roboto"/>
             </a:endParaRPr>
           </a:p>
         </p:txBody>
       </p:sp>
+      <p:pic>
+        <p:nvPicPr>
+          <p:cNvPr id="135" name="Google Shape;135;p22"/>
+          <p:cNvPicPr preferRelativeResize="0"/>
+          <p:nvPr/>
+        </p:nvPicPr>
+        <p:blipFill>
+          <a:blip r:embed="rId3">
+            <a:alphaModFix/>
+          </a:blip>
+          <a:stretch>
+            <a:fillRect/>
+          </a:stretch>
+        </p:blipFill>
+        <p:spPr>
+          <a:xfrm>
+            <a:off x="152400" y="1296525"/>
+            <a:ext cx="4370832" cy="2935224"/>
+          </a:xfrm>
+          <a:prstGeom prst="rect">
+            <a:avLst/>
+          </a:prstGeom>
+          <a:noFill/>
+          <a:ln>
+            <a:noFill/>
+          </a:ln>
+        </p:spPr>
+      </p:pic>
+      <p:pic>
+        <p:nvPicPr>
+          <p:cNvPr id="136" name="Google Shape;136;p22"/>
+          <p:cNvPicPr preferRelativeResize="0"/>
+          <p:nvPr/>
+        </p:nvPicPr>
+        <p:blipFill>
+          <a:blip r:embed="rId4">
+            <a:alphaModFix/>
+          </a:blip>
+          <a:stretch>
+            <a:fillRect/>
+          </a:stretch>
+        </p:blipFill>
+        <p:spPr>
+          <a:xfrm>
+            <a:off x="4675632" y="1296525"/>
+            <a:ext cx="4370831" cy="2935224"/>
+          </a:xfrm>
+          <a:prstGeom prst="rect">
+            <a:avLst/>
+          </a:prstGeom>
+          <a:noFill/>
+          <a:ln>
+            <a:noFill/>
+          </a:ln>
+        </p:spPr>
+      </p:pic>
     </p:spTree>
   </p:cSld>
   <p:clrMapOvr>
@@ -7674,12 +8642,12 @@
 </p:sld>
 </file>
 
-<file path=ppt/slides/slide3.xml><?xml version="1.0" encoding="utf-8"?>
+<file path=ppt/slides/slide11.xml><?xml version="1.0" encoding="utf-8"?>
 <p:sld xmlns:a="http://schemas.openxmlformats.org/drawingml/2006/main" xmlns:r="http://schemas.openxmlformats.org/officeDocument/2006/relationships" xmlns:mc="http://schemas.openxmlformats.org/markup-compatibility/2006" xmlns:mv="urn:schemas-microsoft-com:mac:vml" xmlns:p="http://schemas.openxmlformats.org/presentationml/2006/main" xmlns:c="http://schemas.openxmlformats.org/drawingml/2006/chart" xmlns:dgm="http://schemas.openxmlformats.org/drawingml/2006/diagram" xmlns:o="urn:schemas-microsoft-com:office:office" xmlns:v="urn:schemas-microsoft-com:vml" xmlns:pvml="urn:schemas-microsoft-com:office:powerpoint" xmlns:com="http://schemas.openxmlformats.org/drawingml/2006/compatibility" xmlns:p14="http://schemas.microsoft.com/office/powerpoint/2010/main" xmlns:p15="http://schemas.microsoft.com/office/powerpoint/2012/main" xmlns:ahyp="http://schemas.microsoft.com/office/drawing/2018/hyperlinkcolor">
   <p:cSld>
     <p:spTree>
       <p:nvGrpSpPr>
-        <p:cNvPr id="75" name="Shape 75"/>
+        <p:cNvPr id="140" name="Shape 140"/>
         <p:cNvGrpSpPr/>
         <p:nvPr/>
       </p:nvGrpSpPr>
@@ -7693,7 +8661,7 @@
       </p:grpSpPr>
       <p:sp>
         <p:nvSpPr>
-          <p:cNvPr id="76" name="Google Shape;76;p15"/>
+          <p:cNvPr id="141" name="Google Shape;141;p23"/>
           <p:cNvSpPr txBox="1"/>
           <p:nvPr>
             <p:ph type="title"/>
@@ -7725,7 +8693,7 @@
             </a:pPr>
             <a:r>
               <a:rPr lang="en"/>
-              <a:t>Related Work:</a:t>
+              <a:t>Results</a:t>
             </a:r>
             <a:endParaRPr/>
           </a:p>
@@ -7733,184 +8701,158 @@
       </p:sp>
       <p:sp>
         <p:nvSpPr>
-          <p:cNvPr id="77" name="Google Shape;77;p15"/>
+          <p:cNvPr id="142" name="Google Shape;142;p23"/>
           <p:cNvSpPr txBox="1"/>
           <p:nvPr>
-            <p:ph idx="1" type="body"/>
+            <p:ph idx="12" type="sldNum"/>
           </p:nvPr>
         </p:nvSpPr>
         <p:spPr>
           <a:xfrm>
-            <a:off x="387900" y="1489824"/>
-            <a:ext cx="8368200" cy="3078900"/>
+            <a:off x="8472458" y="4663217"/>
+            <a:ext cx="548700" cy="393600"/>
           </a:xfrm>
           <a:prstGeom prst="rect">
             <a:avLst/>
           </a:prstGeom>
         </p:spPr>
         <p:txBody>
-          <a:bodyPr anchorCtr="0" anchor="t" bIns="91425" lIns="91425" spcFirstLastPara="1" rIns="91425" wrap="square" tIns="91425">
+          <a:bodyPr anchorCtr="0" anchor="ctr" bIns="91425" lIns="91425" spcFirstLastPara="1" rIns="91425" wrap="square" tIns="91425">
             <a:normAutofit/>
           </a:bodyPr>
           <a:lstStyle/>
           <a:p>
-            <a:pPr indent="-336550" lvl="0" marL="457200" rtl="0" algn="just">
-              <a:spcBef>
-                <a:spcPts val="0"/>
-              </a:spcBef>
-              <a:spcAft>
-                <a:spcPts val="0"/>
-              </a:spcAft>
-              <a:buSzPts val="1700"/>
-              <a:buFont typeface="Roboto Slab"/>
-              <a:buChar char="●"/>
+            <a:pPr indent="0" lvl="0" marL="0" rtl="0" algn="r">
+              <a:spcBef>
+                <a:spcPts val="0"/>
+              </a:spcBef>
+              <a:spcAft>
+                <a:spcPts val="0"/>
+              </a:spcAft>
+              <a:buNone/>
+            </a:pPr>
+            <a:fld id="{00000000-1234-1234-1234-123412341234}" type="slidenum">
+              <a:rPr lang="en"/>
+              <a:t>‹#›</a:t>
+            </a:fld>
+            <a:endParaRPr/>
+          </a:p>
+        </p:txBody>
+      </p:sp>
+      <p:sp>
+        <p:nvSpPr>
+          <p:cNvPr id="143" name="Google Shape;143;p23"/>
+          <p:cNvSpPr txBox="1"/>
+          <p:nvPr/>
+        </p:nvSpPr>
+        <p:spPr>
+          <a:xfrm>
+            <a:off x="693125" y="4249600"/>
+            <a:ext cx="7405500" cy="413700"/>
+          </a:xfrm>
+          <a:prstGeom prst="rect">
+            <a:avLst/>
+          </a:prstGeom>
+          <a:noFill/>
+          <a:ln>
+            <a:noFill/>
+          </a:ln>
+        </p:spPr>
+        <p:txBody>
+          <a:bodyPr anchorCtr="0" anchor="t" bIns="91425" lIns="91425" spcFirstLastPara="1" rIns="91425" wrap="square" tIns="91425">
+            <a:noAutofit/>
+          </a:bodyPr>
+          <a:lstStyle/>
+          <a:p>
+            <a:pPr indent="0" lvl="0" marL="0" rtl="0" algn="ctr">
+              <a:spcBef>
+                <a:spcPts val="0"/>
+              </a:spcBef>
+              <a:spcAft>
+                <a:spcPts val="0"/>
+              </a:spcAft>
+              <a:buNone/>
             </a:pPr>
             <a:r>
-              <a:rPr lang="en" sz="1200">
-                <a:latin typeface="Roboto Slab"/>
-                <a:ea typeface="Roboto Slab"/>
-                <a:cs typeface="Roboto Slab"/>
-                <a:sym typeface="Roboto Slab"/>
+              <a:rPr lang="en" sz="1800">
+                <a:solidFill>
+                  <a:schemeClr val="dk1"/>
+                </a:solidFill>
+                <a:latin typeface="Roboto"/>
+                <a:ea typeface="Roboto"/>
+                <a:cs typeface="Roboto"/>
+                <a:sym typeface="Roboto"/>
               </a:rPr>
-              <a:t>Orchi et al.[1] did an extensive comparative study where he found Inception V3 outperforms other models such as VGG19, VGG16, ResNet50, CNN, SVM, LDA, KNN, RF, NB in </a:t>
+              <a:t>Figure : MobileNetV2 accuracy and loss. </a:t>
             </a:r>
-            <a:r>
-              <a:rPr lang="en" sz="1200">
-                <a:latin typeface="Roboto Slab"/>
-                <a:ea typeface="Roboto Slab"/>
-                <a:cs typeface="Roboto Slab"/>
-                <a:sym typeface="Roboto Slab"/>
-              </a:rPr>
-              <a:t>detecting crop disease.</a:t>
-            </a:r>
-            <a:endParaRPr sz="1200">
-              <a:latin typeface="Roboto Slab"/>
-              <a:ea typeface="Roboto Slab"/>
-              <a:cs typeface="Roboto Slab"/>
-              <a:sym typeface="Roboto Slab"/>
-            </a:endParaRPr>
-          </a:p>
-          <a:p>
-            <a:pPr indent="-336550" lvl="0" marL="457200" rtl="0" algn="just">
-              <a:spcBef>
-                <a:spcPts val="0"/>
-              </a:spcBef>
-              <a:spcAft>
-                <a:spcPts val="0"/>
-              </a:spcAft>
-              <a:buSzPts val="1700"/>
-              <a:buFont typeface="Roboto Slab"/>
-              <a:buChar char="●"/>
-            </a:pPr>
-            <a:r>
-              <a:rPr lang="en" sz="1200">
-                <a:latin typeface="Roboto Slab"/>
-                <a:ea typeface="Roboto Slab"/>
-                <a:cs typeface="Roboto Slab"/>
-                <a:sym typeface="Roboto Slab"/>
-              </a:rPr>
-              <a:t>Uguz et al.[2] compared the accuracy of the VGG transfer learning models with their own proposed model according to the change of optimization algorithms.</a:t>
-            </a:r>
-            <a:endParaRPr sz="1200">
-              <a:latin typeface="Roboto Slab"/>
-              <a:ea typeface="Roboto Slab"/>
-              <a:cs typeface="Roboto Slab"/>
-              <a:sym typeface="Roboto Slab"/>
-            </a:endParaRPr>
-          </a:p>
-          <a:p>
-            <a:pPr indent="-304800" lvl="0" marL="457200" rtl="0" algn="just">
-              <a:spcBef>
-                <a:spcPts val="0"/>
-              </a:spcBef>
-              <a:spcAft>
-                <a:spcPts val="0"/>
-              </a:spcAft>
-              <a:buSzPts val="1200"/>
-              <a:buFont typeface="Roboto Slab"/>
-              <a:buChar char="●"/>
-            </a:pPr>
-            <a:r>
-              <a:rPr lang="en" sz="1200">
-                <a:latin typeface="Roboto Slab"/>
-                <a:ea typeface="Roboto Slab"/>
-                <a:cs typeface="Roboto Slab"/>
-                <a:sym typeface="Roboto Slab"/>
-              </a:rPr>
-              <a:t>AARIZOU et al.[3] in their study demonstrates the application of transfer learning to the identification of plant diseases on intricate photos through the use of CNN. They concluded that DenseNet121 gave the best accuracy for them.</a:t>
-            </a:r>
-            <a:endParaRPr sz="1200">
-              <a:latin typeface="Roboto Slab"/>
-              <a:ea typeface="Roboto Slab"/>
-              <a:cs typeface="Roboto Slab"/>
-              <a:sym typeface="Roboto Slab"/>
-            </a:endParaRPr>
-          </a:p>
-          <a:p>
-            <a:pPr indent="-304800" lvl="0" marL="457200" rtl="0" algn="just">
-              <a:spcBef>
-                <a:spcPts val="0"/>
-              </a:spcBef>
-              <a:spcAft>
-                <a:spcPts val="0"/>
-              </a:spcAft>
-              <a:buSzPts val="1200"/>
-              <a:buFont typeface="Roboto Slab"/>
-              <a:buChar char="●"/>
-            </a:pPr>
-            <a:r>
-              <a:rPr lang="en" sz="1200">
-                <a:highlight>
-                  <a:schemeClr val="lt1"/>
-                </a:highlight>
-                <a:latin typeface="Roboto Slab"/>
-                <a:ea typeface="Roboto Slab"/>
-                <a:cs typeface="Roboto Slab"/>
-                <a:sym typeface="Roboto Slab"/>
-              </a:rPr>
-              <a:t>Arshad et al.[5] did a study where researchers me­asured the success of Re­sNet50 against VGG16 and MCNN.</a:t>
-            </a:r>
-            <a:r>
-              <a:rPr lang="en" sz="1200">
-                <a:latin typeface="Roboto Slab"/>
-                <a:ea typeface="Roboto Slab"/>
-                <a:cs typeface="Roboto Slab"/>
-                <a:sym typeface="Roboto Slab"/>
-              </a:rPr>
-              <a:t>According to the researchers, ResNet50 tops the­ list in terms of effective­ness.</a:t>
-            </a:r>
-            <a:endParaRPr sz="1200">
-              <a:latin typeface="Roboto Slab"/>
-              <a:ea typeface="Roboto Slab"/>
-              <a:cs typeface="Roboto Slab"/>
-              <a:sym typeface="Roboto Slab"/>
-            </a:endParaRPr>
-          </a:p>
-          <a:p>
-            <a:pPr indent="0" lvl="0" marL="457200" rtl="0" algn="just">
-              <a:spcBef>
-                <a:spcPts val="1200"/>
-              </a:spcBef>
-              <a:spcAft>
-                <a:spcPts val="0"/>
-              </a:spcAft>
-              <a:buNone/>
-            </a:pPr>
-            <a:r>
-              <a:t/>
-            </a:r>
-            <a:endParaRPr sz="1300">
+            <a:endParaRPr sz="1800">
               <a:solidFill>
-                <a:srgbClr val="000000"/>
+                <a:schemeClr val="dk1"/>
               </a:solidFill>
-              <a:latin typeface="Times New Roman"/>
-              <a:ea typeface="Times New Roman"/>
-              <a:cs typeface="Times New Roman"/>
-              <a:sym typeface="Times New Roman"/>
+              <a:latin typeface="Roboto"/>
+              <a:ea typeface="Roboto"/>
+              <a:cs typeface="Roboto"/>
+              <a:sym typeface="Roboto"/>
             </a:endParaRPr>
           </a:p>
         </p:txBody>
       </p:sp>
+      <p:pic>
+        <p:nvPicPr>
+          <p:cNvPr id="144" name="Google Shape;144;p23"/>
+          <p:cNvPicPr preferRelativeResize="0"/>
+          <p:nvPr/>
+        </p:nvPicPr>
+        <p:blipFill>
+          <a:blip r:embed="rId3">
+            <a:alphaModFix/>
+          </a:blip>
+          <a:stretch>
+            <a:fillRect/>
+          </a:stretch>
+        </p:blipFill>
+        <p:spPr>
+          <a:xfrm>
+            <a:off x="152400" y="1296525"/>
+            <a:ext cx="4314765" cy="2800675"/>
+          </a:xfrm>
+          <a:prstGeom prst="rect">
+            <a:avLst/>
+          </a:prstGeom>
+          <a:noFill/>
+          <a:ln>
+            <a:noFill/>
+          </a:ln>
+        </p:spPr>
+      </p:pic>
+      <p:pic>
+        <p:nvPicPr>
+          <p:cNvPr id="145" name="Google Shape;145;p23"/>
+          <p:cNvPicPr preferRelativeResize="0"/>
+          <p:nvPr/>
+        </p:nvPicPr>
+        <p:blipFill>
+          <a:blip r:embed="rId4">
+            <a:alphaModFix/>
+          </a:blip>
+          <a:stretch>
+            <a:fillRect/>
+          </a:stretch>
+        </p:blipFill>
+        <p:spPr>
+          <a:xfrm>
+            <a:off x="4619565" y="1296525"/>
+            <a:ext cx="4305636" cy="2800675"/>
+          </a:xfrm>
+          <a:prstGeom prst="rect">
+            <a:avLst/>
+          </a:prstGeom>
+          <a:noFill/>
+          <a:ln>
+            <a:noFill/>
+          </a:ln>
+        </p:spPr>
+      </p:pic>
     </p:spTree>
   </p:cSld>
   <p:clrMapOvr>
@@ -7919,12 +8861,12 @@
 </p:sld>
 </file>
 
-<file path=ppt/slides/slide4.xml><?xml version="1.0" encoding="utf-8"?>
+<file path=ppt/slides/slide12.xml><?xml version="1.0" encoding="utf-8"?>
 <p:sld xmlns:a="http://schemas.openxmlformats.org/drawingml/2006/main" xmlns:r="http://schemas.openxmlformats.org/officeDocument/2006/relationships" xmlns:mc="http://schemas.openxmlformats.org/markup-compatibility/2006" xmlns:mv="urn:schemas-microsoft-com:mac:vml" xmlns:p="http://schemas.openxmlformats.org/presentationml/2006/main" xmlns:c="http://schemas.openxmlformats.org/drawingml/2006/chart" xmlns:dgm="http://schemas.openxmlformats.org/drawingml/2006/diagram" xmlns:o="urn:schemas-microsoft-com:office:office" xmlns:v="urn:schemas-microsoft-com:vml" xmlns:pvml="urn:schemas-microsoft-com:office:powerpoint" xmlns:com="http://schemas.openxmlformats.org/drawingml/2006/compatibility" xmlns:p14="http://schemas.microsoft.com/office/powerpoint/2010/main" xmlns:p15="http://schemas.microsoft.com/office/powerpoint/2012/main" xmlns:ahyp="http://schemas.microsoft.com/office/drawing/2018/hyperlinkcolor">
   <p:cSld>
     <p:spTree>
       <p:nvGrpSpPr>
-        <p:cNvPr id="81" name="Shape 81"/>
+        <p:cNvPr id="149" name="Shape 149"/>
         <p:cNvGrpSpPr/>
         <p:nvPr/>
       </p:nvGrpSpPr>
@@ -7938,7 +8880,7 @@
       </p:grpSpPr>
       <p:sp>
         <p:nvSpPr>
-          <p:cNvPr id="82" name="Google Shape;82;p16"/>
+          <p:cNvPr id="150" name="Google Shape;150;p24"/>
           <p:cNvSpPr txBox="1"/>
           <p:nvPr>
             <p:ph type="title"/>
@@ -7970,7 +8912,7 @@
             </a:pPr>
             <a:r>
               <a:rPr lang="en"/>
-              <a:t>Dataset:</a:t>
+              <a:t>Results</a:t>
             </a:r>
             <a:endParaRPr/>
           </a:p>
@@ -7978,7 +8920,7 @@
       </p:sp>
       <p:sp>
         <p:nvSpPr>
-          <p:cNvPr id="83" name="Google Shape;83;p16"/>
+          <p:cNvPr id="151" name="Google Shape;151;p24"/>
           <p:cNvSpPr txBox="1"/>
           <p:nvPr>
             <p:ph idx="1" type="body"/>
@@ -7986,8 +8928,8 @@
         </p:nvSpPr>
         <p:spPr>
           <a:xfrm>
-            <a:off x="387900" y="1489824"/>
-            <a:ext cx="8368200" cy="3078900"/>
+            <a:off x="387900" y="1489825"/>
+            <a:ext cx="3637200" cy="3078900"/>
           </a:xfrm>
           <a:prstGeom prst="rect">
             <a:avLst/>
@@ -7999,128 +8941,588 @@
           </a:bodyPr>
           <a:lstStyle/>
           <a:p>
-            <a:pPr indent="-317500" lvl="0" marL="457200" rtl="0" algn="l">
-              <a:spcBef>
-                <a:spcPts val="0"/>
-              </a:spcBef>
-              <a:spcAft>
-                <a:spcPts val="0"/>
-              </a:spcAft>
-              <a:buSzPts val="1400"/>
-              <a:buFont typeface="Roboto Slab"/>
-              <a:buChar char="●"/>
+            <a:pPr indent="0" lvl="0" marL="0" rtl="0" algn="l">
+              <a:spcBef>
+                <a:spcPts val="0"/>
+              </a:spcBef>
+              <a:spcAft>
+                <a:spcPts val="0"/>
+              </a:spcAft>
+              <a:buNone/>
             </a:pPr>
             <a:r>
-              <a:rPr lang="en" sz="1400">
-                <a:latin typeface="Roboto Slab"/>
-                <a:ea typeface="Roboto Slab"/>
-                <a:cs typeface="Roboto Slab"/>
-                <a:sym typeface="Roboto Slab"/>
-              </a:rPr>
-              <a:t>Name: </a:t>
+              <a:rPr lang="en" sz="1100"/>
+              <a:t>MobileNet had the best accuracy out of all the Models. </a:t>
+            </a:r>
+            <a:endParaRPr sz="1100"/>
+          </a:p>
+          <a:p>
+            <a:pPr indent="0" lvl="0" marL="0" rtl="0" algn="l">
+              <a:spcBef>
+                <a:spcPts val="1200"/>
+              </a:spcBef>
+              <a:spcAft>
+                <a:spcPts val="0"/>
+              </a:spcAft>
+              <a:buNone/>
+            </a:pPr>
+            <a:r>
+              <a:rPr lang="en" sz="1100"/>
+              <a:t>Now, </a:t>
             </a:r>
             <a:r>
-              <a:rPr lang="en" sz="1400">
-                <a:latin typeface="Roboto Slab"/>
-                <a:ea typeface="Roboto Slab"/>
-                <a:cs typeface="Roboto Slab"/>
-                <a:sym typeface="Roboto Slab"/>
-              </a:rPr>
-              <a:t>Watermelon Disease Recognition Dataset</a:t>
+              <a:rPr lang="en" sz="1100"/>
+              <a:t>MobileNet with or Without Grad-CAM had same accuracy. </a:t>
             </a:r>
-            <a:endParaRPr sz="1400">
-              <a:latin typeface="Roboto Slab"/>
-              <a:ea typeface="Roboto Slab"/>
-              <a:cs typeface="Roboto Slab"/>
-              <a:sym typeface="Roboto Slab"/>
-            </a:endParaRPr>
+            <a:endParaRPr sz="1100"/>
           </a:p>
           <a:p>
-            <a:pPr indent="-317500" lvl="0" marL="457200" rtl="0" algn="l">
-              <a:spcBef>
-                <a:spcPts val="0"/>
-              </a:spcBef>
-              <a:spcAft>
-                <a:spcPts val="0"/>
-              </a:spcAft>
-              <a:buSzPts val="1400"/>
-              <a:buFont typeface="Roboto Slab"/>
-              <a:buChar char="●"/>
+            <a:pPr indent="0" lvl="0" marL="0" rtl="0" algn="l">
+              <a:spcBef>
+                <a:spcPts val="1200"/>
+              </a:spcBef>
+              <a:spcAft>
+                <a:spcPts val="0"/>
+              </a:spcAft>
+              <a:buNone/>
             </a:pPr>
             <a:r>
-              <a:rPr lang="en" sz="1400">
-                <a:latin typeface="Roboto Slab"/>
-                <a:ea typeface="Roboto Slab"/>
-                <a:cs typeface="Roboto Slab"/>
-                <a:sym typeface="Roboto Slab"/>
-              </a:rPr>
-              <a:t>Size: Number of original images in the dataset is 1155, number of augmentation images is 5775. </a:t>
+              <a:rPr lang="en" sz="1100"/>
+              <a:t>That is because Grad-CAM does not actually help in training the model </a:t>
             </a:r>
-            <a:endParaRPr sz="1400">
-              <a:latin typeface="Roboto Slab"/>
-              <a:ea typeface="Roboto Slab"/>
-              <a:cs typeface="Roboto Slab"/>
-              <a:sym typeface="Roboto Slab"/>
-            </a:endParaRPr>
+            <a:endParaRPr sz="1100"/>
           </a:p>
           <a:p>
-            <a:pPr indent="-317500" lvl="0" marL="457200" rtl="0" algn="just">
-              <a:spcBef>
-                <a:spcPts val="0"/>
-              </a:spcBef>
-              <a:spcAft>
-                <a:spcPts val="0"/>
-              </a:spcAft>
-              <a:buSzPts val="1400"/>
-              <a:buFont typeface="Roboto Slab"/>
-              <a:buChar char="●"/>
+            <a:pPr indent="0" lvl="0" marL="0" rtl="0" algn="l">
+              <a:spcBef>
+                <a:spcPts val="1200"/>
+              </a:spcBef>
+              <a:spcAft>
+                <a:spcPts val="1200"/>
+              </a:spcAft>
+              <a:buNone/>
             </a:pPr>
             <a:r>
-              <a:rPr lang="en" sz="1400">
-                <a:latin typeface="Roboto Slab"/>
-                <a:ea typeface="Roboto Slab"/>
-                <a:cs typeface="Roboto Slab"/>
-                <a:sym typeface="Roboto Slab"/>
-              </a:rPr>
-              <a:t>4 different categories of leaf images exists which are healthy, anthracnose, downy mildew, mosaic virus.</a:t>
+              <a:rPr lang="en" sz="1100"/>
+              <a:t>but helps the model more in decision making. </a:t>
             </a:r>
-            <a:endParaRPr sz="1400">
-              <a:latin typeface="Roboto Slab"/>
-              <a:ea typeface="Roboto Slab"/>
-              <a:cs typeface="Roboto Slab"/>
-              <a:sym typeface="Roboto Slab"/>
-            </a:endParaRPr>
-          </a:p>
-          <a:p>
-            <a:pPr indent="-317500" lvl="0" marL="457200" rtl="0" algn="just">
-              <a:spcBef>
-                <a:spcPts val="0"/>
-              </a:spcBef>
-              <a:spcAft>
-                <a:spcPts val="0"/>
-              </a:spcAft>
-              <a:buSzPts val="1400"/>
-              <a:buFont typeface="Roboto Slab"/>
-              <a:buChar char="●"/>
-            </a:pPr>
-            <a:r>
-              <a:rPr lang="en" sz="1400">
-                <a:latin typeface="Roboto Slab"/>
-                <a:ea typeface="Roboto Slab"/>
-                <a:cs typeface="Roboto Slab"/>
-                <a:sym typeface="Roboto Slab"/>
-              </a:rPr>
-              <a:t>We used 3 out of 4 categories in augmented images for training our models. </a:t>
-            </a:r>
-            <a:endParaRPr sz="1400">
-              <a:latin typeface="Roboto Slab"/>
-              <a:ea typeface="Roboto Slab"/>
-              <a:cs typeface="Roboto Slab"/>
-              <a:sym typeface="Roboto Slab"/>
-            </a:endParaRPr>
+            <a:endParaRPr sz="1100"/>
           </a:p>
         </p:txBody>
       </p:sp>
+      <p:sp>
+        <p:nvSpPr>
+          <p:cNvPr id="152" name="Google Shape;152;p24"/>
+          <p:cNvSpPr txBox="1"/>
+          <p:nvPr>
+            <p:ph idx="12" type="sldNum"/>
+          </p:nvPr>
+        </p:nvSpPr>
+        <p:spPr>
+          <a:xfrm>
+            <a:off x="8472458" y="4663217"/>
+            <a:ext cx="548700" cy="393600"/>
+          </a:xfrm>
+          <a:prstGeom prst="rect">
+            <a:avLst/>
+          </a:prstGeom>
+        </p:spPr>
+        <p:txBody>
+          <a:bodyPr anchorCtr="0" anchor="ctr" bIns="91425" lIns="91425" spcFirstLastPara="1" rIns="91425" wrap="square" tIns="91425">
+            <a:normAutofit/>
+          </a:bodyPr>
+          <a:lstStyle/>
+          <a:p>
+            <a:pPr indent="0" lvl="0" marL="0" rtl="0" algn="r">
+              <a:spcBef>
+                <a:spcPts val="0"/>
+              </a:spcBef>
+              <a:spcAft>
+                <a:spcPts val="0"/>
+              </a:spcAft>
+              <a:buNone/>
+            </a:pPr>
+            <a:fld id="{00000000-1234-1234-1234-123412341234}" type="slidenum">
+              <a:rPr lang="en"/>
+              <a:t>‹#›</a:t>
+            </a:fld>
+            <a:endParaRPr/>
+          </a:p>
+        </p:txBody>
+      </p:sp>
+      <p:graphicFrame>
+        <p:nvGraphicFramePr>
+          <p:cNvPr id="153" name="Google Shape;153;p24"/>
+          <p:cNvGraphicFramePr/>
+          <p:nvPr/>
+        </p:nvGraphicFramePr>
+        <p:xfrm>
+          <a:off x="4129200" y="1238250"/>
+          <a:ext cx="3000000" cy="3000000"/>
+        </p:xfrm>
+        <a:graphic>
+          <a:graphicData uri="http://schemas.openxmlformats.org/drawingml/2006/table">
+            <a:tbl>
+              <a:tblPr>
+                <a:noFill/>
+                <a:tableStyleId>{5DA7BABC-96FD-4C01-8350-56780CB5F2E4}</a:tableStyleId>
+              </a:tblPr>
+              <a:tblGrid>
+                <a:gridCol w="2445975"/>
+                <a:gridCol w="2445975"/>
+              </a:tblGrid>
+              <a:tr h="381000">
+                <a:tc>
+                  <a:txBody>
+                    <a:bodyPr/>
+                    <a:lstStyle/>
+                    <a:p>
+                      <a:pPr indent="0" lvl="0" marL="0" rtl="0" algn="ctr">
+                        <a:spcBef>
+                          <a:spcPts val="0"/>
+                        </a:spcBef>
+                        <a:spcAft>
+                          <a:spcPts val="0"/>
+                        </a:spcAft>
+                        <a:buNone/>
+                      </a:pPr>
+                      <a:r>
+                        <a:rPr lang="en">
+                          <a:solidFill>
+                            <a:schemeClr val="dk1"/>
+                          </a:solidFill>
+                        </a:rPr>
+                        <a:t>Model Name</a:t>
+                      </a:r>
+                      <a:endParaRPr>
+                        <a:solidFill>
+                          <a:schemeClr val="dk1"/>
+                        </a:solidFill>
+                      </a:endParaRPr>
+                    </a:p>
+                  </a:txBody>
+                  <a:tcPr marT="91425" marB="91425" marR="91425" marL="91425"/>
+                </a:tc>
+                <a:tc>
+                  <a:txBody>
+                    <a:bodyPr/>
+                    <a:lstStyle/>
+                    <a:p>
+                      <a:pPr indent="0" lvl="0" marL="0" rtl="0" algn="ctr">
+                        <a:spcBef>
+                          <a:spcPts val="0"/>
+                        </a:spcBef>
+                        <a:spcAft>
+                          <a:spcPts val="0"/>
+                        </a:spcAft>
+                        <a:buNone/>
+                      </a:pPr>
+                      <a:r>
+                        <a:rPr lang="en">
+                          <a:solidFill>
+                            <a:schemeClr val="dk1"/>
+                          </a:solidFill>
+                        </a:rPr>
+                        <a:t>Accuracy</a:t>
+                      </a:r>
+                      <a:endParaRPr>
+                        <a:solidFill>
+                          <a:schemeClr val="dk1"/>
+                        </a:solidFill>
+                      </a:endParaRPr>
+                    </a:p>
+                  </a:txBody>
+                  <a:tcPr marT="91425" marB="91425" marR="91425" marL="91425"/>
+                </a:tc>
+              </a:tr>
+              <a:tr h="381000">
+                <a:tc>
+                  <a:txBody>
+                    <a:bodyPr/>
+                    <a:lstStyle/>
+                    <a:p>
+                      <a:pPr indent="0" lvl="0" marL="0" rtl="0" algn="ctr">
+                        <a:spcBef>
+                          <a:spcPts val="0"/>
+                        </a:spcBef>
+                        <a:spcAft>
+                          <a:spcPts val="0"/>
+                        </a:spcAft>
+                        <a:buNone/>
+                      </a:pPr>
+                      <a:r>
+                        <a:rPr lang="en">
+                          <a:solidFill>
+                            <a:schemeClr val="dk1"/>
+                          </a:solidFill>
+                        </a:rPr>
+                        <a:t>DenseNet201</a:t>
+                      </a:r>
+                      <a:endParaRPr>
+                        <a:solidFill>
+                          <a:schemeClr val="dk1"/>
+                        </a:solidFill>
+                      </a:endParaRPr>
+                    </a:p>
+                  </a:txBody>
+                  <a:tcPr marT="91425" marB="91425" marR="91425" marL="91425"/>
+                </a:tc>
+                <a:tc>
+                  <a:txBody>
+                    <a:bodyPr/>
+                    <a:lstStyle/>
+                    <a:p>
+                      <a:pPr indent="0" lvl="0" marL="0" rtl="0" algn="ctr">
+                        <a:spcBef>
+                          <a:spcPts val="0"/>
+                        </a:spcBef>
+                        <a:spcAft>
+                          <a:spcPts val="0"/>
+                        </a:spcAft>
+                        <a:buNone/>
+                      </a:pPr>
+                      <a:r>
+                        <a:rPr lang="en">
+                          <a:solidFill>
+                            <a:schemeClr val="dk1"/>
+                          </a:solidFill>
+                        </a:rPr>
+                        <a:t>95.62%</a:t>
+                      </a:r>
+                      <a:endParaRPr>
+                        <a:solidFill>
+                          <a:schemeClr val="dk1"/>
+                        </a:solidFill>
+                      </a:endParaRPr>
+                    </a:p>
+                  </a:txBody>
+                  <a:tcPr marT="91425" marB="91425" marR="91425" marL="91425"/>
+                </a:tc>
+              </a:tr>
+              <a:tr h="381000">
+                <a:tc>
+                  <a:txBody>
+                    <a:bodyPr/>
+                    <a:lstStyle/>
+                    <a:p>
+                      <a:pPr indent="0" lvl="0" marL="0" rtl="0" algn="ctr">
+                        <a:spcBef>
+                          <a:spcPts val="0"/>
+                        </a:spcBef>
+                        <a:spcAft>
+                          <a:spcPts val="0"/>
+                        </a:spcAft>
+                        <a:buNone/>
+                      </a:pPr>
+                      <a:r>
+                        <a:rPr lang="en">
+                          <a:solidFill>
+                            <a:schemeClr val="dk1"/>
+                          </a:solidFill>
+                        </a:rPr>
+                        <a:t>InceptionV3</a:t>
+                      </a:r>
+                      <a:endParaRPr>
+                        <a:solidFill>
+                          <a:schemeClr val="dk1"/>
+                        </a:solidFill>
+                      </a:endParaRPr>
+                    </a:p>
+                  </a:txBody>
+                  <a:tcPr marT="91425" marB="91425" marR="91425" marL="91425"/>
+                </a:tc>
+                <a:tc>
+                  <a:txBody>
+                    <a:bodyPr/>
+                    <a:lstStyle/>
+                    <a:p>
+                      <a:pPr indent="0" lvl="0" marL="0" rtl="0" algn="ctr">
+                        <a:spcBef>
+                          <a:spcPts val="0"/>
+                        </a:spcBef>
+                        <a:spcAft>
+                          <a:spcPts val="0"/>
+                        </a:spcAft>
+                        <a:buNone/>
+                      </a:pPr>
+                      <a:r>
+                        <a:rPr lang="en">
+                          <a:solidFill>
+                            <a:schemeClr val="dk1"/>
+                          </a:solidFill>
+                        </a:rPr>
+                        <a:t>92.83%</a:t>
+                      </a:r>
+                      <a:endParaRPr>
+                        <a:solidFill>
+                          <a:schemeClr val="dk1"/>
+                        </a:solidFill>
+                      </a:endParaRPr>
+                    </a:p>
+                  </a:txBody>
+                  <a:tcPr marT="91425" marB="91425" marR="91425" marL="91425"/>
+                </a:tc>
+              </a:tr>
+              <a:tr h="381000">
+                <a:tc>
+                  <a:txBody>
+                    <a:bodyPr/>
+                    <a:lstStyle/>
+                    <a:p>
+                      <a:pPr indent="0" lvl="0" marL="0" rtl="0" algn="ctr">
+                        <a:spcBef>
+                          <a:spcPts val="0"/>
+                        </a:spcBef>
+                        <a:spcAft>
+                          <a:spcPts val="0"/>
+                        </a:spcAft>
+                        <a:buNone/>
+                      </a:pPr>
+                      <a:r>
+                        <a:rPr lang="en">
+                          <a:solidFill>
+                            <a:schemeClr val="dk1"/>
+                          </a:solidFill>
+                        </a:rPr>
+                        <a:t>ResNet50</a:t>
+                      </a:r>
+                      <a:endParaRPr>
+                        <a:solidFill>
+                          <a:schemeClr val="dk1"/>
+                        </a:solidFill>
+                      </a:endParaRPr>
+                    </a:p>
+                  </a:txBody>
+                  <a:tcPr marT="91425" marB="91425" marR="91425" marL="91425"/>
+                </a:tc>
+                <a:tc>
+                  <a:txBody>
+                    <a:bodyPr/>
+                    <a:lstStyle/>
+                    <a:p>
+                      <a:pPr indent="0" lvl="0" marL="0" rtl="0" algn="ctr">
+                        <a:spcBef>
+                          <a:spcPts val="0"/>
+                        </a:spcBef>
+                        <a:spcAft>
+                          <a:spcPts val="0"/>
+                        </a:spcAft>
+                        <a:buNone/>
+                      </a:pPr>
+                      <a:r>
+                        <a:rPr lang="en">
+                          <a:solidFill>
+                            <a:schemeClr val="dk1"/>
+                          </a:solidFill>
+                        </a:rPr>
+                        <a:t>78.49%</a:t>
+                      </a:r>
+                      <a:endParaRPr>
+                        <a:solidFill>
+                          <a:schemeClr val="dk1"/>
+                        </a:solidFill>
+                      </a:endParaRPr>
+                    </a:p>
+                  </a:txBody>
+                  <a:tcPr marT="91425" marB="91425" marR="91425" marL="91425"/>
+                </a:tc>
+              </a:tr>
+              <a:tr h="381000">
+                <a:tc>
+                  <a:txBody>
+                    <a:bodyPr/>
+                    <a:lstStyle/>
+                    <a:p>
+                      <a:pPr indent="0" lvl="0" marL="0" rtl="0" algn="ctr">
+                        <a:spcBef>
+                          <a:spcPts val="0"/>
+                        </a:spcBef>
+                        <a:spcAft>
+                          <a:spcPts val="0"/>
+                        </a:spcAft>
+                        <a:buNone/>
+                      </a:pPr>
+                      <a:r>
+                        <a:rPr lang="en">
+                          <a:solidFill>
+                            <a:schemeClr val="dk1"/>
+                          </a:solidFill>
+                        </a:rPr>
+                        <a:t>EfficientNet</a:t>
+                      </a:r>
+                      <a:endParaRPr>
+                        <a:solidFill>
+                          <a:schemeClr val="dk1"/>
+                        </a:solidFill>
+                      </a:endParaRPr>
+                    </a:p>
+                  </a:txBody>
+                  <a:tcPr marT="91425" marB="91425" marR="91425" marL="91425"/>
+                </a:tc>
+                <a:tc>
+                  <a:txBody>
+                    <a:bodyPr/>
+                    <a:lstStyle/>
+                    <a:p>
+                      <a:pPr indent="0" lvl="0" marL="0" rtl="0" algn="ctr">
+                        <a:spcBef>
+                          <a:spcPts val="0"/>
+                        </a:spcBef>
+                        <a:spcAft>
+                          <a:spcPts val="0"/>
+                        </a:spcAft>
+                        <a:buNone/>
+                      </a:pPr>
+                      <a:r>
+                        <a:rPr lang="en">
+                          <a:solidFill>
+                            <a:schemeClr val="dk1"/>
+                          </a:solidFill>
+                        </a:rPr>
+                        <a:t>98.80%</a:t>
+                      </a:r>
+                      <a:endParaRPr>
+                        <a:solidFill>
+                          <a:schemeClr val="dk1"/>
+                        </a:solidFill>
+                      </a:endParaRPr>
+                    </a:p>
+                  </a:txBody>
+                  <a:tcPr marT="91425" marB="91425" marR="91425" marL="91425"/>
+                </a:tc>
+              </a:tr>
+              <a:tr h="381000">
+                <a:tc>
+                  <a:txBody>
+                    <a:bodyPr/>
+                    <a:lstStyle/>
+                    <a:p>
+                      <a:pPr indent="0" lvl="0" marL="0" rtl="0" algn="ctr">
+                        <a:spcBef>
+                          <a:spcPts val="0"/>
+                        </a:spcBef>
+                        <a:spcAft>
+                          <a:spcPts val="0"/>
+                        </a:spcAft>
+                        <a:buNone/>
+                      </a:pPr>
+                      <a:r>
+                        <a:rPr lang="en">
+                          <a:solidFill>
+                            <a:schemeClr val="dk1"/>
+                          </a:solidFill>
+                        </a:rPr>
+                        <a:t>MobileNetV2</a:t>
+                      </a:r>
+                      <a:endParaRPr>
+                        <a:solidFill>
+                          <a:schemeClr val="dk1"/>
+                        </a:solidFill>
+                      </a:endParaRPr>
+                    </a:p>
+                  </a:txBody>
+                  <a:tcPr marT="91425" marB="91425" marR="91425" marL="91425"/>
+                </a:tc>
+                <a:tc>
+                  <a:txBody>
+                    <a:bodyPr/>
+                    <a:lstStyle/>
+                    <a:p>
+                      <a:pPr indent="0" lvl="0" marL="0" rtl="0" algn="ctr">
+                        <a:spcBef>
+                          <a:spcPts val="0"/>
+                        </a:spcBef>
+                        <a:spcAft>
+                          <a:spcPts val="0"/>
+                        </a:spcAft>
+                        <a:buNone/>
+                      </a:pPr>
+                      <a:r>
+                        <a:rPr lang="en">
+                          <a:solidFill>
+                            <a:schemeClr val="dk1"/>
+                          </a:solidFill>
+                        </a:rPr>
+                        <a:t>99.46%</a:t>
+                      </a:r>
+                      <a:endParaRPr>
+                        <a:solidFill>
+                          <a:schemeClr val="dk1"/>
+                        </a:solidFill>
+                      </a:endParaRPr>
+                    </a:p>
+                  </a:txBody>
+                  <a:tcPr marT="91425" marB="91425" marR="91425" marL="91425"/>
+                </a:tc>
+              </a:tr>
+              <a:tr h="381000">
+                <a:tc>
+                  <a:txBody>
+                    <a:bodyPr/>
+                    <a:lstStyle/>
+                    <a:p>
+                      <a:pPr indent="0" lvl="0" marL="0" rtl="0" algn="ctr">
+                        <a:spcBef>
+                          <a:spcPts val="0"/>
+                        </a:spcBef>
+                        <a:spcAft>
+                          <a:spcPts val="0"/>
+                        </a:spcAft>
+                        <a:buNone/>
+                      </a:pPr>
+                      <a:r>
+                        <a:rPr lang="en">
+                          <a:solidFill>
+                            <a:schemeClr val="dk1"/>
+                          </a:solidFill>
+                        </a:rPr>
+                        <a:t>MobileNet+Grad-CAM</a:t>
+                      </a:r>
+                      <a:endParaRPr>
+                        <a:solidFill>
+                          <a:schemeClr val="dk1"/>
+                        </a:solidFill>
+                      </a:endParaRPr>
+                    </a:p>
+                  </a:txBody>
+                  <a:tcPr marT="91425" marB="91425" marR="91425" marL="91425"/>
+                </a:tc>
+                <a:tc>
+                  <a:txBody>
+                    <a:bodyPr/>
+                    <a:lstStyle/>
+                    <a:p>
+                      <a:pPr indent="0" lvl="0" marL="0" rtl="0" algn="ctr">
+                        <a:spcBef>
+                          <a:spcPts val="0"/>
+                        </a:spcBef>
+                        <a:spcAft>
+                          <a:spcPts val="0"/>
+                        </a:spcAft>
+                        <a:buNone/>
+                      </a:pPr>
+                      <a:r>
+                        <a:rPr lang="en">
+                          <a:solidFill>
+                            <a:schemeClr val="dk1"/>
+                          </a:solidFill>
+                        </a:rPr>
+                        <a:t>99.46%</a:t>
+                      </a:r>
+                      <a:endParaRPr>
+                        <a:solidFill>
+                          <a:schemeClr val="dk1"/>
+                        </a:solidFill>
+                      </a:endParaRPr>
+                    </a:p>
+                  </a:txBody>
+                  <a:tcPr marT="91425" marB="91425" marR="91425" marL="91425"/>
+                </a:tc>
+              </a:tr>
+            </a:tbl>
+          </a:graphicData>
+        </a:graphic>
+      </p:graphicFrame>
     </p:spTree>
   </p:cSld>
   <p:clrMapOvr>
@@ -8129,12 +9531,12 @@
 </p:sld>
 </file>
 
-<file path=ppt/slides/slide5.xml><?xml version="1.0" encoding="utf-8"?>
+<file path=ppt/slides/slide13.xml><?xml version="1.0" encoding="utf-8"?>
 <p:sld xmlns:a="http://schemas.openxmlformats.org/drawingml/2006/main" xmlns:r="http://schemas.openxmlformats.org/officeDocument/2006/relationships" xmlns:mc="http://schemas.openxmlformats.org/markup-compatibility/2006" xmlns:mv="urn:schemas-microsoft-com:mac:vml" xmlns:p="http://schemas.openxmlformats.org/presentationml/2006/main" xmlns:c="http://schemas.openxmlformats.org/drawingml/2006/chart" xmlns:dgm="http://schemas.openxmlformats.org/drawingml/2006/diagram" xmlns:o="urn:schemas-microsoft-com:office:office" xmlns:v="urn:schemas-microsoft-com:vml" xmlns:pvml="urn:schemas-microsoft-com:office:powerpoint" xmlns:com="http://schemas.openxmlformats.org/drawingml/2006/compatibility" xmlns:p14="http://schemas.microsoft.com/office/powerpoint/2010/main" xmlns:p15="http://schemas.microsoft.com/office/powerpoint/2012/main" xmlns:ahyp="http://schemas.microsoft.com/office/drawing/2018/hyperlinkcolor">
   <p:cSld>
     <p:spTree>
       <p:nvGrpSpPr>
-        <p:cNvPr id="87" name="Shape 87"/>
+        <p:cNvPr id="157" name="Shape 157"/>
         <p:cNvGrpSpPr/>
         <p:nvPr/>
       </p:nvGrpSpPr>
@@ -8148,7 +9550,7 @@
       </p:grpSpPr>
       <p:sp>
         <p:nvSpPr>
-          <p:cNvPr id="88" name="Google Shape;88;p17"/>
+          <p:cNvPr id="158" name="Google Shape;158;p25"/>
           <p:cNvSpPr txBox="1"/>
           <p:nvPr>
             <p:ph type="title"/>
@@ -8180,7 +9582,7 @@
             </a:pPr>
             <a:r>
               <a:rPr lang="en"/>
-              <a:t>Methodology</a:t>
+              <a:t>Results</a:t>
             </a:r>
             <a:endParaRPr/>
           </a:p>
@@ -8188,68 +9590,126 @@
       </p:sp>
       <p:sp>
         <p:nvSpPr>
-          <p:cNvPr id="89" name="Google Shape;89;p17"/>
+          <p:cNvPr id="159" name="Google Shape;159;p25"/>
           <p:cNvSpPr txBox="1"/>
           <p:nvPr>
-            <p:ph idx="1" type="body"/>
+            <p:ph idx="12" type="sldNum"/>
           </p:nvPr>
         </p:nvSpPr>
         <p:spPr>
           <a:xfrm>
-            <a:off x="387900" y="1489824"/>
-            <a:ext cx="8368200" cy="3078900"/>
+            <a:off x="8472458" y="4663217"/>
+            <a:ext cx="548700" cy="393600"/>
           </a:xfrm>
           <a:prstGeom prst="rect">
             <a:avLst/>
           </a:prstGeom>
         </p:spPr>
         <p:txBody>
-          <a:bodyPr anchorCtr="0" anchor="t" bIns="91425" lIns="91425" spcFirstLastPara="1" rIns="91425" wrap="square" tIns="91425">
+          <a:bodyPr anchorCtr="0" anchor="ctr" bIns="91425" lIns="91425" spcFirstLastPara="1" rIns="91425" wrap="square" tIns="91425">
             <a:normAutofit/>
           </a:bodyPr>
           <a:lstStyle/>
           <a:p>
+            <a:pPr indent="0" lvl="0" marL="0" rtl="0" algn="r">
+              <a:spcBef>
+                <a:spcPts val="0"/>
+              </a:spcBef>
+              <a:spcAft>
+                <a:spcPts val="0"/>
+              </a:spcAft>
+              <a:buNone/>
+            </a:pPr>
+            <a:fld id="{00000000-1234-1234-1234-123412341234}" type="slidenum">
+              <a:rPr lang="en"/>
+              <a:t>‹#›</a:t>
+            </a:fld>
+            <a:endParaRPr/>
+          </a:p>
+        </p:txBody>
+      </p:sp>
+      <p:pic>
+        <p:nvPicPr>
+          <p:cNvPr id="160" name="Google Shape;160;p25"/>
+          <p:cNvPicPr preferRelativeResize="0"/>
+          <p:nvPr/>
+        </p:nvPicPr>
+        <p:blipFill>
+          <a:blip r:embed="rId3">
+            <a:alphaModFix/>
+          </a:blip>
+          <a:stretch>
+            <a:fillRect/>
+          </a:stretch>
+        </p:blipFill>
+        <p:spPr>
+          <a:xfrm>
+            <a:off x="2834937" y="954563"/>
+            <a:ext cx="3474118" cy="3520440"/>
+          </a:xfrm>
+          <a:prstGeom prst="rect">
+            <a:avLst/>
+          </a:prstGeom>
+          <a:noFill/>
+          <a:ln>
+            <a:noFill/>
+          </a:ln>
+        </p:spPr>
+      </p:pic>
+      <p:sp>
+        <p:nvSpPr>
+          <p:cNvPr id="161" name="Google Shape;161;p25"/>
+          <p:cNvSpPr txBox="1"/>
+          <p:nvPr/>
+        </p:nvSpPr>
+        <p:spPr>
+          <a:xfrm>
+            <a:off x="940250" y="4582075"/>
+            <a:ext cx="7098900" cy="338400"/>
+          </a:xfrm>
+          <a:prstGeom prst="rect">
+            <a:avLst/>
+          </a:prstGeom>
+          <a:noFill/>
+          <a:ln>
+            <a:noFill/>
+          </a:ln>
+        </p:spPr>
+        <p:txBody>
+          <a:bodyPr anchorCtr="0" anchor="t" bIns="91425" lIns="91425" spcFirstLastPara="1" rIns="91425" wrap="square" tIns="91425">
+            <a:noAutofit/>
+          </a:bodyPr>
+          <a:lstStyle/>
+          <a:p>
             <a:pPr indent="0" lvl="0" marL="0" rtl="0" algn="ctr">
               <a:spcBef>
                 <a:spcPts val="0"/>
               </a:spcBef>
               <a:spcAft>
-                <a:spcPts val="1200"/>
+                <a:spcPts val="0"/>
               </a:spcAft>
               <a:buNone/>
             </a:pPr>
             <a:r>
-              <a:rPr lang="en" sz="1500">
-                <a:latin typeface="Roboto Slab"/>
-                <a:ea typeface="Roboto Slab"/>
-                <a:cs typeface="Roboto Slab"/>
-                <a:sym typeface="Roboto Slab"/>
+              <a:rPr lang="en" sz="1800">
+                <a:solidFill>
+                  <a:schemeClr val="dk1"/>
+                </a:solidFill>
+                <a:latin typeface="Roboto"/>
+                <a:ea typeface="Roboto"/>
+                <a:cs typeface="Roboto"/>
+                <a:sym typeface="Roboto"/>
               </a:rPr>
-              <a:t>The experiment was divided into two phases. In our first phase, we tried to find the best model among the chosen transfer learning models which are DenseNet201, Inception V3, ResNet50, EfficientNet and lastly MobileNet. After finding the </a:t>
+              <a:t>Figure : GradCAM visualization on MobileNetV2 model. </a:t>
             </a:r>
-            <a:r>
-              <a:rPr lang="en" sz="1500">
-                <a:latin typeface="Roboto Slab"/>
-                <a:ea typeface="Roboto Slab"/>
-                <a:cs typeface="Roboto Slab"/>
-                <a:sym typeface="Roboto Slab"/>
-              </a:rPr>
-              <a:t>one we combined it with Grad-CAM to see if there were any improvement.</a:t>
-            </a:r>
-            <a:r>
-              <a:rPr lang="en" sz="1500">
-                <a:latin typeface="Roboto Slab"/>
-                <a:ea typeface="Roboto Slab"/>
-                <a:cs typeface="Roboto Slab"/>
-                <a:sym typeface="Roboto Slab"/>
-              </a:rPr>
-              <a:t> </a:t>
-            </a:r>
-            <a:endParaRPr sz="1500">
-              <a:latin typeface="Roboto Slab"/>
-              <a:ea typeface="Roboto Slab"/>
-              <a:cs typeface="Roboto Slab"/>
-              <a:sym typeface="Roboto Slab"/>
+            <a:endParaRPr sz="1800">
+              <a:solidFill>
+                <a:schemeClr val="dk1"/>
+              </a:solidFill>
+              <a:latin typeface="Roboto"/>
+              <a:ea typeface="Roboto"/>
+              <a:cs typeface="Roboto"/>
+              <a:sym typeface="Roboto"/>
             </a:endParaRPr>
           </a:p>
         </p:txBody>
@@ -8262,12 +9722,12 @@
 </p:sld>
 </file>
 
-<file path=ppt/slides/slide6.xml><?xml version="1.0" encoding="utf-8"?>
+<file path=ppt/slides/slide14.xml><?xml version="1.0" encoding="utf-8"?>
 <p:sld xmlns:a="http://schemas.openxmlformats.org/drawingml/2006/main" xmlns:r="http://schemas.openxmlformats.org/officeDocument/2006/relationships" xmlns:mc="http://schemas.openxmlformats.org/markup-compatibility/2006" xmlns:mv="urn:schemas-microsoft-com:mac:vml" xmlns:p="http://schemas.openxmlformats.org/presentationml/2006/main" xmlns:c="http://schemas.openxmlformats.org/drawingml/2006/chart" xmlns:dgm="http://schemas.openxmlformats.org/drawingml/2006/diagram" xmlns:o="urn:schemas-microsoft-com:office:office" xmlns:v="urn:schemas-microsoft-com:vml" xmlns:pvml="urn:schemas-microsoft-com:office:powerpoint" xmlns:com="http://schemas.openxmlformats.org/drawingml/2006/compatibility" xmlns:p14="http://schemas.microsoft.com/office/powerpoint/2010/main" xmlns:p15="http://schemas.microsoft.com/office/powerpoint/2012/main" xmlns:ahyp="http://schemas.microsoft.com/office/drawing/2018/hyperlinkcolor">
   <p:cSld>
     <p:spTree>
       <p:nvGrpSpPr>
-        <p:cNvPr id="93" name="Shape 93"/>
+        <p:cNvPr id="165" name="Shape 165"/>
         <p:cNvGrpSpPr/>
         <p:nvPr/>
       </p:nvGrpSpPr>
@@ -8281,7 +9741,7 @@
       </p:grpSpPr>
       <p:sp>
         <p:nvSpPr>
-          <p:cNvPr id="94" name="Google Shape;94;p18"/>
+          <p:cNvPr id="166" name="Google Shape;166;p26"/>
           <p:cNvSpPr txBox="1"/>
           <p:nvPr>
             <p:ph type="title"/>
@@ -8313,7 +9773,7 @@
             </a:pPr>
             <a:r>
               <a:rPr lang="en"/>
-              <a:t>Result:</a:t>
+              <a:t>Limitation</a:t>
             </a:r>
             <a:endParaRPr/>
           </a:p>
@@ -8321,7 +9781,7 @@
       </p:sp>
       <p:sp>
         <p:nvSpPr>
-          <p:cNvPr id="95" name="Google Shape;95;p18"/>
+          <p:cNvPr id="167" name="Google Shape;167;p26"/>
           <p:cNvSpPr txBox="1"/>
           <p:nvPr>
             <p:ph idx="1" type="body"/>
@@ -8342,103 +9802,110 @@
           </a:bodyPr>
           <a:lstStyle/>
           <a:p>
-            <a:pPr indent="0" lvl="0" marL="0" rtl="0" algn="l">
-              <a:spcBef>
-                <a:spcPts val="0"/>
-              </a:spcBef>
-              <a:spcAft>
-                <a:spcPts val="0"/>
-              </a:spcAft>
-              <a:buNone/>
+            <a:pPr indent="-342900" lvl="0" marL="457200" rtl="0" algn="l">
+              <a:spcBef>
+                <a:spcPts val="0"/>
+              </a:spcBef>
+              <a:spcAft>
+                <a:spcPts val="0"/>
+              </a:spcAft>
+              <a:buSzPts val="1800"/>
+              <a:buChar char="●"/>
             </a:pPr>
             <a:r>
-              <a:rPr lang="en" sz="1100"/>
-              <a:t>MobileNet had the best accuracy out of all the Models. </a:t>
+              <a:rPr lang="en"/>
+              <a:t>Dataset original image count low</a:t>
             </a:r>
-            <a:endParaRPr sz="1100"/>
+            <a:endParaRPr/>
           </a:p>
           <a:p>
-            <a:pPr indent="0" lvl="0" marL="0" rtl="0" algn="l">
-              <a:spcBef>
-                <a:spcPts val="1200"/>
-              </a:spcBef>
-              <a:spcAft>
-                <a:spcPts val="0"/>
-              </a:spcAft>
-              <a:buNone/>
+            <a:pPr indent="-342900" lvl="0" marL="457200" rtl="0" algn="l">
+              <a:spcBef>
+                <a:spcPts val="0"/>
+              </a:spcBef>
+              <a:spcAft>
+                <a:spcPts val="0"/>
+              </a:spcAft>
+              <a:buSzPts val="1800"/>
+              <a:buChar char="●"/>
             </a:pPr>
             <a:r>
-              <a:rPr lang="en" sz="1100"/>
-              <a:t>Now, </a:t>
+              <a:rPr lang="en"/>
+              <a:t>Only three </a:t>
             </a:r>
             <a:r>
-              <a:rPr lang="en" sz="1100"/>
-              <a:t>MobileNet with or Without Grad-CAM had same accuracy. </a:t>
+              <a:rPr lang="en"/>
+              <a:t>categories</a:t>
             </a:r>
-            <a:endParaRPr sz="1100"/>
+            <a:endParaRPr/>
           </a:p>
           <a:p>
-            <a:pPr indent="0" lvl="0" marL="0" rtl="0" algn="l">
-              <a:spcBef>
-                <a:spcPts val="1200"/>
-              </a:spcBef>
-              <a:spcAft>
-                <a:spcPts val="0"/>
-              </a:spcAft>
-              <a:buNone/>
+            <a:pPr indent="-342900" lvl="0" marL="457200" rtl="0" algn="l">
+              <a:spcBef>
+                <a:spcPts val="0"/>
+              </a:spcBef>
+              <a:spcAft>
+                <a:spcPts val="0"/>
+              </a:spcAft>
+              <a:buSzPts val="1800"/>
+              <a:buChar char="●"/>
             </a:pPr>
             <a:r>
-              <a:rPr lang="en" sz="1100"/>
-              <a:t>That is because Grad-CAM does not actually help in training the model </a:t>
+              <a:rPr lang="en"/>
+              <a:t>Only one optimization </a:t>
             </a:r>
-            <a:endParaRPr sz="1100"/>
-          </a:p>
-          <a:p>
-            <a:pPr indent="0" lvl="0" marL="0" rtl="0" algn="l">
-              <a:spcBef>
-                <a:spcPts val="1200"/>
-              </a:spcBef>
-              <a:spcAft>
-                <a:spcPts val="1200"/>
-              </a:spcAft>
-              <a:buNone/>
-            </a:pPr>
             <a:r>
-              <a:rPr lang="en" sz="1100"/>
-              <a:t>but helps the model more in decision making. </a:t>
+              <a:rPr lang="en"/>
+              <a:t>algorithm</a:t>
             </a:r>
-            <a:endParaRPr sz="1100"/>
+            <a:r>
+              <a:rPr lang="en"/>
+              <a:t> applied</a:t>
+            </a:r>
+            <a:endParaRPr/>
           </a:p>
         </p:txBody>
       </p:sp>
-      <p:pic>
-        <p:nvPicPr>
-          <p:cNvPr id="96" name="Google Shape;96;p18"/>
-          <p:cNvPicPr preferRelativeResize="0"/>
-          <p:nvPr/>
-        </p:nvPicPr>
-        <p:blipFill>
-          <a:blip r:embed="rId3">
-            <a:alphaModFix/>
-          </a:blip>
-          <a:stretch>
-            <a:fillRect/>
-          </a:stretch>
-        </p:blipFill>
-        <p:spPr>
-          <a:xfrm>
-            <a:off x="5431863" y="1144113"/>
-            <a:ext cx="3324225" cy="1247775"/>
+      <p:sp>
+        <p:nvSpPr>
+          <p:cNvPr id="168" name="Google Shape;168;p26"/>
+          <p:cNvSpPr txBox="1"/>
+          <p:nvPr>
+            <p:ph idx="12" type="sldNum"/>
+          </p:nvPr>
+        </p:nvSpPr>
+        <p:spPr>
+          <a:xfrm>
+            <a:off x="8472458" y="4663217"/>
+            <a:ext cx="548700" cy="393600"/>
           </a:xfrm>
           <a:prstGeom prst="rect">
             <a:avLst/>
           </a:prstGeom>
-          <a:noFill/>
-          <a:ln>
-            <a:noFill/>
-          </a:ln>
-        </p:spPr>
-      </p:pic>
+        </p:spPr>
+        <p:txBody>
+          <a:bodyPr anchorCtr="0" anchor="ctr" bIns="91425" lIns="91425" spcFirstLastPara="1" rIns="91425" wrap="square" tIns="91425">
+            <a:normAutofit/>
+          </a:bodyPr>
+          <a:lstStyle/>
+          <a:p>
+            <a:pPr indent="0" lvl="0" marL="0" rtl="0" algn="r">
+              <a:spcBef>
+                <a:spcPts val="0"/>
+              </a:spcBef>
+              <a:spcAft>
+                <a:spcPts val="0"/>
+              </a:spcAft>
+              <a:buNone/>
+            </a:pPr>
+            <a:fld id="{00000000-1234-1234-1234-123412341234}" type="slidenum">
+              <a:rPr lang="en"/>
+              <a:t>‹#›</a:t>
+            </a:fld>
+            <a:endParaRPr/>
+          </a:p>
+        </p:txBody>
+      </p:sp>
     </p:spTree>
   </p:cSld>
   <p:clrMapOvr>
@@ -8447,12 +9914,12 @@
 </p:sld>
 </file>
 
-<file path=ppt/slides/slide7.xml><?xml version="1.0" encoding="utf-8"?>
+<file path=ppt/slides/slide15.xml><?xml version="1.0" encoding="utf-8"?>
 <p:sld xmlns:a="http://schemas.openxmlformats.org/drawingml/2006/main" xmlns:r="http://schemas.openxmlformats.org/officeDocument/2006/relationships" xmlns:mc="http://schemas.openxmlformats.org/markup-compatibility/2006" xmlns:mv="urn:schemas-microsoft-com:mac:vml" xmlns:p="http://schemas.openxmlformats.org/presentationml/2006/main" xmlns:c="http://schemas.openxmlformats.org/drawingml/2006/chart" xmlns:dgm="http://schemas.openxmlformats.org/drawingml/2006/diagram" xmlns:o="urn:schemas-microsoft-com:office:office" xmlns:v="urn:schemas-microsoft-com:vml" xmlns:pvml="urn:schemas-microsoft-com:office:powerpoint" xmlns:com="http://schemas.openxmlformats.org/drawingml/2006/compatibility" xmlns:p14="http://schemas.microsoft.com/office/powerpoint/2010/main" xmlns:p15="http://schemas.microsoft.com/office/powerpoint/2012/main" xmlns:ahyp="http://schemas.microsoft.com/office/drawing/2018/hyperlinkcolor">
   <p:cSld>
     <p:spTree>
       <p:nvGrpSpPr>
-        <p:cNvPr id="100" name="Shape 100"/>
+        <p:cNvPr id="172" name="Shape 172"/>
         <p:cNvGrpSpPr/>
         <p:nvPr/>
       </p:nvGrpSpPr>
@@ -8466,7 +9933,195 @@
       </p:grpSpPr>
       <p:sp>
         <p:nvSpPr>
-          <p:cNvPr id="101" name="Google Shape;101;p19"/>
+          <p:cNvPr id="173" name="Google Shape;173;p27"/>
+          <p:cNvSpPr txBox="1"/>
+          <p:nvPr>
+            <p:ph type="title"/>
+          </p:nvPr>
+        </p:nvSpPr>
+        <p:spPr>
+          <a:xfrm>
+            <a:off x="387900" y="458025"/>
+            <a:ext cx="8368200" cy="686100"/>
+          </a:xfrm>
+          <a:prstGeom prst="rect">
+            <a:avLst/>
+          </a:prstGeom>
+        </p:spPr>
+        <p:txBody>
+          <a:bodyPr anchorCtr="0" anchor="b" bIns="91425" lIns="91425" spcFirstLastPara="1" rIns="91425" wrap="square" tIns="91425">
+            <a:normAutofit/>
+          </a:bodyPr>
+          <a:lstStyle/>
+          <a:p>
+            <a:pPr indent="0" lvl="0" marL="0" rtl="0" algn="l">
+              <a:spcBef>
+                <a:spcPts val="0"/>
+              </a:spcBef>
+              <a:spcAft>
+                <a:spcPts val="0"/>
+              </a:spcAft>
+              <a:buNone/>
+            </a:pPr>
+            <a:r>
+              <a:rPr lang="en"/>
+              <a:t>Future Work</a:t>
+            </a:r>
+            <a:endParaRPr/>
+          </a:p>
+        </p:txBody>
+      </p:sp>
+      <p:sp>
+        <p:nvSpPr>
+          <p:cNvPr id="174" name="Google Shape;174;p27"/>
+          <p:cNvSpPr txBox="1"/>
+          <p:nvPr>
+            <p:ph idx="1" type="body"/>
+          </p:nvPr>
+        </p:nvSpPr>
+        <p:spPr>
+          <a:xfrm>
+            <a:off x="387900" y="1489824"/>
+            <a:ext cx="8368200" cy="3078900"/>
+          </a:xfrm>
+          <a:prstGeom prst="rect">
+            <a:avLst/>
+          </a:prstGeom>
+        </p:spPr>
+        <p:txBody>
+          <a:bodyPr anchorCtr="0" anchor="t" bIns="91425" lIns="91425" spcFirstLastPara="1" rIns="91425" wrap="square" tIns="91425">
+            <a:normAutofit/>
+          </a:bodyPr>
+          <a:lstStyle/>
+          <a:p>
+            <a:pPr indent="-342900" lvl="0" marL="457200" rtl="0" algn="l">
+              <a:spcBef>
+                <a:spcPts val="0"/>
+              </a:spcBef>
+              <a:spcAft>
+                <a:spcPts val="0"/>
+              </a:spcAft>
+              <a:buSzPts val="1800"/>
+              <a:buChar char="●"/>
+            </a:pPr>
+            <a:r>
+              <a:rPr lang="en"/>
+              <a:t>Compare different </a:t>
+            </a:r>
+            <a:r>
+              <a:rPr lang="en"/>
+              <a:t>optimization</a:t>
+            </a:r>
+            <a:r>
+              <a:rPr lang="en"/>
+              <a:t> algorithms and see which ones are significantly improves</a:t>
+            </a:r>
+            <a:endParaRPr/>
+          </a:p>
+          <a:p>
+            <a:pPr indent="-342900" lvl="0" marL="457200" rtl="0" algn="l">
+              <a:spcBef>
+                <a:spcPts val="0"/>
+              </a:spcBef>
+              <a:spcAft>
+                <a:spcPts val="0"/>
+              </a:spcAft>
+              <a:buSzPts val="1800"/>
+              <a:buChar char="●"/>
+            </a:pPr>
+            <a:r>
+              <a:rPr lang="en"/>
+              <a:t>Add learning from this experiment to other leaf diseases</a:t>
+            </a:r>
+            <a:endParaRPr/>
+          </a:p>
+          <a:p>
+            <a:pPr indent="-342900" lvl="0" marL="457200" rtl="0" algn="l">
+              <a:spcBef>
+                <a:spcPts val="0"/>
+              </a:spcBef>
+              <a:spcAft>
+                <a:spcPts val="0"/>
+              </a:spcAft>
+              <a:buSzPts val="1800"/>
+              <a:buChar char="●"/>
+            </a:pPr>
+            <a:r>
+              <a:rPr lang="en"/>
+              <a:t>Add different types of fruit or vegetable leafs and apply the learning of this model there and see the difference it makes</a:t>
+            </a:r>
+            <a:endParaRPr/>
+          </a:p>
+        </p:txBody>
+      </p:sp>
+      <p:sp>
+        <p:nvSpPr>
+          <p:cNvPr id="175" name="Google Shape;175;p27"/>
+          <p:cNvSpPr txBox="1"/>
+          <p:nvPr>
+            <p:ph idx="12" type="sldNum"/>
+          </p:nvPr>
+        </p:nvSpPr>
+        <p:spPr>
+          <a:xfrm>
+            <a:off x="8472458" y="4663217"/>
+            <a:ext cx="548700" cy="393600"/>
+          </a:xfrm>
+          <a:prstGeom prst="rect">
+            <a:avLst/>
+          </a:prstGeom>
+        </p:spPr>
+        <p:txBody>
+          <a:bodyPr anchorCtr="0" anchor="ctr" bIns="91425" lIns="91425" spcFirstLastPara="1" rIns="91425" wrap="square" tIns="91425">
+            <a:normAutofit/>
+          </a:bodyPr>
+          <a:lstStyle/>
+          <a:p>
+            <a:pPr indent="0" lvl="0" marL="0" rtl="0" algn="r">
+              <a:spcBef>
+                <a:spcPts val="0"/>
+              </a:spcBef>
+              <a:spcAft>
+                <a:spcPts val="0"/>
+              </a:spcAft>
+              <a:buNone/>
+            </a:pPr>
+            <a:fld id="{00000000-1234-1234-1234-123412341234}" type="slidenum">
+              <a:rPr lang="en"/>
+              <a:t>‹#›</a:t>
+            </a:fld>
+            <a:endParaRPr/>
+          </a:p>
+        </p:txBody>
+      </p:sp>
+    </p:spTree>
+  </p:cSld>
+  <p:clrMapOvr>
+    <a:masterClrMapping/>
+  </p:clrMapOvr>
+</p:sld>
+</file>
+
+<file path=ppt/slides/slide16.xml><?xml version="1.0" encoding="utf-8"?>
+<p:sld xmlns:a="http://schemas.openxmlformats.org/drawingml/2006/main" xmlns:r="http://schemas.openxmlformats.org/officeDocument/2006/relationships" xmlns:mc="http://schemas.openxmlformats.org/markup-compatibility/2006" xmlns:mv="urn:schemas-microsoft-com:mac:vml" xmlns:p="http://schemas.openxmlformats.org/presentationml/2006/main" xmlns:c="http://schemas.openxmlformats.org/drawingml/2006/chart" xmlns:dgm="http://schemas.openxmlformats.org/drawingml/2006/diagram" xmlns:o="urn:schemas-microsoft-com:office:office" xmlns:v="urn:schemas-microsoft-com:vml" xmlns:pvml="urn:schemas-microsoft-com:office:powerpoint" xmlns:com="http://schemas.openxmlformats.org/drawingml/2006/compatibility" xmlns:p14="http://schemas.microsoft.com/office/powerpoint/2010/main" xmlns:p15="http://schemas.microsoft.com/office/powerpoint/2012/main" xmlns:ahyp="http://schemas.microsoft.com/office/drawing/2018/hyperlinkcolor">
+  <p:cSld>
+    <p:spTree>
+      <p:nvGrpSpPr>
+        <p:cNvPr id="179" name="Shape 179"/>
+        <p:cNvGrpSpPr/>
+        <p:nvPr/>
+      </p:nvGrpSpPr>
+      <p:grpSpPr>
+        <a:xfrm>
+          <a:off x="0" y="0"/>
+          <a:ext cx="0" cy="0"/>
+          <a:chOff x="0" y="0"/>
+          <a:chExt cx="0" cy="0"/>
+        </a:xfrm>
+      </p:grpSpPr>
+      <p:sp>
+        <p:nvSpPr>
+          <p:cNvPr id="180" name="Google Shape;180;p28"/>
           <p:cNvSpPr txBox="1"/>
           <p:nvPr>
             <p:ph type="title"/>
@@ -8506,7 +10161,7 @@
       </p:sp>
       <p:sp>
         <p:nvSpPr>
-          <p:cNvPr id="102" name="Google Shape;102;p19"/>
+          <p:cNvPr id="181" name="Google Shape;181;p28"/>
           <p:cNvSpPr txBox="1"/>
           <p:nvPr>
             <p:ph idx="1" type="body"/>
@@ -8554,6 +10209,46 @@
           </a:p>
         </p:txBody>
       </p:sp>
+      <p:sp>
+        <p:nvSpPr>
+          <p:cNvPr id="182" name="Google Shape;182;p28"/>
+          <p:cNvSpPr txBox="1"/>
+          <p:nvPr>
+            <p:ph idx="12" type="sldNum"/>
+          </p:nvPr>
+        </p:nvSpPr>
+        <p:spPr>
+          <a:xfrm>
+            <a:off x="8472458" y="4663217"/>
+            <a:ext cx="548700" cy="393600"/>
+          </a:xfrm>
+          <a:prstGeom prst="rect">
+            <a:avLst/>
+          </a:prstGeom>
+        </p:spPr>
+        <p:txBody>
+          <a:bodyPr anchorCtr="0" anchor="ctr" bIns="91425" lIns="91425" spcFirstLastPara="1" rIns="91425" wrap="square" tIns="91425">
+            <a:normAutofit/>
+          </a:bodyPr>
+          <a:lstStyle/>
+          <a:p>
+            <a:pPr indent="0" lvl="0" marL="0" rtl="0" algn="r">
+              <a:spcBef>
+                <a:spcPts val="0"/>
+              </a:spcBef>
+              <a:spcAft>
+                <a:spcPts val="0"/>
+              </a:spcAft>
+              <a:buNone/>
+            </a:pPr>
+            <a:fld id="{00000000-1234-1234-1234-123412341234}" type="slidenum">
+              <a:rPr lang="en"/>
+              <a:t>‹#›</a:t>
+            </a:fld>
+            <a:endParaRPr/>
+          </a:p>
+        </p:txBody>
+      </p:sp>
     </p:spTree>
   </p:cSld>
   <p:clrMapOvr>
@@ -8562,12 +10257,12 @@
 </p:sld>
 </file>
 
-<file path=ppt/slides/slide8.xml><?xml version="1.0" encoding="utf-8"?>
+<file path=ppt/slides/slide17.xml><?xml version="1.0" encoding="utf-8"?>
 <p:sld xmlns:a="http://schemas.openxmlformats.org/drawingml/2006/main" xmlns:r="http://schemas.openxmlformats.org/officeDocument/2006/relationships" xmlns:mc="http://schemas.openxmlformats.org/markup-compatibility/2006" xmlns:mv="urn:schemas-microsoft-com:mac:vml" xmlns:p="http://schemas.openxmlformats.org/presentationml/2006/main" xmlns:c="http://schemas.openxmlformats.org/drawingml/2006/chart" xmlns:dgm="http://schemas.openxmlformats.org/drawingml/2006/diagram" xmlns:o="urn:schemas-microsoft-com:office:office" xmlns:v="urn:schemas-microsoft-com:vml" xmlns:pvml="urn:schemas-microsoft-com:office:powerpoint" xmlns:com="http://schemas.openxmlformats.org/drawingml/2006/compatibility" xmlns:p14="http://schemas.microsoft.com/office/powerpoint/2010/main" xmlns:p15="http://schemas.microsoft.com/office/powerpoint/2012/main" xmlns:ahyp="http://schemas.microsoft.com/office/drawing/2018/hyperlinkcolor">
   <p:cSld>
     <p:spTree>
       <p:nvGrpSpPr>
-        <p:cNvPr id="106" name="Shape 106"/>
+        <p:cNvPr id="186" name="Shape 186"/>
         <p:cNvGrpSpPr/>
         <p:nvPr/>
       </p:nvGrpSpPr>
@@ -8581,7 +10276,7 @@
       </p:grpSpPr>
       <p:sp>
         <p:nvSpPr>
-          <p:cNvPr id="107" name="Google Shape;107;p20"/>
+          <p:cNvPr id="187" name="Google Shape;187;p29"/>
           <p:cNvSpPr txBox="1"/>
           <p:nvPr>
             <p:ph type="title"/>
@@ -8621,7 +10316,7 @@
       </p:sp>
       <p:sp>
         <p:nvSpPr>
-          <p:cNvPr id="108" name="Google Shape;108;p20"/>
+          <p:cNvPr id="188" name="Google Shape;188;p29"/>
           <p:cNvSpPr txBox="1"/>
           <p:nvPr>
             <p:ph idx="1" type="body"/>
@@ -8869,6 +10564,1810 @@
           </a:p>
         </p:txBody>
       </p:sp>
+      <p:sp>
+        <p:nvSpPr>
+          <p:cNvPr id="189" name="Google Shape;189;p29"/>
+          <p:cNvSpPr txBox="1"/>
+          <p:nvPr>
+            <p:ph idx="12" type="sldNum"/>
+          </p:nvPr>
+        </p:nvSpPr>
+        <p:spPr>
+          <a:xfrm>
+            <a:off x="8472458" y="4663217"/>
+            <a:ext cx="548700" cy="393600"/>
+          </a:xfrm>
+          <a:prstGeom prst="rect">
+            <a:avLst/>
+          </a:prstGeom>
+        </p:spPr>
+        <p:txBody>
+          <a:bodyPr anchorCtr="0" anchor="ctr" bIns="91425" lIns="91425" spcFirstLastPara="1" rIns="91425" wrap="square" tIns="91425">
+            <a:normAutofit/>
+          </a:bodyPr>
+          <a:lstStyle/>
+          <a:p>
+            <a:pPr indent="0" lvl="0" marL="0" rtl="0" algn="r">
+              <a:spcBef>
+                <a:spcPts val="0"/>
+              </a:spcBef>
+              <a:spcAft>
+                <a:spcPts val="0"/>
+              </a:spcAft>
+              <a:buNone/>
+            </a:pPr>
+            <a:fld id="{00000000-1234-1234-1234-123412341234}" type="slidenum">
+              <a:rPr lang="en"/>
+              <a:t>‹#›</a:t>
+            </a:fld>
+            <a:endParaRPr/>
+          </a:p>
+        </p:txBody>
+      </p:sp>
+    </p:spTree>
+  </p:cSld>
+  <p:clrMapOvr>
+    <a:masterClrMapping/>
+  </p:clrMapOvr>
+</p:sld>
+</file>
+
+<file path=ppt/slides/slide18.xml><?xml version="1.0" encoding="utf-8"?>
+<p:sld xmlns:a="http://schemas.openxmlformats.org/drawingml/2006/main" xmlns:r="http://schemas.openxmlformats.org/officeDocument/2006/relationships" xmlns:mc="http://schemas.openxmlformats.org/markup-compatibility/2006" xmlns:mv="urn:schemas-microsoft-com:mac:vml" xmlns:p="http://schemas.openxmlformats.org/presentationml/2006/main" xmlns:c="http://schemas.openxmlformats.org/drawingml/2006/chart" xmlns:dgm="http://schemas.openxmlformats.org/drawingml/2006/diagram" xmlns:o="urn:schemas-microsoft-com:office:office" xmlns:v="urn:schemas-microsoft-com:vml" xmlns:pvml="urn:schemas-microsoft-com:office:powerpoint" xmlns:com="http://schemas.openxmlformats.org/drawingml/2006/compatibility" xmlns:p14="http://schemas.microsoft.com/office/powerpoint/2010/main" xmlns:p15="http://schemas.microsoft.com/office/powerpoint/2012/main" xmlns:ahyp="http://schemas.microsoft.com/office/drawing/2018/hyperlinkcolor">
+  <p:cSld>
+    <p:spTree>
+      <p:nvGrpSpPr>
+        <p:cNvPr id="193" name="Shape 193"/>
+        <p:cNvGrpSpPr/>
+        <p:nvPr/>
+      </p:nvGrpSpPr>
+      <p:grpSpPr>
+        <a:xfrm>
+          <a:off x="0" y="0"/>
+          <a:ext cx="0" cy="0"/>
+          <a:chOff x="0" y="0"/>
+          <a:chExt cx="0" cy="0"/>
+        </a:xfrm>
+      </p:grpSpPr>
+      <p:sp>
+        <p:nvSpPr>
+          <p:cNvPr id="194" name="Google Shape;194;p30"/>
+          <p:cNvSpPr txBox="1"/>
+          <p:nvPr>
+            <p:ph type="title"/>
+          </p:nvPr>
+        </p:nvSpPr>
+        <p:spPr>
+          <a:xfrm>
+            <a:off x="387900" y="458025"/>
+            <a:ext cx="8368200" cy="686100"/>
+          </a:xfrm>
+          <a:prstGeom prst="rect">
+            <a:avLst/>
+          </a:prstGeom>
+        </p:spPr>
+        <p:txBody>
+          <a:bodyPr anchorCtr="0" anchor="b" bIns="91425" lIns="91425" spcFirstLastPara="1" rIns="91425" wrap="square" tIns="91425">
+            <a:normAutofit/>
+          </a:bodyPr>
+          <a:lstStyle/>
+          <a:p>
+            <a:pPr indent="0" lvl="0" marL="0" rtl="0" algn="l">
+              <a:spcBef>
+                <a:spcPts val="0"/>
+              </a:spcBef>
+              <a:spcAft>
+                <a:spcPts val="0"/>
+              </a:spcAft>
+              <a:buNone/>
+            </a:pPr>
+            <a:r>
+              <a:rPr lang="en"/>
+              <a:t> </a:t>
+            </a:r>
+            <a:endParaRPr/>
+          </a:p>
+        </p:txBody>
+      </p:sp>
+      <p:sp>
+        <p:nvSpPr>
+          <p:cNvPr id="195" name="Google Shape;195;p30"/>
+          <p:cNvSpPr txBox="1"/>
+          <p:nvPr>
+            <p:ph idx="1" type="body"/>
+          </p:nvPr>
+        </p:nvSpPr>
+        <p:spPr>
+          <a:xfrm>
+            <a:off x="387900" y="1032299"/>
+            <a:ext cx="8368200" cy="3078900"/>
+          </a:xfrm>
+          <a:prstGeom prst="rect">
+            <a:avLst/>
+          </a:prstGeom>
+        </p:spPr>
+        <p:txBody>
+          <a:bodyPr anchorCtr="0" anchor="ctr" bIns="91425" lIns="91425" spcFirstLastPara="1" rIns="91425" wrap="square" tIns="91425">
+            <a:normAutofit/>
+          </a:bodyPr>
+          <a:lstStyle/>
+          <a:p>
+            <a:pPr indent="0" lvl="0" marL="0" rtl="0" algn="ctr">
+              <a:spcBef>
+                <a:spcPts val="0"/>
+              </a:spcBef>
+              <a:spcAft>
+                <a:spcPts val="1200"/>
+              </a:spcAft>
+              <a:buNone/>
+            </a:pPr>
+            <a:r>
+              <a:rPr lang="en"/>
+              <a:t>Thank You!!</a:t>
+            </a:r>
+            <a:endParaRPr/>
+          </a:p>
+        </p:txBody>
+      </p:sp>
+      <p:sp>
+        <p:nvSpPr>
+          <p:cNvPr id="196" name="Google Shape;196;p30"/>
+          <p:cNvSpPr txBox="1"/>
+          <p:nvPr>
+            <p:ph idx="12" type="sldNum"/>
+          </p:nvPr>
+        </p:nvSpPr>
+        <p:spPr>
+          <a:xfrm>
+            <a:off x="8472458" y="4663217"/>
+            <a:ext cx="548700" cy="393600"/>
+          </a:xfrm>
+          <a:prstGeom prst="rect">
+            <a:avLst/>
+          </a:prstGeom>
+        </p:spPr>
+        <p:txBody>
+          <a:bodyPr anchorCtr="0" anchor="ctr" bIns="91425" lIns="91425" spcFirstLastPara="1" rIns="91425" wrap="square" tIns="91425">
+            <a:normAutofit/>
+          </a:bodyPr>
+          <a:lstStyle/>
+          <a:p>
+            <a:pPr indent="0" lvl="0" marL="0" rtl="0" algn="r">
+              <a:spcBef>
+                <a:spcPts val="0"/>
+              </a:spcBef>
+              <a:spcAft>
+                <a:spcPts val="0"/>
+              </a:spcAft>
+              <a:buNone/>
+            </a:pPr>
+            <a:fld id="{00000000-1234-1234-1234-123412341234}" type="slidenum">
+              <a:rPr lang="en"/>
+              <a:t>‹#›</a:t>
+            </a:fld>
+            <a:endParaRPr/>
+          </a:p>
+        </p:txBody>
+      </p:sp>
+    </p:spTree>
+  </p:cSld>
+  <p:clrMapOvr>
+    <a:masterClrMapping/>
+  </p:clrMapOvr>
+</p:sld>
+</file>
+
+<file path=ppt/slides/slide2.xml><?xml version="1.0" encoding="utf-8"?>
+<p:sld xmlns:a="http://schemas.openxmlformats.org/drawingml/2006/main" xmlns:r="http://schemas.openxmlformats.org/officeDocument/2006/relationships" xmlns:mc="http://schemas.openxmlformats.org/markup-compatibility/2006" xmlns:mv="urn:schemas-microsoft-com:mac:vml" xmlns:p="http://schemas.openxmlformats.org/presentationml/2006/main" xmlns:c="http://schemas.openxmlformats.org/drawingml/2006/chart" xmlns:dgm="http://schemas.openxmlformats.org/drawingml/2006/diagram" xmlns:o="urn:schemas-microsoft-com:office:office" xmlns:v="urn:schemas-microsoft-com:vml" xmlns:pvml="urn:schemas-microsoft-com:office:powerpoint" xmlns:com="http://schemas.openxmlformats.org/drawingml/2006/compatibility" xmlns:p14="http://schemas.microsoft.com/office/powerpoint/2010/main" xmlns:p15="http://schemas.microsoft.com/office/powerpoint/2012/main" xmlns:ahyp="http://schemas.microsoft.com/office/drawing/2018/hyperlinkcolor">
+  <p:cSld>
+    <p:spTree>
+      <p:nvGrpSpPr>
+        <p:cNvPr id="69" name="Shape 69"/>
+        <p:cNvGrpSpPr/>
+        <p:nvPr/>
+      </p:nvGrpSpPr>
+      <p:grpSpPr>
+        <a:xfrm>
+          <a:off x="0" y="0"/>
+          <a:ext cx="0" cy="0"/>
+          <a:chOff x="0" y="0"/>
+          <a:chExt cx="0" cy="0"/>
+        </a:xfrm>
+      </p:grpSpPr>
+      <p:sp>
+        <p:nvSpPr>
+          <p:cNvPr id="70" name="Google Shape;70;p14"/>
+          <p:cNvSpPr txBox="1"/>
+          <p:nvPr>
+            <p:ph type="title"/>
+          </p:nvPr>
+        </p:nvSpPr>
+        <p:spPr>
+          <a:xfrm>
+            <a:off x="387900" y="458025"/>
+            <a:ext cx="8368200" cy="686100"/>
+          </a:xfrm>
+          <a:prstGeom prst="rect">
+            <a:avLst/>
+          </a:prstGeom>
+        </p:spPr>
+        <p:txBody>
+          <a:bodyPr anchorCtr="0" anchor="b" bIns="91425" lIns="91425" spcFirstLastPara="1" rIns="91425" wrap="square" tIns="91425">
+            <a:normAutofit/>
+          </a:bodyPr>
+          <a:lstStyle/>
+          <a:p>
+            <a:pPr indent="0" lvl="0" marL="0" rtl="0" algn="l">
+              <a:spcBef>
+                <a:spcPts val="0"/>
+              </a:spcBef>
+              <a:spcAft>
+                <a:spcPts val="0"/>
+              </a:spcAft>
+              <a:buNone/>
+            </a:pPr>
+            <a:r>
+              <a:rPr lang="en"/>
+              <a:t>Topics</a:t>
+            </a:r>
+            <a:endParaRPr/>
+          </a:p>
+        </p:txBody>
+      </p:sp>
+      <p:sp>
+        <p:nvSpPr>
+          <p:cNvPr id="71" name="Google Shape;71;p14"/>
+          <p:cNvSpPr txBox="1"/>
+          <p:nvPr>
+            <p:ph idx="1" type="body"/>
+          </p:nvPr>
+        </p:nvSpPr>
+        <p:spPr>
+          <a:xfrm>
+            <a:off x="387900" y="1489824"/>
+            <a:ext cx="8368200" cy="3078900"/>
+          </a:xfrm>
+          <a:prstGeom prst="rect">
+            <a:avLst/>
+          </a:prstGeom>
+        </p:spPr>
+        <p:txBody>
+          <a:bodyPr anchorCtr="0" anchor="t" bIns="91425" lIns="91425" spcFirstLastPara="1" rIns="91425" wrap="square" tIns="91425">
+            <a:normAutofit/>
+          </a:bodyPr>
+          <a:lstStyle/>
+          <a:p>
+            <a:pPr indent="-342900" lvl="0" marL="457200" rtl="0" algn="l">
+              <a:spcBef>
+                <a:spcPts val="0"/>
+              </a:spcBef>
+              <a:spcAft>
+                <a:spcPts val="0"/>
+              </a:spcAft>
+              <a:buSzPts val="1800"/>
+              <a:buChar char="●"/>
+            </a:pPr>
+            <a:r>
+              <a:rPr lang="en"/>
+              <a:t>Introduction</a:t>
+            </a:r>
+            <a:endParaRPr/>
+          </a:p>
+          <a:p>
+            <a:pPr indent="-342900" lvl="0" marL="457200" rtl="0" algn="l">
+              <a:spcBef>
+                <a:spcPts val="0"/>
+              </a:spcBef>
+              <a:spcAft>
+                <a:spcPts val="0"/>
+              </a:spcAft>
+              <a:buSzPts val="1800"/>
+              <a:buChar char="●"/>
+            </a:pPr>
+            <a:r>
+              <a:rPr lang="en"/>
+              <a:t>Related Work</a:t>
+            </a:r>
+            <a:endParaRPr/>
+          </a:p>
+          <a:p>
+            <a:pPr indent="-342900" lvl="0" marL="457200" rtl="0" algn="l">
+              <a:spcBef>
+                <a:spcPts val="0"/>
+              </a:spcBef>
+              <a:spcAft>
+                <a:spcPts val="0"/>
+              </a:spcAft>
+              <a:buSzPts val="1800"/>
+              <a:buChar char="●"/>
+            </a:pPr>
+            <a:r>
+              <a:rPr lang="en"/>
+              <a:t>Dataset</a:t>
+            </a:r>
+            <a:endParaRPr/>
+          </a:p>
+          <a:p>
+            <a:pPr indent="-342900" lvl="0" marL="457200" rtl="0" algn="l">
+              <a:spcBef>
+                <a:spcPts val="0"/>
+              </a:spcBef>
+              <a:spcAft>
+                <a:spcPts val="0"/>
+              </a:spcAft>
+              <a:buSzPts val="1800"/>
+              <a:buChar char="●"/>
+            </a:pPr>
+            <a:r>
+              <a:rPr lang="en"/>
+              <a:t>Methodology</a:t>
+            </a:r>
+            <a:endParaRPr/>
+          </a:p>
+          <a:p>
+            <a:pPr indent="-342900" lvl="0" marL="457200" rtl="0" algn="l">
+              <a:spcBef>
+                <a:spcPts val="0"/>
+              </a:spcBef>
+              <a:spcAft>
+                <a:spcPts val="0"/>
+              </a:spcAft>
+              <a:buSzPts val="1800"/>
+              <a:buChar char="●"/>
+            </a:pPr>
+            <a:r>
+              <a:rPr lang="en"/>
+              <a:t>Result</a:t>
+            </a:r>
+            <a:endParaRPr/>
+          </a:p>
+          <a:p>
+            <a:pPr indent="-342900" lvl="0" marL="457200" rtl="0" algn="l">
+              <a:spcBef>
+                <a:spcPts val="0"/>
+              </a:spcBef>
+              <a:spcAft>
+                <a:spcPts val="0"/>
+              </a:spcAft>
+              <a:buSzPts val="1800"/>
+              <a:buChar char="●"/>
+            </a:pPr>
+            <a:r>
+              <a:rPr lang="en"/>
+              <a:t>Limitation</a:t>
+            </a:r>
+            <a:endParaRPr/>
+          </a:p>
+          <a:p>
+            <a:pPr indent="-342900" lvl="0" marL="457200" rtl="0" algn="l">
+              <a:spcBef>
+                <a:spcPts val="0"/>
+              </a:spcBef>
+              <a:spcAft>
+                <a:spcPts val="0"/>
+              </a:spcAft>
+              <a:buSzPts val="1800"/>
+              <a:buChar char="●"/>
+            </a:pPr>
+            <a:r>
+              <a:rPr lang="en"/>
+              <a:t>Future Work</a:t>
+            </a:r>
+            <a:endParaRPr/>
+          </a:p>
+          <a:p>
+            <a:pPr indent="-342900" lvl="0" marL="457200" rtl="0" algn="l">
+              <a:spcBef>
+                <a:spcPts val="0"/>
+              </a:spcBef>
+              <a:spcAft>
+                <a:spcPts val="0"/>
+              </a:spcAft>
+              <a:buSzPts val="1800"/>
+              <a:buChar char="●"/>
+            </a:pPr>
+            <a:r>
+              <a:rPr lang="en"/>
+              <a:t>Conclusion</a:t>
+            </a:r>
+            <a:endParaRPr/>
+          </a:p>
+          <a:p>
+            <a:pPr indent="-342900" lvl="0" marL="457200" rtl="0" algn="l">
+              <a:spcBef>
+                <a:spcPts val="0"/>
+              </a:spcBef>
+              <a:spcAft>
+                <a:spcPts val="0"/>
+              </a:spcAft>
+              <a:buSzPts val="1800"/>
+              <a:buChar char="●"/>
+            </a:pPr>
+            <a:r>
+              <a:rPr lang="en"/>
+              <a:t>Reference</a:t>
+            </a:r>
+            <a:endParaRPr/>
+          </a:p>
+        </p:txBody>
+      </p:sp>
+      <p:sp>
+        <p:nvSpPr>
+          <p:cNvPr id="72" name="Google Shape;72;p14"/>
+          <p:cNvSpPr txBox="1"/>
+          <p:nvPr>
+            <p:ph idx="12" type="sldNum"/>
+          </p:nvPr>
+        </p:nvSpPr>
+        <p:spPr>
+          <a:xfrm>
+            <a:off x="8472458" y="4663217"/>
+            <a:ext cx="548700" cy="393600"/>
+          </a:xfrm>
+          <a:prstGeom prst="rect">
+            <a:avLst/>
+          </a:prstGeom>
+        </p:spPr>
+        <p:txBody>
+          <a:bodyPr anchorCtr="0" anchor="ctr" bIns="91425" lIns="91425" spcFirstLastPara="1" rIns="91425" wrap="square" tIns="91425">
+            <a:normAutofit/>
+          </a:bodyPr>
+          <a:lstStyle/>
+          <a:p>
+            <a:pPr indent="0" lvl="0" marL="0" rtl="0" algn="r">
+              <a:spcBef>
+                <a:spcPts val="0"/>
+              </a:spcBef>
+              <a:spcAft>
+                <a:spcPts val="0"/>
+              </a:spcAft>
+              <a:buNone/>
+            </a:pPr>
+            <a:fld id="{00000000-1234-1234-1234-123412341234}" type="slidenum">
+              <a:rPr lang="en"/>
+              <a:t>‹#›</a:t>
+            </a:fld>
+            <a:endParaRPr/>
+          </a:p>
+        </p:txBody>
+      </p:sp>
+    </p:spTree>
+  </p:cSld>
+  <p:clrMapOvr>
+    <a:masterClrMapping/>
+  </p:clrMapOvr>
+</p:sld>
+</file>
+
+<file path=ppt/slides/slide3.xml><?xml version="1.0" encoding="utf-8"?>
+<p:sld xmlns:a="http://schemas.openxmlformats.org/drawingml/2006/main" xmlns:r="http://schemas.openxmlformats.org/officeDocument/2006/relationships" xmlns:mc="http://schemas.openxmlformats.org/markup-compatibility/2006" xmlns:mv="urn:schemas-microsoft-com:mac:vml" xmlns:p="http://schemas.openxmlformats.org/presentationml/2006/main" xmlns:c="http://schemas.openxmlformats.org/drawingml/2006/chart" xmlns:dgm="http://schemas.openxmlformats.org/drawingml/2006/diagram" xmlns:o="urn:schemas-microsoft-com:office:office" xmlns:v="urn:schemas-microsoft-com:vml" xmlns:pvml="urn:schemas-microsoft-com:office:powerpoint" xmlns:com="http://schemas.openxmlformats.org/drawingml/2006/compatibility" xmlns:p14="http://schemas.microsoft.com/office/powerpoint/2010/main" xmlns:p15="http://schemas.microsoft.com/office/powerpoint/2012/main" xmlns:ahyp="http://schemas.microsoft.com/office/drawing/2018/hyperlinkcolor">
+  <p:cSld>
+    <p:spTree>
+      <p:nvGrpSpPr>
+        <p:cNvPr id="76" name="Shape 76"/>
+        <p:cNvGrpSpPr/>
+        <p:nvPr/>
+      </p:nvGrpSpPr>
+      <p:grpSpPr>
+        <a:xfrm>
+          <a:off x="0" y="0"/>
+          <a:ext cx="0" cy="0"/>
+          <a:chOff x="0" y="0"/>
+          <a:chExt cx="0" cy="0"/>
+        </a:xfrm>
+      </p:grpSpPr>
+      <p:sp>
+        <p:nvSpPr>
+          <p:cNvPr id="77" name="Google Shape;77;p15"/>
+          <p:cNvSpPr txBox="1"/>
+          <p:nvPr>
+            <p:ph type="title"/>
+          </p:nvPr>
+        </p:nvSpPr>
+        <p:spPr>
+          <a:xfrm>
+            <a:off x="387900" y="458025"/>
+            <a:ext cx="8368200" cy="686100"/>
+          </a:xfrm>
+          <a:prstGeom prst="rect">
+            <a:avLst/>
+          </a:prstGeom>
+        </p:spPr>
+        <p:txBody>
+          <a:bodyPr anchorCtr="0" anchor="b" bIns="91425" lIns="91425" spcFirstLastPara="1" rIns="91425" wrap="square" tIns="91425">
+            <a:normAutofit/>
+          </a:bodyPr>
+          <a:lstStyle/>
+          <a:p>
+            <a:pPr indent="0" lvl="0" marL="0" rtl="0" algn="l">
+              <a:spcBef>
+                <a:spcPts val="0"/>
+              </a:spcBef>
+              <a:spcAft>
+                <a:spcPts val="0"/>
+              </a:spcAft>
+              <a:buNone/>
+            </a:pPr>
+            <a:r>
+              <a:rPr lang="en"/>
+              <a:t>Introduction</a:t>
+            </a:r>
+            <a:endParaRPr/>
+          </a:p>
+        </p:txBody>
+      </p:sp>
+      <p:sp>
+        <p:nvSpPr>
+          <p:cNvPr id="78" name="Google Shape;78;p15"/>
+          <p:cNvSpPr txBox="1"/>
+          <p:nvPr>
+            <p:ph idx="1" type="body"/>
+          </p:nvPr>
+        </p:nvSpPr>
+        <p:spPr>
+          <a:xfrm>
+            <a:off x="387900" y="1489824"/>
+            <a:ext cx="8368200" cy="3078900"/>
+          </a:xfrm>
+          <a:prstGeom prst="rect">
+            <a:avLst/>
+          </a:prstGeom>
+        </p:spPr>
+        <p:txBody>
+          <a:bodyPr anchorCtr="0" anchor="t" bIns="91425" lIns="91425" spcFirstLastPara="1" rIns="91425" wrap="square" tIns="91425">
+            <a:normAutofit/>
+          </a:bodyPr>
+          <a:lstStyle/>
+          <a:p>
+            <a:pPr indent="0" lvl="0" marL="0" rtl="0" algn="ctr">
+              <a:spcBef>
+                <a:spcPts val="0"/>
+              </a:spcBef>
+              <a:spcAft>
+                <a:spcPts val="1200"/>
+              </a:spcAft>
+              <a:buNone/>
+            </a:pPr>
+            <a:r>
+              <a:rPr lang="en" sz="1300">
+                <a:latin typeface="Roboto Slab"/>
+                <a:ea typeface="Roboto Slab"/>
+                <a:cs typeface="Roboto Slab"/>
+                <a:sym typeface="Roboto Slab"/>
+              </a:rPr>
+              <a:t>During summer, one of the most demanded fruits in not only Bangladesh but all across the globe is watermelon. It’s harvest can be improved if farmers were able to detect plant disease sooner and treat them.</a:t>
+            </a:r>
+            <a:r>
+              <a:rPr lang="en">
+                <a:latin typeface="Roboto Slab"/>
+                <a:ea typeface="Roboto Slab"/>
+                <a:cs typeface="Roboto Slab"/>
+                <a:sym typeface="Roboto Slab"/>
+              </a:rPr>
+              <a:t> </a:t>
+            </a:r>
+            <a:r>
+              <a:rPr lang="en" sz="1300">
+                <a:latin typeface="Roboto Slab"/>
+                <a:ea typeface="Roboto Slab"/>
+                <a:cs typeface="Roboto Slab"/>
+                <a:sym typeface="Roboto Slab"/>
+              </a:rPr>
+              <a:t>There is already some work being done in this area to automate the process of detecting disease among plants using machine learning, transfer learning, and deep learning approaches. Some common transfer learning models like Inception had 98.01% accuracy in detecting plant diseases. There are also other models like ResNet50 with 98.93% accuracy in some cases. Our goal is to use different transfer learning techniques and </a:t>
+            </a:r>
+            <a:r>
+              <a:rPr lang="en" sz="1300">
+                <a:latin typeface="Roboto Slab"/>
+                <a:ea typeface="Roboto Slab"/>
+                <a:cs typeface="Roboto Slab"/>
+                <a:sym typeface="Roboto Slab"/>
+              </a:rPr>
+              <a:t>explainable</a:t>
+            </a:r>
+            <a:r>
+              <a:rPr lang="en" sz="1300">
+                <a:latin typeface="Roboto Slab"/>
+                <a:ea typeface="Roboto Slab"/>
+                <a:cs typeface="Roboto Slab"/>
+                <a:sym typeface="Roboto Slab"/>
+              </a:rPr>
+              <a:t> AI models to detect watermelon leaf diseases. </a:t>
+            </a:r>
+            <a:endParaRPr>
+              <a:latin typeface="Roboto Slab"/>
+              <a:ea typeface="Roboto Slab"/>
+              <a:cs typeface="Roboto Slab"/>
+              <a:sym typeface="Roboto Slab"/>
+            </a:endParaRPr>
+          </a:p>
+        </p:txBody>
+      </p:sp>
+      <p:sp>
+        <p:nvSpPr>
+          <p:cNvPr id="79" name="Google Shape;79;p15"/>
+          <p:cNvSpPr txBox="1"/>
+          <p:nvPr>
+            <p:ph idx="12" type="sldNum"/>
+          </p:nvPr>
+        </p:nvSpPr>
+        <p:spPr>
+          <a:xfrm>
+            <a:off x="8472458" y="4663217"/>
+            <a:ext cx="548700" cy="393600"/>
+          </a:xfrm>
+          <a:prstGeom prst="rect">
+            <a:avLst/>
+          </a:prstGeom>
+        </p:spPr>
+        <p:txBody>
+          <a:bodyPr anchorCtr="0" anchor="ctr" bIns="91425" lIns="91425" spcFirstLastPara="1" rIns="91425" wrap="square" tIns="91425">
+            <a:normAutofit/>
+          </a:bodyPr>
+          <a:lstStyle/>
+          <a:p>
+            <a:pPr indent="0" lvl="0" marL="0" rtl="0" algn="r">
+              <a:spcBef>
+                <a:spcPts val="0"/>
+              </a:spcBef>
+              <a:spcAft>
+                <a:spcPts val="0"/>
+              </a:spcAft>
+              <a:buNone/>
+            </a:pPr>
+            <a:fld id="{00000000-1234-1234-1234-123412341234}" type="slidenum">
+              <a:rPr lang="en"/>
+              <a:t>‹#›</a:t>
+            </a:fld>
+            <a:endParaRPr/>
+          </a:p>
+        </p:txBody>
+      </p:sp>
+    </p:spTree>
+  </p:cSld>
+  <p:clrMapOvr>
+    <a:masterClrMapping/>
+  </p:clrMapOvr>
+</p:sld>
+</file>
+
+<file path=ppt/slides/slide4.xml><?xml version="1.0" encoding="utf-8"?>
+<p:sld xmlns:a="http://schemas.openxmlformats.org/drawingml/2006/main" xmlns:r="http://schemas.openxmlformats.org/officeDocument/2006/relationships" xmlns:mc="http://schemas.openxmlformats.org/markup-compatibility/2006" xmlns:mv="urn:schemas-microsoft-com:mac:vml" xmlns:p="http://schemas.openxmlformats.org/presentationml/2006/main" xmlns:c="http://schemas.openxmlformats.org/drawingml/2006/chart" xmlns:dgm="http://schemas.openxmlformats.org/drawingml/2006/diagram" xmlns:o="urn:schemas-microsoft-com:office:office" xmlns:v="urn:schemas-microsoft-com:vml" xmlns:pvml="urn:schemas-microsoft-com:office:powerpoint" xmlns:com="http://schemas.openxmlformats.org/drawingml/2006/compatibility" xmlns:p14="http://schemas.microsoft.com/office/powerpoint/2010/main" xmlns:p15="http://schemas.microsoft.com/office/powerpoint/2012/main" xmlns:ahyp="http://schemas.microsoft.com/office/drawing/2018/hyperlinkcolor">
+  <p:cSld>
+    <p:spTree>
+      <p:nvGrpSpPr>
+        <p:cNvPr id="83" name="Shape 83"/>
+        <p:cNvGrpSpPr/>
+        <p:nvPr/>
+      </p:nvGrpSpPr>
+      <p:grpSpPr>
+        <a:xfrm>
+          <a:off x="0" y="0"/>
+          <a:ext cx="0" cy="0"/>
+          <a:chOff x="0" y="0"/>
+          <a:chExt cx="0" cy="0"/>
+        </a:xfrm>
+      </p:grpSpPr>
+      <p:sp>
+        <p:nvSpPr>
+          <p:cNvPr id="84" name="Google Shape;84;p16"/>
+          <p:cNvSpPr txBox="1"/>
+          <p:nvPr>
+            <p:ph type="title"/>
+          </p:nvPr>
+        </p:nvSpPr>
+        <p:spPr>
+          <a:xfrm>
+            <a:off x="387900" y="458025"/>
+            <a:ext cx="8368200" cy="686100"/>
+          </a:xfrm>
+          <a:prstGeom prst="rect">
+            <a:avLst/>
+          </a:prstGeom>
+        </p:spPr>
+        <p:txBody>
+          <a:bodyPr anchorCtr="0" anchor="b" bIns="91425" lIns="91425" spcFirstLastPara="1" rIns="91425" wrap="square" tIns="91425">
+            <a:normAutofit/>
+          </a:bodyPr>
+          <a:lstStyle/>
+          <a:p>
+            <a:pPr indent="0" lvl="0" marL="0" rtl="0" algn="l">
+              <a:spcBef>
+                <a:spcPts val="0"/>
+              </a:spcBef>
+              <a:spcAft>
+                <a:spcPts val="0"/>
+              </a:spcAft>
+              <a:buNone/>
+            </a:pPr>
+            <a:r>
+              <a:rPr lang="en"/>
+              <a:t>Related Work</a:t>
+            </a:r>
+            <a:endParaRPr/>
+          </a:p>
+        </p:txBody>
+      </p:sp>
+      <p:sp>
+        <p:nvSpPr>
+          <p:cNvPr id="85" name="Google Shape;85;p16"/>
+          <p:cNvSpPr txBox="1"/>
+          <p:nvPr>
+            <p:ph idx="1" type="body"/>
+          </p:nvPr>
+        </p:nvSpPr>
+        <p:spPr>
+          <a:xfrm>
+            <a:off x="387900" y="1489824"/>
+            <a:ext cx="8368200" cy="3078900"/>
+          </a:xfrm>
+          <a:prstGeom prst="rect">
+            <a:avLst/>
+          </a:prstGeom>
+        </p:spPr>
+        <p:txBody>
+          <a:bodyPr anchorCtr="0" anchor="t" bIns="91425" lIns="91425" spcFirstLastPara="1" rIns="91425" wrap="square" tIns="91425">
+            <a:normAutofit/>
+          </a:bodyPr>
+          <a:lstStyle/>
+          <a:p>
+            <a:pPr indent="-336550" lvl="0" marL="457200" rtl="0" algn="just">
+              <a:spcBef>
+                <a:spcPts val="0"/>
+              </a:spcBef>
+              <a:spcAft>
+                <a:spcPts val="0"/>
+              </a:spcAft>
+              <a:buSzPts val="1700"/>
+              <a:buFont typeface="Roboto Slab"/>
+              <a:buChar char="●"/>
+            </a:pPr>
+            <a:r>
+              <a:rPr lang="en" sz="1200">
+                <a:latin typeface="Roboto Slab"/>
+                <a:ea typeface="Roboto Slab"/>
+                <a:cs typeface="Roboto Slab"/>
+                <a:sym typeface="Roboto Slab"/>
+              </a:rPr>
+              <a:t>Orchi et al.[1] did an extensive comparative study where he found Inception V3 outperforms other models such as VGG19, VGG16, ResNet50, CNN, SVM, LDA, KNN, RF, NB in </a:t>
+            </a:r>
+            <a:r>
+              <a:rPr lang="en" sz="1200">
+                <a:latin typeface="Roboto Slab"/>
+                <a:ea typeface="Roboto Slab"/>
+                <a:cs typeface="Roboto Slab"/>
+                <a:sym typeface="Roboto Slab"/>
+              </a:rPr>
+              <a:t>detecting crop disease.</a:t>
+            </a:r>
+            <a:endParaRPr sz="1200">
+              <a:latin typeface="Roboto Slab"/>
+              <a:ea typeface="Roboto Slab"/>
+              <a:cs typeface="Roboto Slab"/>
+              <a:sym typeface="Roboto Slab"/>
+            </a:endParaRPr>
+          </a:p>
+          <a:p>
+            <a:pPr indent="-336550" lvl="0" marL="457200" rtl="0" algn="just">
+              <a:spcBef>
+                <a:spcPts val="0"/>
+              </a:spcBef>
+              <a:spcAft>
+                <a:spcPts val="0"/>
+              </a:spcAft>
+              <a:buSzPts val="1700"/>
+              <a:buFont typeface="Roboto Slab"/>
+              <a:buChar char="●"/>
+            </a:pPr>
+            <a:r>
+              <a:rPr lang="en" sz="1200">
+                <a:latin typeface="Roboto Slab"/>
+                <a:ea typeface="Roboto Slab"/>
+                <a:cs typeface="Roboto Slab"/>
+                <a:sym typeface="Roboto Slab"/>
+              </a:rPr>
+              <a:t>Uguz et al.[2] compared the accuracy of the VGG transfer learning models with their own proposed model according to the change of optimization algorithms.</a:t>
+            </a:r>
+            <a:endParaRPr sz="1200">
+              <a:latin typeface="Roboto Slab"/>
+              <a:ea typeface="Roboto Slab"/>
+              <a:cs typeface="Roboto Slab"/>
+              <a:sym typeface="Roboto Slab"/>
+            </a:endParaRPr>
+          </a:p>
+          <a:p>
+            <a:pPr indent="-304800" lvl="0" marL="457200" rtl="0" algn="just">
+              <a:spcBef>
+                <a:spcPts val="0"/>
+              </a:spcBef>
+              <a:spcAft>
+                <a:spcPts val="0"/>
+              </a:spcAft>
+              <a:buSzPts val="1200"/>
+              <a:buFont typeface="Roboto Slab"/>
+              <a:buChar char="●"/>
+            </a:pPr>
+            <a:r>
+              <a:rPr lang="en" sz="1200">
+                <a:latin typeface="Roboto Slab"/>
+                <a:ea typeface="Roboto Slab"/>
+                <a:cs typeface="Roboto Slab"/>
+                <a:sym typeface="Roboto Slab"/>
+              </a:rPr>
+              <a:t>AARIZOU et al.[3] in their study demonstrates the application of transfer learning to the identification of plant diseases on intricate photos through the use of CNN. They concluded that DenseNet121 gave the best accuracy for them.</a:t>
+            </a:r>
+            <a:endParaRPr sz="1200">
+              <a:latin typeface="Roboto Slab"/>
+              <a:ea typeface="Roboto Slab"/>
+              <a:cs typeface="Roboto Slab"/>
+              <a:sym typeface="Roboto Slab"/>
+            </a:endParaRPr>
+          </a:p>
+          <a:p>
+            <a:pPr indent="-304800" lvl="0" marL="457200" rtl="0" algn="just">
+              <a:spcBef>
+                <a:spcPts val="0"/>
+              </a:spcBef>
+              <a:spcAft>
+                <a:spcPts val="0"/>
+              </a:spcAft>
+              <a:buSzPts val="1200"/>
+              <a:buFont typeface="Roboto Slab"/>
+              <a:buChar char="●"/>
+            </a:pPr>
+            <a:r>
+              <a:rPr lang="en" sz="1200">
+                <a:highlight>
+                  <a:schemeClr val="lt1"/>
+                </a:highlight>
+                <a:latin typeface="Roboto Slab"/>
+                <a:ea typeface="Roboto Slab"/>
+                <a:cs typeface="Roboto Slab"/>
+                <a:sym typeface="Roboto Slab"/>
+              </a:rPr>
+              <a:t>Arshad et al.[5] did a study where researchers me­asured the success of Re­sNet50 against VGG16 and MCNN.</a:t>
+            </a:r>
+            <a:r>
+              <a:rPr lang="en" sz="1200">
+                <a:latin typeface="Roboto Slab"/>
+                <a:ea typeface="Roboto Slab"/>
+                <a:cs typeface="Roboto Slab"/>
+                <a:sym typeface="Roboto Slab"/>
+              </a:rPr>
+              <a:t>According to the researchers, ResNet50 tops the­ list in terms of effective­ness.</a:t>
+            </a:r>
+            <a:endParaRPr sz="1200">
+              <a:latin typeface="Roboto Slab"/>
+              <a:ea typeface="Roboto Slab"/>
+              <a:cs typeface="Roboto Slab"/>
+              <a:sym typeface="Roboto Slab"/>
+            </a:endParaRPr>
+          </a:p>
+          <a:p>
+            <a:pPr indent="0" lvl="0" marL="457200" rtl="0" algn="just">
+              <a:spcBef>
+                <a:spcPts val="1200"/>
+              </a:spcBef>
+              <a:spcAft>
+                <a:spcPts val="0"/>
+              </a:spcAft>
+              <a:buNone/>
+            </a:pPr>
+            <a:r>
+              <a:t/>
+            </a:r>
+            <a:endParaRPr sz="1300">
+              <a:solidFill>
+                <a:srgbClr val="000000"/>
+              </a:solidFill>
+              <a:latin typeface="Times New Roman"/>
+              <a:ea typeface="Times New Roman"/>
+              <a:cs typeface="Times New Roman"/>
+              <a:sym typeface="Times New Roman"/>
+            </a:endParaRPr>
+          </a:p>
+        </p:txBody>
+      </p:sp>
+      <p:sp>
+        <p:nvSpPr>
+          <p:cNvPr id="86" name="Google Shape;86;p16"/>
+          <p:cNvSpPr txBox="1"/>
+          <p:nvPr>
+            <p:ph idx="12" type="sldNum"/>
+          </p:nvPr>
+        </p:nvSpPr>
+        <p:spPr>
+          <a:xfrm>
+            <a:off x="8472458" y="4663217"/>
+            <a:ext cx="548700" cy="393600"/>
+          </a:xfrm>
+          <a:prstGeom prst="rect">
+            <a:avLst/>
+          </a:prstGeom>
+        </p:spPr>
+        <p:txBody>
+          <a:bodyPr anchorCtr="0" anchor="ctr" bIns="91425" lIns="91425" spcFirstLastPara="1" rIns="91425" wrap="square" tIns="91425">
+            <a:normAutofit/>
+          </a:bodyPr>
+          <a:lstStyle/>
+          <a:p>
+            <a:pPr indent="0" lvl="0" marL="0" rtl="0" algn="r">
+              <a:spcBef>
+                <a:spcPts val="0"/>
+              </a:spcBef>
+              <a:spcAft>
+                <a:spcPts val="0"/>
+              </a:spcAft>
+              <a:buNone/>
+            </a:pPr>
+            <a:fld id="{00000000-1234-1234-1234-123412341234}" type="slidenum">
+              <a:rPr lang="en"/>
+              <a:t>‹#›</a:t>
+            </a:fld>
+            <a:endParaRPr/>
+          </a:p>
+        </p:txBody>
+      </p:sp>
+    </p:spTree>
+  </p:cSld>
+  <p:clrMapOvr>
+    <a:masterClrMapping/>
+  </p:clrMapOvr>
+</p:sld>
+</file>
+
+<file path=ppt/slides/slide5.xml><?xml version="1.0" encoding="utf-8"?>
+<p:sld xmlns:a="http://schemas.openxmlformats.org/drawingml/2006/main" xmlns:r="http://schemas.openxmlformats.org/officeDocument/2006/relationships" xmlns:mc="http://schemas.openxmlformats.org/markup-compatibility/2006" xmlns:mv="urn:schemas-microsoft-com:mac:vml" xmlns:p="http://schemas.openxmlformats.org/presentationml/2006/main" xmlns:c="http://schemas.openxmlformats.org/drawingml/2006/chart" xmlns:dgm="http://schemas.openxmlformats.org/drawingml/2006/diagram" xmlns:o="urn:schemas-microsoft-com:office:office" xmlns:v="urn:schemas-microsoft-com:vml" xmlns:pvml="urn:schemas-microsoft-com:office:powerpoint" xmlns:com="http://schemas.openxmlformats.org/drawingml/2006/compatibility" xmlns:p14="http://schemas.microsoft.com/office/powerpoint/2010/main" xmlns:p15="http://schemas.microsoft.com/office/powerpoint/2012/main" xmlns:ahyp="http://schemas.microsoft.com/office/drawing/2018/hyperlinkcolor">
+  <p:cSld>
+    <p:spTree>
+      <p:nvGrpSpPr>
+        <p:cNvPr id="90" name="Shape 90"/>
+        <p:cNvGrpSpPr/>
+        <p:nvPr/>
+      </p:nvGrpSpPr>
+      <p:grpSpPr>
+        <a:xfrm>
+          <a:off x="0" y="0"/>
+          <a:ext cx="0" cy="0"/>
+          <a:chOff x="0" y="0"/>
+          <a:chExt cx="0" cy="0"/>
+        </a:xfrm>
+      </p:grpSpPr>
+      <p:sp>
+        <p:nvSpPr>
+          <p:cNvPr id="91" name="Google Shape;91;p17"/>
+          <p:cNvSpPr txBox="1"/>
+          <p:nvPr>
+            <p:ph type="title"/>
+          </p:nvPr>
+        </p:nvSpPr>
+        <p:spPr>
+          <a:xfrm>
+            <a:off x="387900" y="458025"/>
+            <a:ext cx="8368200" cy="686100"/>
+          </a:xfrm>
+          <a:prstGeom prst="rect">
+            <a:avLst/>
+          </a:prstGeom>
+        </p:spPr>
+        <p:txBody>
+          <a:bodyPr anchorCtr="0" anchor="b" bIns="91425" lIns="91425" spcFirstLastPara="1" rIns="91425" wrap="square" tIns="91425">
+            <a:normAutofit/>
+          </a:bodyPr>
+          <a:lstStyle/>
+          <a:p>
+            <a:pPr indent="0" lvl="0" marL="0" rtl="0" algn="l">
+              <a:spcBef>
+                <a:spcPts val="0"/>
+              </a:spcBef>
+              <a:spcAft>
+                <a:spcPts val="0"/>
+              </a:spcAft>
+              <a:buNone/>
+            </a:pPr>
+            <a:r>
+              <a:rPr lang="en"/>
+              <a:t>Dataset</a:t>
+            </a:r>
+            <a:endParaRPr/>
+          </a:p>
+        </p:txBody>
+      </p:sp>
+      <p:sp>
+        <p:nvSpPr>
+          <p:cNvPr id="92" name="Google Shape;92;p17"/>
+          <p:cNvSpPr txBox="1"/>
+          <p:nvPr>
+            <p:ph idx="1" type="body"/>
+          </p:nvPr>
+        </p:nvSpPr>
+        <p:spPr>
+          <a:xfrm>
+            <a:off x="387900" y="1489824"/>
+            <a:ext cx="8368200" cy="3078900"/>
+          </a:xfrm>
+          <a:prstGeom prst="rect">
+            <a:avLst/>
+          </a:prstGeom>
+        </p:spPr>
+        <p:txBody>
+          <a:bodyPr anchorCtr="0" anchor="t" bIns="91425" lIns="91425" spcFirstLastPara="1" rIns="91425" wrap="square" tIns="91425">
+            <a:normAutofit/>
+          </a:bodyPr>
+          <a:lstStyle/>
+          <a:p>
+            <a:pPr indent="-317500" lvl="0" marL="457200" rtl="0" algn="l">
+              <a:spcBef>
+                <a:spcPts val="0"/>
+              </a:spcBef>
+              <a:spcAft>
+                <a:spcPts val="0"/>
+              </a:spcAft>
+              <a:buSzPts val="1400"/>
+              <a:buFont typeface="Roboto Slab"/>
+              <a:buChar char="●"/>
+            </a:pPr>
+            <a:r>
+              <a:rPr lang="en" sz="1400">
+                <a:latin typeface="Roboto Slab"/>
+                <a:ea typeface="Roboto Slab"/>
+                <a:cs typeface="Roboto Slab"/>
+                <a:sym typeface="Roboto Slab"/>
+              </a:rPr>
+              <a:t>Name: </a:t>
+            </a:r>
+            <a:r>
+              <a:rPr lang="en" sz="1400">
+                <a:latin typeface="Roboto Slab"/>
+                <a:ea typeface="Roboto Slab"/>
+                <a:cs typeface="Roboto Slab"/>
+                <a:sym typeface="Roboto Slab"/>
+              </a:rPr>
+              <a:t>Watermelon Disease Recognition Dataset</a:t>
+            </a:r>
+            <a:endParaRPr sz="1400">
+              <a:latin typeface="Roboto Slab"/>
+              <a:ea typeface="Roboto Slab"/>
+              <a:cs typeface="Roboto Slab"/>
+              <a:sym typeface="Roboto Slab"/>
+            </a:endParaRPr>
+          </a:p>
+          <a:p>
+            <a:pPr indent="-317500" lvl="0" marL="457200" rtl="0" algn="l">
+              <a:spcBef>
+                <a:spcPts val="0"/>
+              </a:spcBef>
+              <a:spcAft>
+                <a:spcPts val="0"/>
+              </a:spcAft>
+              <a:buSzPts val="1400"/>
+              <a:buFont typeface="Roboto Slab"/>
+              <a:buChar char="●"/>
+            </a:pPr>
+            <a:r>
+              <a:rPr lang="en" sz="1400">
+                <a:latin typeface="Roboto Slab"/>
+                <a:ea typeface="Roboto Slab"/>
+                <a:cs typeface="Roboto Slab"/>
+                <a:sym typeface="Roboto Slab"/>
+              </a:rPr>
+              <a:t>Size: Number of original images in the dataset is 1155, number of augmentation images is 5775. </a:t>
+            </a:r>
+            <a:endParaRPr sz="1400">
+              <a:latin typeface="Roboto Slab"/>
+              <a:ea typeface="Roboto Slab"/>
+              <a:cs typeface="Roboto Slab"/>
+              <a:sym typeface="Roboto Slab"/>
+            </a:endParaRPr>
+          </a:p>
+          <a:p>
+            <a:pPr indent="-317500" lvl="0" marL="457200" rtl="0" algn="just">
+              <a:spcBef>
+                <a:spcPts val="0"/>
+              </a:spcBef>
+              <a:spcAft>
+                <a:spcPts val="0"/>
+              </a:spcAft>
+              <a:buSzPts val="1400"/>
+              <a:buFont typeface="Roboto Slab"/>
+              <a:buChar char="●"/>
+            </a:pPr>
+            <a:r>
+              <a:rPr lang="en" sz="1400">
+                <a:latin typeface="Roboto Slab"/>
+                <a:ea typeface="Roboto Slab"/>
+                <a:cs typeface="Roboto Slab"/>
+                <a:sym typeface="Roboto Slab"/>
+              </a:rPr>
+              <a:t>4 different categories of leaf images exists which are healthy, anthracnose, downy mildew, mosaic virus.</a:t>
+            </a:r>
+            <a:endParaRPr sz="1400">
+              <a:latin typeface="Roboto Slab"/>
+              <a:ea typeface="Roboto Slab"/>
+              <a:cs typeface="Roboto Slab"/>
+              <a:sym typeface="Roboto Slab"/>
+            </a:endParaRPr>
+          </a:p>
+          <a:p>
+            <a:pPr indent="-317500" lvl="0" marL="457200" rtl="0" algn="just">
+              <a:spcBef>
+                <a:spcPts val="0"/>
+              </a:spcBef>
+              <a:spcAft>
+                <a:spcPts val="0"/>
+              </a:spcAft>
+              <a:buSzPts val="1400"/>
+              <a:buFont typeface="Roboto Slab"/>
+              <a:buChar char="●"/>
+            </a:pPr>
+            <a:r>
+              <a:rPr lang="en" sz="1400">
+                <a:latin typeface="Roboto Slab"/>
+                <a:ea typeface="Roboto Slab"/>
+                <a:cs typeface="Roboto Slab"/>
+                <a:sym typeface="Roboto Slab"/>
+              </a:rPr>
+              <a:t>We used 3 out of 4 categories in augmented images for training our models. </a:t>
+            </a:r>
+            <a:endParaRPr sz="1400">
+              <a:latin typeface="Roboto Slab"/>
+              <a:ea typeface="Roboto Slab"/>
+              <a:cs typeface="Roboto Slab"/>
+              <a:sym typeface="Roboto Slab"/>
+            </a:endParaRPr>
+          </a:p>
+        </p:txBody>
+      </p:sp>
+      <p:sp>
+        <p:nvSpPr>
+          <p:cNvPr id="93" name="Google Shape;93;p17"/>
+          <p:cNvSpPr txBox="1"/>
+          <p:nvPr>
+            <p:ph idx="12" type="sldNum"/>
+          </p:nvPr>
+        </p:nvSpPr>
+        <p:spPr>
+          <a:xfrm>
+            <a:off x="8472458" y="4663217"/>
+            <a:ext cx="548700" cy="393600"/>
+          </a:xfrm>
+          <a:prstGeom prst="rect">
+            <a:avLst/>
+          </a:prstGeom>
+        </p:spPr>
+        <p:txBody>
+          <a:bodyPr anchorCtr="0" anchor="ctr" bIns="91425" lIns="91425" spcFirstLastPara="1" rIns="91425" wrap="square" tIns="91425">
+            <a:normAutofit/>
+          </a:bodyPr>
+          <a:lstStyle/>
+          <a:p>
+            <a:pPr indent="0" lvl="0" marL="0" rtl="0" algn="r">
+              <a:spcBef>
+                <a:spcPts val="0"/>
+              </a:spcBef>
+              <a:spcAft>
+                <a:spcPts val="0"/>
+              </a:spcAft>
+              <a:buNone/>
+            </a:pPr>
+            <a:fld id="{00000000-1234-1234-1234-123412341234}" type="slidenum">
+              <a:rPr lang="en"/>
+              <a:t>‹#›</a:t>
+            </a:fld>
+            <a:endParaRPr/>
+          </a:p>
+        </p:txBody>
+      </p:sp>
+    </p:spTree>
+  </p:cSld>
+  <p:clrMapOvr>
+    <a:masterClrMapping/>
+  </p:clrMapOvr>
+</p:sld>
+</file>
+
+<file path=ppt/slides/slide6.xml><?xml version="1.0" encoding="utf-8"?>
+<p:sld xmlns:a="http://schemas.openxmlformats.org/drawingml/2006/main" xmlns:r="http://schemas.openxmlformats.org/officeDocument/2006/relationships" xmlns:mc="http://schemas.openxmlformats.org/markup-compatibility/2006" xmlns:mv="urn:schemas-microsoft-com:mac:vml" xmlns:p="http://schemas.openxmlformats.org/presentationml/2006/main" xmlns:c="http://schemas.openxmlformats.org/drawingml/2006/chart" xmlns:dgm="http://schemas.openxmlformats.org/drawingml/2006/diagram" xmlns:o="urn:schemas-microsoft-com:office:office" xmlns:v="urn:schemas-microsoft-com:vml" xmlns:pvml="urn:schemas-microsoft-com:office:powerpoint" xmlns:com="http://schemas.openxmlformats.org/drawingml/2006/compatibility" xmlns:p14="http://schemas.microsoft.com/office/powerpoint/2010/main" xmlns:p15="http://schemas.microsoft.com/office/powerpoint/2012/main" xmlns:ahyp="http://schemas.microsoft.com/office/drawing/2018/hyperlinkcolor">
+  <p:cSld>
+    <p:spTree>
+      <p:nvGrpSpPr>
+        <p:cNvPr id="97" name="Shape 97"/>
+        <p:cNvGrpSpPr/>
+        <p:nvPr/>
+      </p:nvGrpSpPr>
+      <p:grpSpPr>
+        <a:xfrm>
+          <a:off x="0" y="0"/>
+          <a:ext cx="0" cy="0"/>
+          <a:chOff x="0" y="0"/>
+          <a:chExt cx="0" cy="0"/>
+        </a:xfrm>
+      </p:grpSpPr>
+      <p:sp>
+        <p:nvSpPr>
+          <p:cNvPr id="98" name="Google Shape;98;p18"/>
+          <p:cNvSpPr txBox="1"/>
+          <p:nvPr>
+            <p:ph type="title"/>
+          </p:nvPr>
+        </p:nvSpPr>
+        <p:spPr>
+          <a:xfrm>
+            <a:off x="387900" y="458025"/>
+            <a:ext cx="8368200" cy="686100"/>
+          </a:xfrm>
+          <a:prstGeom prst="rect">
+            <a:avLst/>
+          </a:prstGeom>
+        </p:spPr>
+        <p:txBody>
+          <a:bodyPr anchorCtr="0" anchor="b" bIns="91425" lIns="91425" spcFirstLastPara="1" rIns="91425" wrap="square" tIns="91425">
+            <a:normAutofit/>
+          </a:bodyPr>
+          <a:lstStyle/>
+          <a:p>
+            <a:pPr indent="0" lvl="0" marL="0" rtl="0" algn="l">
+              <a:spcBef>
+                <a:spcPts val="0"/>
+              </a:spcBef>
+              <a:spcAft>
+                <a:spcPts val="0"/>
+              </a:spcAft>
+              <a:buNone/>
+            </a:pPr>
+            <a:r>
+              <a:rPr lang="en"/>
+              <a:t>Methodology</a:t>
+            </a:r>
+            <a:endParaRPr/>
+          </a:p>
+        </p:txBody>
+      </p:sp>
+      <p:sp>
+        <p:nvSpPr>
+          <p:cNvPr id="99" name="Google Shape;99;p18"/>
+          <p:cNvSpPr txBox="1"/>
+          <p:nvPr>
+            <p:ph idx="1" type="body"/>
+          </p:nvPr>
+        </p:nvSpPr>
+        <p:spPr>
+          <a:xfrm>
+            <a:off x="387900" y="1489824"/>
+            <a:ext cx="8368200" cy="3078900"/>
+          </a:xfrm>
+          <a:prstGeom prst="rect">
+            <a:avLst/>
+          </a:prstGeom>
+        </p:spPr>
+        <p:txBody>
+          <a:bodyPr anchorCtr="0" anchor="t" bIns="91425" lIns="91425" spcFirstLastPara="1" rIns="91425" wrap="square" tIns="91425">
+            <a:normAutofit/>
+          </a:bodyPr>
+          <a:lstStyle/>
+          <a:p>
+            <a:pPr indent="0" lvl="0" marL="0" rtl="0" algn="ctr">
+              <a:spcBef>
+                <a:spcPts val="0"/>
+              </a:spcBef>
+              <a:spcAft>
+                <a:spcPts val="1200"/>
+              </a:spcAft>
+              <a:buNone/>
+            </a:pPr>
+            <a:r>
+              <a:rPr lang="en" sz="1500">
+                <a:latin typeface="Roboto Slab"/>
+                <a:ea typeface="Roboto Slab"/>
+                <a:cs typeface="Roboto Slab"/>
+                <a:sym typeface="Roboto Slab"/>
+              </a:rPr>
+              <a:t>The experiment was divided into two phases. In our first phase, we tried to find the best model among the chosen transfer learning models which are DenseNet201, Inception V3, ResNet50, EfficientNet and lastly MobileNet. After finding the </a:t>
+            </a:r>
+            <a:r>
+              <a:rPr lang="en" sz="1500">
+                <a:latin typeface="Roboto Slab"/>
+                <a:ea typeface="Roboto Slab"/>
+                <a:cs typeface="Roboto Slab"/>
+                <a:sym typeface="Roboto Slab"/>
+              </a:rPr>
+              <a:t>one we combined it with Grad-CAM to see if there were any improvement.</a:t>
+            </a:r>
+            <a:r>
+              <a:rPr lang="en" sz="1500">
+                <a:latin typeface="Roboto Slab"/>
+                <a:ea typeface="Roboto Slab"/>
+                <a:cs typeface="Roboto Slab"/>
+                <a:sym typeface="Roboto Slab"/>
+              </a:rPr>
+              <a:t> </a:t>
+            </a:r>
+            <a:endParaRPr sz="1500">
+              <a:latin typeface="Roboto Slab"/>
+              <a:ea typeface="Roboto Slab"/>
+              <a:cs typeface="Roboto Slab"/>
+              <a:sym typeface="Roboto Slab"/>
+            </a:endParaRPr>
+          </a:p>
+        </p:txBody>
+      </p:sp>
+      <p:sp>
+        <p:nvSpPr>
+          <p:cNvPr id="100" name="Google Shape;100;p18"/>
+          <p:cNvSpPr txBox="1"/>
+          <p:nvPr>
+            <p:ph idx="12" type="sldNum"/>
+          </p:nvPr>
+        </p:nvSpPr>
+        <p:spPr>
+          <a:xfrm>
+            <a:off x="8472458" y="4663217"/>
+            <a:ext cx="548700" cy="393600"/>
+          </a:xfrm>
+          <a:prstGeom prst="rect">
+            <a:avLst/>
+          </a:prstGeom>
+        </p:spPr>
+        <p:txBody>
+          <a:bodyPr anchorCtr="0" anchor="ctr" bIns="91425" lIns="91425" spcFirstLastPara="1" rIns="91425" wrap="square" tIns="91425">
+            <a:normAutofit/>
+          </a:bodyPr>
+          <a:lstStyle/>
+          <a:p>
+            <a:pPr indent="0" lvl="0" marL="0" rtl="0" algn="r">
+              <a:spcBef>
+                <a:spcPts val="0"/>
+              </a:spcBef>
+              <a:spcAft>
+                <a:spcPts val="0"/>
+              </a:spcAft>
+              <a:buNone/>
+            </a:pPr>
+            <a:fld id="{00000000-1234-1234-1234-123412341234}" type="slidenum">
+              <a:rPr lang="en"/>
+              <a:t>‹#›</a:t>
+            </a:fld>
+            <a:endParaRPr/>
+          </a:p>
+        </p:txBody>
+      </p:sp>
+    </p:spTree>
+  </p:cSld>
+  <p:clrMapOvr>
+    <a:masterClrMapping/>
+  </p:clrMapOvr>
+</p:sld>
+</file>
+
+<file path=ppt/slides/slide7.xml><?xml version="1.0" encoding="utf-8"?>
+<p:sld xmlns:a="http://schemas.openxmlformats.org/drawingml/2006/main" xmlns:r="http://schemas.openxmlformats.org/officeDocument/2006/relationships" xmlns:mc="http://schemas.openxmlformats.org/markup-compatibility/2006" xmlns:mv="urn:schemas-microsoft-com:mac:vml" xmlns:p="http://schemas.openxmlformats.org/presentationml/2006/main" xmlns:c="http://schemas.openxmlformats.org/drawingml/2006/chart" xmlns:dgm="http://schemas.openxmlformats.org/drawingml/2006/diagram" xmlns:o="urn:schemas-microsoft-com:office:office" xmlns:v="urn:schemas-microsoft-com:vml" xmlns:pvml="urn:schemas-microsoft-com:office:powerpoint" xmlns:com="http://schemas.openxmlformats.org/drawingml/2006/compatibility" xmlns:p14="http://schemas.microsoft.com/office/powerpoint/2010/main" xmlns:p15="http://schemas.microsoft.com/office/powerpoint/2012/main" xmlns:ahyp="http://schemas.microsoft.com/office/drawing/2018/hyperlinkcolor">
+  <p:cSld>
+    <p:spTree>
+      <p:nvGrpSpPr>
+        <p:cNvPr id="104" name="Shape 104"/>
+        <p:cNvGrpSpPr/>
+        <p:nvPr/>
+      </p:nvGrpSpPr>
+      <p:grpSpPr>
+        <a:xfrm>
+          <a:off x="0" y="0"/>
+          <a:ext cx="0" cy="0"/>
+          <a:chOff x="0" y="0"/>
+          <a:chExt cx="0" cy="0"/>
+        </a:xfrm>
+      </p:grpSpPr>
+      <p:sp>
+        <p:nvSpPr>
+          <p:cNvPr id="105" name="Google Shape;105;p19"/>
+          <p:cNvSpPr txBox="1"/>
+          <p:nvPr>
+            <p:ph type="title"/>
+          </p:nvPr>
+        </p:nvSpPr>
+        <p:spPr>
+          <a:xfrm>
+            <a:off x="387900" y="458025"/>
+            <a:ext cx="8368200" cy="686100"/>
+          </a:xfrm>
+          <a:prstGeom prst="rect">
+            <a:avLst/>
+          </a:prstGeom>
+        </p:spPr>
+        <p:txBody>
+          <a:bodyPr anchorCtr="0" anchor="b" bIns="91425" lIns="91425" spcFirstLastPara="1" rIns="91425" wrap="square" tIns="91425">
+            <a:normAutofit/>
+          </a:bodyPr>
+          <a:lstStyle/>
+          <a:p>
+            <a:pPr indent="0" lvl="0" marL="0" rtl="0" algn="l">
+              <a:spcBef>
+                <a:spcPts val="0"/>
+              </a:spcBef>
+              <a:spcAft>
+                <a:spcPts val="0"/>
+              </a:spcAft>
+              <a:buNone/>
+            </a:pPr>
+            <a:r>
+              <a:rPr lang="en"/>
+              <a:t>Results</a:t>
+            </a:r>
+            <a:endParaRPr/>
+          </a:p>
+        </p:txBody>
+      </p:sp>
+      <p:sp>
+        <p:nvSpPr>
+          <p:cNvPr id="106" name="Google Shape;106;p19"/>
+          <p:cNvSpPr txBox="1"/>
+          <p:nvPr>
+            <p:ph idx="12" type="sldNum"/>
+          </p:nvPr>
+        </p:nvSpPr>
+        <p:spPr>
+          <a:xfrm>
+            <a:off x="8472458" y="4663217"/>
+            <a:ext cx="548700" cy="393600"/>
+          </a:xfrm>
+          <a:prstGeom prst="rect">
+            <a:avLst/>
+          </a:prstGeom>
+        </p:spPr>
+        <p:txBody>
+          <a:bodyPr anchorCtr="0" anchor="ctr" bIns="91425" lIns="91425" spcFirstLastPara="1" rIns="91425" wrap="square" tIns="91425">
+            <a:normAutofit/>
+          </a:bodyPr>
+          <a:lstStyle/>
+          <a:p>
+            <a:pPr indent="0" lvl="0" marL="0" rtl="0" algn="r">
+              <a:spcBef>
+                <a:spcPts val="0"/>
+              </a:spcBef>
+              <a:spcAft>
+                <a:spcPts val="0"/>
+              </a:spcAft>
+              <a:buNone/>
+            </a:pPr>
+            <a:fld id="{00000000-1234-1234-1234-123412341234}" type="slidenum">
+              <a:rPr lang="en"/>
+              <a:t>‹#›</a:t>
+            </a:fld>
+            <a:endParaRPr/>
+          </a:p>
+        </p:txBody>
+      </p:sp>
+      <p:pic>
+        <p:nvPicPr>
+          <p:cNvPr id="107" name="Google Shape;107;p19"/>
+          <p:cNvPicPr preferRelativeResize="0"/>
+          <p:nvPr/>
+        </p:nvPicPr>
+        <p:blipFill>
+          <a:blip r:embed="rId3">
+            <a:alphaModFix/>
+          </a:blip>
+          <a:stretch>
+            <a:fillRect/>
+          </a:stretch>
+        </p:blipFill>
+        <p:spPr>
+          <a:xfrm>
+            <a:off x="120925" y="1144125"/>
+            <a:ext cx="4373450" cy="2936650"/>
+          </a:xfrm>
+          <a:prstGeom prst="rect">
+            <a:avLst/>
+          </a:prstGeom>
+          <a:noFill/>
+          <a:ln>
+            <a:noFill/>
+          </a:ln>
+        </p:spPr>
+      </p:pic>
+      <p:pic>
+        <p:nvPicPr>
+          <p:cNvPr id="108" name="Google Shape;108;p19"/>
+          <p:cNvPicPr preferRelativeResize="0"/>
+          <p:nvPr/>
+        </p:nvPicPr>
+        <p:blipFill>
+          <a:blip r:embed="rId4">
+            <a:alphaModFix/>
+          </a:blip>
+          <a:stretch>
+            <a:fillRect/>
+          </a:stretch>
+        </p:blipFill>
+        <p:spPr>
+          <a:xfrm>
+            <a:off x="4650325" y="1144838"/>
+            <a:ext cx="4370832" cy="2935224"/>
+          </a:xfrm>
+          <a:prstGeom prst="rect">
+            <a:avLst/>
+          </a:prstGeom>
+          <a:noFill/>
+          <a:ln>
+            <a:noFill/>
+          </a:ln>
+        </p:spPr>
+      </p:pic>
+      <p:sp>
+        <p:nvSpPr>
+          <p:cNvPr id="109" name="Google Shape;109;p19"/>
+          <p:cNvSpPr txBox="1"/>
+          <p:nvPr/>
+        </p:nvSpPr>
+        <p:spPr>
+          <a:xfrm>
+            <a:off x="693125" y="4249600"/>
+            <a:ext cx="7405500" cy="413700"/>
+          </a:xfrm>
+          <a:prstGeom prst="rect">
+            <a:avLst/>
+          </a:prstGeom>
+          <a:noFill/>
+          <a:ln>
+            <a:noFill/>
+          </a:ln>
+        </p:spPr>
+        <p:txBody>
+          <a:bodyPr anchorCtr="0" anchor="t" bIns="91425" lIns="91425" spcFirstLastPara="1" rIns="91425" wrap="square" tIns="91425">
+            <a:noAutofit/>
+          </a:bodyPr>
+          <a:lstStyle/>
+          <a:p>
+            <a:pPr indent="0" lvl="0" marL="0" rtl="0" algn="ctr">
+              <a:spcBef>
+                <a:spcPts val="0"/>
+              </a:spcBef>
+              <a:spcAft>
+                <a:spcPts val="0"/>
+              </a:spcAft>
+              <a:buNone/>
+            </a:pPr>
+            <a:r>
+              <a:rPr lang="en" sz="1800">
+                <a:solidFill>
+                  <a:schemeClr val="dk1"/>
+                </a:solidFill>
+                <a:latin typeface="Roboto"/>
+                <a:ea typeface="Roboto"/>
+                <a:cs typeface="Roboto"/>
+                <a:sym typeface="Roboto"/>
+              </a:rPr>
+              <a:t>Figure : DenseNet201 accuracy and loss. </a:t>
+            </a:r>
+            <a:endParaRPr sz="1800">
+              <a:solidFill>
+                <a:schemeClr val="dk1"/>
+              </a:solidFill>
+              <a:latin typeface="Roboto"/>
+              <a:ea typeface="Roboto"/>
+              <a:cs typeface="Roboto"/>
+              <a:sym typeface="Roboto"/>
+            </a:endParaRPr>
+          </a:p>
+        </p:txBody>
+      </p:sp>
+    </p:spTree>
+  </p:cSld>
+  <p:clrMapOvr>
+    <a:masterClrMapping/>
+  </p:clrMapOvr>
+</p:sld>
+</file>
+
+<file path=ppt/slides/slide8.xml><?xml version="1.0" encoding="utf-8"?>
+<p:sld xmlns:a="http://schemas.openxmlformats.org/drawingml/2006/main" xmlns:r="http://schemas.openxmlformats.org/officeDocument/2006/relationships" xmlns:mc="http://schemas.openxmlformats.org/markup-compatibility/2006" xmlns:mv="urn:schemas-microsoft-com:mac:vml" xmlns:p="http://schemas.openxmlformats.org/presentationml/2006/main" xmlns:c="http://schemas.openxmlformats.org/drawingml/2006/chart" xmlns:dgm="http://schemas.openxmlformats.org/drawingml/2006/diagram" xmlns:o="urn:schemas-microsoft-com:office:office" xmlns:v="urn:schemas-microsoft-com:vml" xmlns:pvml="urn:schemas-microsoft-com:office:powerpoint" xmlns:com="http://schemas.openxmlformats.org/drawingml/2006/compatibility" xmlns:p14="http://schemas.microsoft.com/office/powerpoint/2010/main" xmlns:p15="http://schemas.microsoft.com/office/powerpoint/2012/main" xmlns:ahyp="http://schemas.microsoft.com/office/drawing/2018/hyperlinkcolor">
+  <p:cSld>
+    <p:spTree>
+      <p:nvGrpSpPr>
+        <p:cNvPr id="113" name="Shape 113"/>
+        <p:cNvGrpSpPr/>
+        <p:nvPr/>
+      </p:nvGrpSpPr>
+      <p:grpSpPr>
+        <a:xfrm>
+          <a:off x="0" y="0"/>
+          <a:ext cx="0" cy="0"/>
+          <a:chOff x="0" y="0"/>
+          <a:chExt cx="0" cy="0"/>
+        </a:xfrm>
+      </p:grpSpPr>
+      <p:sp>
+        <p:nvSpPr>
+          <p:cNvPr id="114" name="Google Shape;114;p20"/>
+          <p:cNvSpPr txBox="1"/>
+          <p:nvPr>
+            <p:ph type="title"/>
+          </p:nvPr>
+        </p:nvSpPr>
+        <p:spPr>
+          <a:xfrm>
+            <a:off x="387900" y="458025"/>
+            <a:ext cx="8368200" cy="686100"/>
+          </a:xfrm>
+          <a:prstGeom prst="rect">
+            <a:avLst/>
+          </a:prstGeom>
+        </p:spPr>
+        <p:txBody>
+          <a:bodyPr anchorCtr="0" anchor="b" bIns="91425" lIns="91425" spcFirstLastPara="1" rIns="91425" wrap="square" tIns="91425">
+            <a:normAutofit/>
+          </a:bodyPr>
+          <a:lstStyle/>
+          <a:p>
+            <a:pPr indent="0" lvl="0" marL="0" rtl="0" algn="l">
+              <a:spcBef>
+                <a:spcPts val="0"/>
+              </a:spcBef>
+              <a:spcAft>
+                <a:spcPts val="0"/>
+              </a:spcAft>
+              <a:buNone/>
+            </a:pPr>
+            <a:r>
+              <a:rPr lang="en"/>
+              <a:t>Results</a:t>
+            </a:r>
+            <a:endParaRPr/>
+          </a:p>
+        </p:txBody>
+      </p:sp>
+      <p:sp>
+        <p:nvSpPr>
+          <p:cNvPr id="115" name="Google Shape;115;p20"/>
+          <p:cNvSpPr txBox="1"/>
+          <p:nvPr>
+            <p:ph idx="12" type="sldNum"/>
+          </p:nvPr>
+        </p:nvSpPr>
+        <p:spPr>
+          <a:xfrm>
+            <a:off x="8472458" y="4663217"/>
+            <a:ext cx="548700" cy="393600"/>
+          </a:xfrm>
+          <a:prstGeom prst="rect">
+            <a:avLst/>
+          </a:prstGeom>
+        </p:spPr>
+        <p:txBody>
+          <a:bodyPr anchorCtr="0" anchor="ctr" bIns="91425" lIns="91425" spcFirstLastPara="1" rIns="91425" wrap="square" tIns="91425">
+            <a:normAutofit/>
+          </a:bodyPr>
+          <a:lstStyle/>
+          <a:p>
+            <a:pPr indent="0" lvl="0" marL="0" rtl="0" algn="r">
+              <a:spcBef>
+                <a:spcPts val="0"/>
+              </a:spcBef>
+              <a:spcAft>
+                <a:spcPts val="0"/>
+              </a:spcAft>
+              <a:buNone/>
+            </a:pPr>
+            <a:fld id="{00000000-1234-1234-1234-123412341234}" type="slidenum">
+              <a:rPr lang="en"/>
+              <a:t>‹#›</a:t>
+            </a:fld>
+            <a:endParaRPr/>
+          </a:p>
+        </p:txBody>
+      </p:sp>
+      <p:sp>
+        <p:nvSpPr>
+          <p:cNvPr id="116" name="Google Shape;116;p20"/>
+          <p:cNvSpPr txBox="1"/>
+          <p:nvPr/>
+        </p:nvSpPr>
+        <p:spPr>
+          <a:xfrm>
+            <a:off x="693125" y="4249600"/>
+            <a:ext cx="7405500" cy="413700"/>
+          </a:xfrm>
+          <a:prstGeom prst="rect">
+            <a:avLst/>
+          </a:prstGeom>
+          <a:noFill/>
+          <a:ln>
+            <a:noFill/>
+          </a:ln>
+        </p:spPr>
+        <p:txBody>
+          <a:bodyPr anchorCtr="0" anchor="t" bIns="91425" lIns="91425" spcFirstLastPara="1" rIns="91425" wrap="square" tIns="91425">
+            <a:noAutofit/>
+          </a:bodyPr>
+          <a:lstStyle/>
+          <a:p>
+            <a:pPr indent="0" lvl="0" marL="0" rtl="0" algn="ctr">
+              <a:spcBef>
+                <a:spcPts val="0"/>
+              </a:spcBef>
+              <a:spcAft>
+                <a:spcPts val="0"/>
+              </a:spcAft>
+              <a:buNone/>
+            </a:pPr>
+            <a:r>
+              <a:rPr lang="en" sz="1800">
+                <a:solidFill>
+                  <a:schemeClr val="dk1"/>
+                </a:solidFill>
+                <a:latin typeface="Roboto"/>
+                <a:ea typeface="Roboto"/>
+                <a:cs typeface="Roboto"/>
+                <a:sym typeface="Roboto"/>
+              </a:rPr>
+              <a:t>Figure : EfficientNet accuracy and loss. </a:t>
+            </a:r>
+            <a:endParaRPr sz="1800">
+              <a:solidFill>
+                <a:schemeClr val="dk1"/>
+              </a:solidFill>
+              <a:latin typeface="Roboto"/>
+              <a:ea typeface="Roboto"/>
+              <a:cs typeface="Roboto"/>
+              <a:sym typeface="Roboto"/>
+            </a:endParaRPr>
+          </a:p>
+        </p:txBody>
+      </p:sp>
+      <p:pic>
+        <p:nvPicPr>
+          <p:cNvPr id="117" name="Google Shape;117;p20"/>
+          <p:cNvPicPr preferRelativeResize="0"/>
+          <p:nvPr/>
+        </p:nvPicPr>
+        <p:blipFill>
+          <a:blip r:embed="rId3">
+            <a:alphaModFix/>
+          </a:blip>
+          <a:stretch>
+            <a:fillRect/>
+          </a:stretch>
+        </p:blipFill>
+        <p:spPr>
+          <a:xfrm>
+            <a:off x="152400" y="1296525"/>
+            <a:ext cx="4370832" cy="2935224"/>
+          </a:xfrm>
+          <a:prstGeom prst="rect">
+            <a:avLst/>
+          </a:prstGeom>
+          <a:noFill/>
+          <a:ln>
+            <a:noFill/>
+          </a:ln>
+        </p:spPr>
+      </p:pic>
+      <p:pic>
+        <p:nvPicPr>
+          <p:cNvPr id="118" name="Google Shape;118;p20"/>
+          <p:cNvPicPr preferRelativeResize="0"/>
+          <p:nvPr/>
+        </p:nvPicPr>
+        <p:blipFill>
+          <a:blip r:embed="rId4">
+            <a:alphaModFix/>
+          </a:blip>
+          <a:stretch>
+            <a:fillRect/>
+          </a:stretch>
+        </p:blipFill>
+        <p:spPr>
+          <a:xfrm>
+            <a:off x="4675632" y="1296525"/>
+            <a:ext cx="4370832" cy="2935224"/>
+          </a:xfrm>
+          <a:prstGeom prst="rect">
+            <a:avLst/>
+          </a:prstGeom>
+          <a:noFill/>
+          <a:ln>
+            <a:noFill/>
+          </a:ln>
+        </p:spPr>
+      </p:pic>
     </p:spTree>
   </p:cSld>
   <p:clrMapOvr>
@@ -8882,7 +12381,7 @@
   <p:cSld>
     <p:spTree>
       <p:nvGrpSpPr>
-        <p:cNvPr id="112" name="Shape 112"/>
+        <p:cNvPr id="122" name="Shape 122"/>
         <p:cNvGrpSpPr/>
         <p:nvPr/>
       </p:nvGrpSpPr>
@@ -8896,7 +12395,7 @@
       </p:grpSpPr>
       <p:sp>
         <p:nvSpPr>
-          <p:cNvPr id="113" name="Google Shape;113;p21"/>
+          <p:cNvPr id="123" name="Google Shape;123;p21"/>
           <p:cNvSpPr txBox="1"/>
           <p:nvPr>
             <p:ph type="title"/>
@@ -8928,7 +12427,7 @@
             </a:pPr>
             <a:r>
               <a:rPr lang="en"/>
-              <a:t> </a:t>
+              <a:t>Results</a:t>
             </a:r>
             <a:endParaRPr/>
           </a:p>
@@ -8936,16 +12435,16 @@
       </p:sp>
       <p:sp>
         <p:nvSpPr>
-          <p:cNvPr id="114" name="Google Shape;114;p21"/>
+          <p:cNvPr id="124" name="Google Shape;124;p21"/>
           <p:cNvSpPr txBox="1"/>
           <p:nvPr>
-            <p:ph idx="1" type="body"/>
+            <p:ph idx="12" type="sldNum"/>
           </p:nvPr>
         </p:nvSpPr>
         <p:spPr>
           <a:xfrm>
-            <a:off x="387900" y="1032299"/>
-            <a:ext cx="8368200" cy="3078900"/>
+            <a:off x="8472458" y="4663217"/>
+            <a:ext cx="548700" cy="393600"/>
           </a:xfrm>
           <a:prstGeom prst="rect">
             <a:avLst/>
@@ -8957,23 +12456,137 @@
           </a:bodyPr>
           <a:lstStyle/>
           <a:p>
-            <a:pPr indent="0" lvl="0" marL="0" rtl="0" algn="ctr">
-              <a:spcBef>
-                <a:spcPts val="0"/>
-              </a:spcBef>
-              <a:spcAft>
-                <a:spcPts val="1200"/>
+            <a:pPr indent="0" lvl="0" marL="0" rtl="0" algn="r">
+              <a:spcBef>
+                <a:spcPts val="0"/>
+              </a:spcBef>
+              <a:spcAft>
+                <a:spcPts val="0"/>
               </a:spcAft>
               <a:buNone/>
             </a:pPr>
-            <a:r>
+            <a:fld id="{00000000-1234-1234-1234-123412341234}" type="slidenum">
               <a:rPr lang="en"/>
-              <a:t>Thank You!!</a:t>
-            </a:r>
+              <a:t>‹#›</a:t>
+            </a:fld>
             <a:endParaRPr/>
           </a:p>
         </p:txBody>
       </p:sp>
+      <p:sp>
+        <p:nvSpPr>
+          <p:cNvPr id="125" name="Google Shape;125;p21"/>
+          <p:cNvSpPr txBox="1"/>
+          <p:nvPr/>
+        </p:nvSpPr>
+        <p:spPr>
+          <a:xfrm>
+            <a:off x="693125" y="4249600"/>
+            <a:ext cx="7405500" cy="413700"/>
+          </a:xfrm>
+          <a:prstGeom prst="rect">
+            <a:avLst/>
+          </a:prstGeom>
+          <a:noFill/>
+          <a:ln>
+            <a:noFill/>
+          </a:ln>
+        </p:spPr>
+        <p:txBody>
+          <a:bodyPr anchorCtr="0" anchor="t" bIns="91425" lIns="91425" spcFirstLastPara="1" rIns="91425" wrap="square" tIns="91425">
+            <a:noAutofit/>
+          </a:bodyPr>
+          <a:lstStyle/>
+          <a:p>
+            <a:pPr indent="0" lvl="0" marL="0" rtl="0" algn="ctr">
+              <a:spcBef>
+                <a:spcPts val="0"/>
+              </a:spcBef>
+              <a:spcAft>
+                <a:spcPts val="0"/>
+              </a:spcAft>
+              <a:buNone/>
+            </a:pPr>
+            <a:r>
+              <a:rPr lang="en" sz="1800">
+                <a:solidFill>
+                  <a:schemeClr val="dk1"/>
+                </a:solidFill>
+                <a:latin typeface="Roboto"/>
+                <a:ea typeface="Roboto"/>
+                <a:cs typeface="Roboto"/>
+                <a:sym typeface="Roboto"/>
+              </a:rPr>
+              <a:t>Figure : InceptionV3 accuracy and loss. </a:t>
+            </a:r>
+            <a:endParaRPr sz="1800">
+              <a:solidFill>
+                <a:schemeClr val="dk1"/>
+              </a:solidFill>
+              <a:latin typeface="Roboto"/>
+              <a:ea typeface="Roboto"/>
+              <a:cs typeface="Roboto"/>
+              <a:sym typeface="Roboto"/>
+            </a:endParaRPr>
+          </a:p>
+        </p:txBody>
+      </p:sp>
+      <p:pic>
+        <p:nvPicPr>
+          <p:cNvPr id="126" name="Google Shape;126;p21"/>
+          <p:cNvPicPr preferRelativeResize="0"/>
+          <p:nvPr/>
+        </p:nvPicPr>
+        <p:blipFill>
+          <a:blip r:embed="rId3">
+            <a:alphaModFix/>
+          </a:blip>
+          <a:stretch>
+            <a:fillRect/>
+          </a:stretch>
+        </p:blipFill>
+        <p:spPr>
+          <a:xfrm>
+            <a:off x="152400" y="1296525"/>
+            <a:ext cx="4370832" cy="2935224"/>
+          </a:xfrm>
+          <a:prstGeom prst="rect">
+            <a:avLst/>
+          </a:prstGeom>
+          <a:noFill/>
+          <a:ln>
+            <a:noFill/>
+          </a:ln>
+        </p:spPr>
+      </p:pic>
+      <p:pic>
+        <p:nvPicPr>
+          <p:cNvPr id="127" name="Google Shape;127;p21"/>
+          <p:cNvPicPr preferRelativeResize="0"/>
+          <p:nvPr/>
+        </p:nvPicPr>
+        <p:blipFill>
+          <a:blip r:embed="rId4">
+            <a:alphaModFix/>
+          </a:blip>
+          <a:stretch>
+            <a:fillRect/>
+          </a:stretch>
+        </p:blipFill>
+        <p:spPr>
+          <a:xfrm>
+            <a:off x="4675632" y="1296525"/>
+            <a:ext cx="4370832" cy="2935224"/>
+          </a:xfrm>
+          <a:prstGeom prst="rect">
+            <a:avLst/>
+          </a:prstGeom>
+          <a:noFill/>
+          <a:ln>
+            <a:noFill/>
+          </a:ln>
+        </p:spPr>
+      </p:pic>
     </p:spTree>
   </p:cSld>
   <p:clrMapOvr>
@@ -8983,6 +12596,285 @@
 </file>
 
 <file path=ppt/theme/theme1.xml><?xml version="1.0" encoding="utf-8"?>
+<a:theme xmlns:a="http://schemas.openxmlformats.org/drawingml/2006/main" xmlns:r="http://schemas.openxmlformats.org/officeDocument/2006/relationships">
+  <a:themeElements>
+    <a:clrScheme name="Default">
+      <a:dk1>
+        <a:srgbClr val="000000"/>
+      </a:dk1>
+      <a:lt1>
+        <a:srgbClr val="FFFFFF"/>
+      </a:lt1>
+      <a:dk2>
+        <a:srgbClr val="158158"/>
+      </a:dk2>
+      <a:lt2>
+        <a:srgbClr val="F3F3F3"/>
+      </a:lt2>
+      <a:accent1>
+        <a:srgbClr val="058DC7"/>
+      </a:accent1>
+      <a:accent2>
+        <a:srgbClr val="50B432"/>
+      </a:accent2>
+      <a:accent3>
+        <a:srgbClr val="ED561B"/>
+      </a:accent3>
+      <a:accent4>
+        <a:srgbClr val="EDEF00"/>
+      </a:accent4>
+      <a:accent5>
+        <a:srgbClr val="24CBE5"/>
+      </a:accent5>
+      <a:accent6>
+        <a:srgbClr val="64E572"/>
+      </a:accent6>
+      <a:hlink>
+        <a:srgbClr val="2200CC"/>
+      </a:hlink>
+      <a:folHlink>
+        <a:srgbClr val="551A8B"/>
+      </a:folHlink>
+    </a:clrScheme>
+    <a:fontScheme name="Office">
+      <a:majorFont>
+        <a:latin typeface="Arial"/>
+        <a:ea typeface=""/>
+        <a:cs typeface=""/>
+        <a:font script="Jpan" typeface="ＭＳ Ｐゴシック"/>
+        <a:font script="Hang" typeface="맑은 고딕"/>
+        <a:font script="Hans" typeface="宋体"/>
+        <a:font script="Hant" typeface="新細明體"/>
+        <a:font script="Arab" typeface="Times New Roman"/>
+        <a:font script="Hebr" typeface="Times New Roman"/>
+        <a:font script="Thai" typeface="Angsana New"/>
+        <a:font script="Ethi" typeface="Nyala"/>
+        <a:font script="Beng" typeface="Vrinda"/>
+        <a:font script="Gujr" typeface="Shruti"/>
+        <a:font script="Khmr" typeface="MoolBoran"/>
+        <a:font script="Knda" typeface="Tunga"/>
+        <a:font script="Guru" typeface="Raavi"/>
+        <a:font script="Cans" typeface="Euphemia"/>
+        <a:font script="Cher" typeface="Plantagenet Cherokee"/>
+        <a:font script="Yiii" typeface="Microsoft Yi Baiti"/>
+        <a:font script="Tibt" typeface="Microsoft Himalaya"/>
+        <a:font script="Thaa" typeface="MV Boli"/>
+        <a:font script="Deva" typeface="Mangal"/>
+        <a:font script="Telu" typeface="Gautami"/>
+        <a:font script="Taml" typeface="Latha"/>
+        <a:font script="Syrc" typeface="Estrangelo Edessa"/>
+        <a:font script="Orya" typeface="Kalinga"/>
+        <a:font script="Mlym" typeface="Kartika"/>
+        <a:font script="Laoo" typeface="DokChampa"/>
+        <a:font script="Sinh" typeface="Iskoola Pota"/>
+        <a:font script="Mong" typeface="Mongolian Baiti"/>
+        <a:font script="Viet" typeface="Times New Roman"/>
+        <a:font script="Uigh" typeface="Microsoft Uighur"/>
+        <a:font script="Geor" typeface="Sylfaen"/>
+      </a:majorFont>
+      <a:minorFont>
+        <a:latin typeface="Arial"/>
+        <a:ea typeface=""/>
+        <a:cs typeface=""/>
+        <a:font script="Jpan" typeface="ＭＳ Ｐゴシック"/>
+        <a:font script="Hang" typeface="맑은 고딕"/>
+        <a:font script="Hans" typeface="宋体"/>
+        <a:font script="Hant" typeface="新細明體"/>
+        <a:font script="Arab" typeface="Arial"/>
+        <a:font script="Hebr" typeface="Arial"/>
+        <a:font script="Thai" typeface="Cordia New"/>
+        <a:font script="Ethi" typeface="Nyala"/>
+        <a:font script="Beng" typeface="Vrinda"/>
+        <a:font script="Gujr" typeface="Shruti"/>
+        <a:font script="Khmr" typeface="DaunPenh"/>
+        <a:font script="Knda" typeface="Tunga"/>
+        <a:font script="Guru" typeface="Raavi"/>
+        <a:font script="Cans" typeface="Euphemia"/>
+        <a:font script="Cher" typeface="Plantagenet Cherokee"/>
+        <a:font script="Yiii" typeface="Microsoft Yi Baiti"/>
+        <a:font script="Tibt" typeface="Microsoft Himalaya"/>
+        <a:font script="Thaa" typeface="MV Boli"/>
+        <a:font script="Deva" typeface="Mangal"/>
+        <a:font script="Telu" typeface="Gautami"/>
+        <a:font script="Taml" typeface="Latha"/>
+        <a:font script="Syrc" typeface="Estrangelo Edessa"/>
+        <a:font script="Orya" typeface="Kalinga"/>
+        <a:font script="Mlym" typeface="Kartika"/>
+        <a:font script="Laoo" typeface="DokChampa"/>
+        <a:font script="Sinh" typeface="Iskoola Pota"/>
+        <a:font script="Mong" typeface="Mongolian Baiti"/>
+        <a:font script="Viet" typeface="Arial"/>
+        <a:font script="Uigh" typeface="Microsoft Uighur"/>
+        <a:font script="Geor" typeface="Sylfaen"/>
+      </a:minorFont>
+    </a:fontScheme>
+    <a:fmtScheme name="Office">
+      <a:fillStyleLst>
+        <a:solidFill>
+          <a:schemeClr val="phClr"/>
+        </a:solidFill>
+        <a:gradFill rotWithShape="1">
+          <a:gsLst>
+            <a:gs pos="0">
+              <a:schemeClr val="phClr">
+                <a:tint val="50000"/>
+                <a:satMod val="300000"/>
+              </a:schemeClr>
+            </a:gs>
+            <a:gs pos="35000">
+              <a:schemeClr val="phClr">
+                <a:tint val="37000"/>
+                <a:satMod val="300000"/>
+              </a:schemeClr>
+            </a:gs>
+            <a:gs pos="100000">
+              <a:schemeClr val="phClr">
+                <a:tint val="15000"/>
+                <a:satMod val="350000"/>
+              </a:schemeClr>
+            </a:gs>
+          </a:gsLst>
+          <a:lin ang="16200000" scaled="1"/>
+        </a:gradFill>
+        <a:gradFill rotWithShape="1">
+          <a:gsLst>
+            <a:gs pos="0">
+              <a:schemeClr val="phClr">
+                <a:tint val="100000"/>
+                <a:shade val="100000"/>
+                <a:satMod val="130000"/>
+              </a:schemeClr>
+            </a:gs>
+            <a:gs pos="100000">
+              <a:schemeClr val="phClr">
+                <a:tint val="50000"/>
+                <a:shade val="100000"/>
+                <a:satMod val="350000"/>
+              </a:schemeClr>
+            </a:gs>
+          </a:gsLst>
+          <a:lin ang="16200000" scaled="0"/>
+        </a:gradFill>
+      </a:fillStyleLst>
+      <a:lnStyleLst>
+        <a:ln w="9525" cap="flat" cmpd="sng" algn="ctr">
+          <a:solidFill>
+            <a:schemeClr val="phClr">
+              <a:shade val="95000"/>
+              <a:satMod val="105000"/>
+            </a:schemeClr>
+          </a:solidFill>
+          <a:prstDash val="solid"/>
+        </a:ln>
+        <a:ln w="25400" cap="flat" cmpd="sng" algn="ctr">
+          <a:solidFill>
+            <a:schemeClr val="phClr"/>
+          </a:solidFill>
+          <a:prstDash val="solid"/>
+        </a:ln>
+        <a:ln w="38100" cap="flat" cmpd="sng" algn="ctr">
+          <a:solidFill>
+            <a:schemeClr val="phClr"/>
+          </a:solidFill>
+          <a:prstDash val="solid"/>
+        </a:ln>
+      </a:lnStyleLst>
+      <a:effectStyleLst>
+        <a:effectStyle>
+          <a:effectLst>
+            <a:outerShdw blurRad="40000" dist="20000" dir="5400000" rotWithShape="0">
+              <a:srgbClr val="000000">
+                <a:alpha val="38000"/>
+              </a:srgbClr>
+            </a:outerShdw>
+          </a:effectLst>
+        </a:effectStyle>
+        <a:effectStyle>
+          <a:effectLst>
+            <a:outerShdw blurRad="40000" dist="23000" dir="5400000" rotWithShape="0">
+              <a:srgbClr val="000000">
+                <a:alpha val="35000"/>
+              </a:srgbClr>
+            </a:outerShdw>
+          </a:effectLst>
+        </a:effectStyle>
+        <a:effectStyle>
+          <a:effectLst>
+            <a:outerShdw blurRad="40000" dist="23000" dir="5400000" rotWithShape="0">
+              <a:srgbClr val="000000">
+                <a:alpha val="35000"/>
+              </a:srgbClr>
+            </a:outerShdw>
+          </a:effectLst>
+          <a:scene3d>
+            <a:camera prst="orthographicFront">
+              <a:rot lat="0" lon="0" rev="0"/>
+            </a:camera>
+            <a:lightRig rig="threePt" dir="t">
+              <a:rot lat="0" lon="0" rev="1200000"/>
+            </a:lightRig>
+          </a:scene3d>
+          <a:sp3d>
+            <a:bevelT w="63500" h="25400"/>
+          </a:sp3d>
+        </a:effectStyle>
+      </a:effectStyleLst>
+      <a:bgFillStyleLst>
+        <a:solidFill>
+          <a:schemeClr val="phClr"/>
+        </a:solidFill>
+        <a:gradFill rotWithShape="1">
+          <a:gsLst>
+            <a:gs pos="0">
+              <a:schemeClr val="phClr">
+                <a:tint val="40000"/>
+                <a:satMod val="350000"/>
+              </a:schemeClr>
+            </a:gs>
+            <a:gs pos="40000">
+              <a:schemeClr val="phClr">
+                <a:tint val="45000"/>
+                <a:shade val="99000"/>
+                <a:satMod val="350000"/>
+              </a:schemeClr>
+            </a:gs>
+            <a:gs pos="100000">
+              <a:schemeClr val="phClr">
+                <a:shade val="20000"/>
+                <a:satMod val="255000"/>
+              </a:schemeClr>
+            </a:gs>
+          </a:gsLst>
+          <a:path path="circle">
+            <a:fillToRect l="50000" t="-80000" r="50000" b="180000"/>
+          </a:path>
+        </a:gradFill>
+        <a:gradFill rotWithShape="1">
+          <a:gsLst>
+            <a:gs pos="0">
+              <a:schemeClr val="phClr">
+                <a:tint val="80000"/>
+                <a:satMod val="300000"/>
+              </a:schemeClr>
+            </a:gs>
+            <a:gs pos="100000">
+              <a:schemeClr val="phClr">
+                <a:shade val="30000"/>
+                <a:satMod val="200000"/>
+              </a:schemeClr>
+            </a:gs>
+          </a:gsLst>
+          <a:path path="circle">
+            <a:fillToRect l="50000" t="50000" r="50000" b="50000"/>
+          </a:path>
+        </a:gradFill>
+      </a:bgFillStyleLst>
+    </a:fmtScheme>
+  </a:themeElements>
+</a:theme>
+</file>
+
+<file path=ppt/theme/theme2.xml><?xml version="1.0" encoding="utf-8"?>
 <a:theme xmlns:a="http://schemas.openxmlformats.org/drawingml/2006/main" xmlns:r="http://schemas.openxmlformats.org/officeDocument/2006/relationships" name="Marina">
   <a:themeElements>
     <a:clrScheme name="Marina">
@@ -9259,283 +13151,4 @@
     </a:fmtScheme>
   </a:themeElements>
 </a:theme>
-</file>
-
-<file path=ppt/theme/theme2.xml><?xml version="1.0" encoding="utf-8"?>
-<a:theme xmlns:a="http://schemas.openxmlformats.org/drawingml/2006/main" xmlns:r="http://schemas.openxmlformats.org/officeDocument/2006/relationships">
-  <a:themeElements>
-    <a:clrScheme name="Default">
-      <a:dk1>
-        <a:srgbClr val="000000"/>
-      </a:dk1>
-      <a:lt1>
-        <a:srgbClr val="FFFFFF"/>
-      </a:lt1>
-      <a:dk2>
-        <a:srgbClr val="158158"/>
-      </a:dk2>
-      <a:lt2>
-        <a:srgbClr val="F3F3F3"/>
-      </a:lt2>
-      <a:accent1>
-        <a:srgbClr val="058DC7"/>
-      </a:accent1>
-      <a:accent2>
-        <a:srgbClr val="50B432"/>
-      </a:accent2>
-      <a:accent3>
-        <a:srgbClr val="ED561B"/>
-      </a:accent3>
-      <a:accent4>
-        <a:srgbClr val="EDEF00"/>
-      </a:accent4>
-      <a:accent5>
-        <a:srgbClr val="24CBE5"/>
-      </a:accent5>
-      <a:accent6>
-        <a:srgbClr val="64E572"/>
-      </a:accent6>
-      <a:hlink>
-        <a:srgbClr val="2200CC"/>
-      </a:hlink>
-      <a:folHlink>
-        <a:srgbClr val="551A8B"/>
-      </a:folHlink>
-    </a:clrScheme>
-    <a:fontScheme name="Office">
-      <a:majorFont>
-        <a:latin typeface="Arial"/>
-        <a:ea typeface=""/>
-        <a:cs typeface=""/>
-        <a:font script="Jpan" typeface="ＭＳ Ｐゴシック"/>
-        <a:font script="Hang" typeface="맑은 고딕"/>
-        <a:font script="Hans" typeface="宋体"/>
-        <a:font script="Hant" typeface="新細明體"/>
-        <a:font script="Arab" typeface="Times New Roman"/>
-        <a:font script="Hebr" typeface="Times New Roman"/>
-        <a:font script="Thai" typeface="Angsana New"/>
-        <a:font script="Ethi" typeface="Nyala"/>
-        <a:font script="Beng" typeface="Vrinda"/>
-        <a:font script="Gujr" typeface="Shruti"/>
-        <a:font script="Khmr" typeface="MoolBoran"/>
-        <a:font script="Knda" typeface="Tunga"/>
-        <a:font script="Guru" typeface="Raavi"/>
-        <a:font script="Cans" typeface="Euphemia"/>
-        <a:font script="Cher" typeface="Plantagenet Cherokee"/>
-        <a:font script="Yiii" typeface="Microsoft Yi Baiti"/>
-        <a:font script="Tibt" typeface="Microsoft Himalaya"/>
-        <a:font script="Thaa" typeface="MV Boli"/>
-        <a:font script="Deva" typeface="Mangal"/>
-        <a:font script="Telu" typeface="Gautami"/>
-        <a:font script="Taml" typeface="Latha"/>
-        <a:font script="Syrc" typeface="Estrangelo Edessa"/>
-        <a:font script="Orya" typeface="Kalinga"/>
-        <a:font script="Mlym" typeface="Kartika"/>
-        <a:font script="Laoo" typeface="DokChampa"/>
-        <a:font script="Sinh" typeface="Iskoola Pota"/>
-        <a:font script="Mong" typeface="Mongolian Baiti"/>
-        <a:font script="Viet" typeface="Times New Roman"/>
-        <a:font script="Uigh" typeface="Microsoft Uighur"/>
-        <a:font script="Geor" typeface="Sylfaen"/>
-      </a:majorFont>
-      <a:minorFont>
-        <a:latin typeface="Arial"/>
-        <a:ea typeface=""/>
-        <a:cs typeface=""/>
-        <a:font script="Jpan" typeface="ＭＳ Ｐゴシック"/>
-        <a:font script="Hang" typeface="맑은 고딕"/>
-        <a:font script="Hans" typeface="宋体"/>
-        <a:font script="Hant" typeface="新細明體"/>
-        <a:font script="Arab" typeface="Arial"/>
-        <a:font script="Hebr" typeface="Arial"/>
-        <a:font script="Thai" typeface="Cordia New"/>
-        <a:font script="Ethi" typeface="Nyala"/>
-        <a:font script="Beng" typeface="Vrinda"/>
-        <a:font script="Gujr" typeface="Shruti"/>
-        <a:font script="Khmr" typeface="DaunPenh"/>
-        <a:font script="Knda" typeface="Tunga"/>
-        <a:font script="Guru" typeface="Raavi"/>
-        <a:font script="Cans" typeface="Euphemia"/>
-        <a:font script="Cher" typeface="Plantagenet Cherokee"/>
-        <a:font script="Yiii" typeface="Microsoft Yi Baiti"/>
-        <a:font script="Tibt" typeface="Microsoft Himalaya"/>
-        <a:font script="Thaa" typeface="MV Boli"/>
-        <a:font script="Deva" typeface="Mangal"/>
-        <a:font script="Telu" typeface="Gautami"/>
-        <a:font script="Taml" typeface="Latha"/>
-        <a:font script="Syrc" typeface="Estrangelo Edessa"/>
-        <a:font script="Orya" typeface="Kalinga"/>
-        <a:font script="Mlym" typeface="Kartika"/>
-        <a:font script="Laoo" typeface="DokChampa"/>
-        <a:font script="Sinh" typeface="Iskoola Pota"/>
-        <a:font script="Mong" typeface="Mongolian Baiti"/>
-        <a:font script="Viet" typeface="Arial"/>
-        <a:font script="Uigh" typeface="Microsoft Uighur"/>
-        <a:font script="Geor" typeface="Sylfaen"/>
-      </a:minorFont>
-    </a:fontScheme>
-    <a:fmtScheme name="Office">
-      <a:fillStyleLst>
-        <a:solidFill>
-          <a:schemeClr val="phClr"/>
-        </a:solidFill>
-        <a:gradFill rotWithShape="1">
-          <a:gsLst>
-            <a:gs pos="0">
-              <a:schemeClr val="phClr">
-                <a:tint val="50000"/>
-                <a:satMod val="300000"/>
-              </a:schemeClr>
-            </a:gs>
-            <a:gs pos="35000">
-              <a:schemeClr val="phClr">
-                <a:tint val="37000"/>
-                <a:satMod val="300000"/>
-              </a:schemeClr>
-            </a:gs>
-            <a:gs pos="100000">
-              <a:schemeClr val="phClr">
-                <a:tint val="15000"/>
-                <a:satMod val="350000"/>
-              </a:schemeClr>
-            </a:gs>
-          </a:gsLst>
-          <a:lin ang="16200000" scaled="1"/>
-        </a:gradFill>
-        <a:gradFill rotWithShape="1">
-          <a:gsLst>
-            <a:gs pos="0">
-              <a:schemeClr val="phClr">
-                <a:tint val="100000"/>
-                <a:shade val="100000"/>
-                <a:satMod val="130000"/>
-              </a:schemeClr>
-            </a:gs>
-            <a:gs pos="100000">
-              <a:schemeClr val="phClr">
-                <a:tint val="50000"/>
-                <a:shade val="100000"/>
-                <a:satMod val="350000"/>
-              </a:schemeClr>
-            </a:gs>
-          </a:gsLst>
-          <a:lin ang="16200000" scaled="0"/>
-        </a:gradFill>
-      </a:fillStyleLst>
-      <a:lnStyleLst>
-        <a:ln w="9525" cap="flat" cmpd="sng" algn="ctr">
-          <a:solidFill>
-            <a:schemeClr val="phClr">
-              <a:shade val="95000"/>
-              <a:satMod val="105000"/>
-            </a:schemeClr>
-          </a:solidFill>
-          <a:prstDash val="solid"/>
-        </a:ln>
-        <a:ln w="25400" cap="flat" cmpd="sng" algn="ctr">
-          <a:solidFill>
-            <a:schemeClr val="phClr"/>
-          </a:solidFill>
-          <a:prstDash val="solid"/>
-        </a:ln>
-        <a:ln w="38100" cap="flat" cmpd="sng" algn="ctr">
-          <a:solidFill>
-            <a:schemeClr val="phClr"/>
-          </a:solidFill>
-          <a:prstDash val="solid"/>
-        </a:ln>
-      </a:lnStyleLst>
-      <a:effectStyleLst>
-        <a:effectStyle>
-          <a:effectLst>
-            <a:outerShdw blurRad="40000" dist="20000" dir="5400000" rotWithShape="0">
-              <a:srgbClr val="000000">
-                <a:alpha val="38000"/>
-              </a:srgbClr>
-            </a:outerShdw>
-          </a:effectLst>
-        </a:effectStyle>
-        <a:effectStyle>
-          <a:effectLst>
-            <a:outerShdw blurRad="40000" dist="23000" dir="5400000" rotWithShape="0">
-              <a:srgbClr val="000000">
-                <a:alpha val="35000"/>
-              </a:srgbClr>
-            </a:outerShdw>
-          </a:effectLst>
-        </a:effectStyle>
-        <a:effectStyle>
-          <a:effectLst>
-            <a:outerShdw blurRad="40000" dist="23000" dir="5400000" rotWithShape="0">
-              <a:srgbClr val="000000">
-                <a:alpha val="35000"/>
-              </a:srgbClr>
-            </a:outerShdw>
-          </a:effectLst>
-          <a:scene3d>
-            <a:camera prst="orthographicFront">
-              <a:rot lat="0" lon="0" rev="0"/>
-            </a:camera>
-            <a:lightRig rig="threePt" dir="t">
-              <a:rot lat="0" lon="0" rev="1200000"/>
-            </a:lightRig>
-          </a:scene3d>
-          <a:sp3d>
-            <a:bevelT w="63500" h="25400"/>
-          </a:sp3d>
-        </a:effectStyle>
-      </a:effectStyleLst>
-      <a:bgFillStyleLst>
-        <a:solidFill>
-          <a:schemeClr val="phClr"/>
-        </a:solidFill>
-        <a:gradFill rotWithShape="1">
-          <a:gsLst>
-            <a:gs pos="0">
-              <a:schemeClr val="phClr">
-                <a:tint val="40000"/>
-                <a:satMod val="350000"/>
-              </a:schemeClr>
-            </a:gs>
-            <a:gs pos="40000">
-              <a:schemeClr val="phClr">
-                <a:tint val="45000"/>
-                <a:shade val="99000"/>
-                <a:satMod val="350000"/>
-              </a:schemeClr>
-            </a:gs>
-            <a:gs pos="100000">
-              <a:schemeClr val="phClr">
-                <a:shade val="20000"/>
-                <a:satMod val="255000"/>
-              </a:schemeClr>
-            </a:gs>
-          </a:gsLst>
-          <a:path path="circle">
-            <a:fillToRect l="50000" t="-80000" r="50000" b="180000"/>
-          </a:path>
-        </a:gradFill>
-        <a:gradFill rotWithShape="1">
-          <a:gsLst>
-            <a:gs pos="0">
-              <a:schemeClr val="phClr">
-                <a:tint val="80000"/>
-                <a:satMod val="300000"/>
-              </a:schemeClr>
-            </a:gs>
-            <a:gs pos="100000">
-              <a:schemeClr val="phClr">
-                <a:shade val="30000"/>
-                <a:satMod val="200000"/>
-              </a:schemeClr>
-            </a:gs>
-          </a:gsLst>
-          <a:path path="circle">
-            <a:fillToRect l="50000" t="50000" r="50000" b="50000"/>
-          </a:path>
-        </a:gradFill>
-      </a:bgFillStyleLst>
-    </a:fmtScheme>
-  </a:themeElements>
-</a:theme>
 </file>